--- a/document/information therory.pptx
+++ b/document/information therory.pptx
@@ -256,7 +256,7 @@
           <a:p>
             <a:fld id="{F230FA74-3580-40AE-ABBA-B0AE97308F37}" type="datetimeFigureOut">
               <a:rPr lang="ko-KR" altLang="en-US" smtClean="0"/>
-              <a:t>2017-11-15</a:t>
+              <a:t>2017-11-22</a:t>
             </a:fld>
             <a:endParaRPr lang="ko-KR" altLang="en-US"/>
           </a:p>
@@ -424,7 +424,7 @@
           <a:p>
             <a:fld id="{F230FA74-3580-40AE-ABBA-B0AE97308F37}" type="datetimeFigureOut">
               <a:rPr lang="ko-KR" altLang="en-US" smtClean="0"/>
-              <a:t>2017-11-15</a:t>
+              <a:t>2017-11-22</a:t>
             </a:fld>
             <a:endParaRPr lang="ko-KR" altLang="en-US"/>
           </a:p>
@@ -602,7 +602,7 @@
           <a:p>
             <a:fld id="{F230FA74-3580-40AE-ABBA-B0AE97308F37}" type="datetimeFigureOut">
               <a:rPr lang="ko-KR" altLang="en-US" smtClean="0"/>
-              <a:t>2017-11-15</a:t>
+              <a:t>2017-11-22</a:t>
             </a:fld>
             <a:endParaRPr lang="ko-KR" altLang="en-US"/>
           </a:p>
@@ -770,7 +770,7 @@
           <a:p>
             <a:fld id="{F230FA74-3580-40AE-ABBA-B0AE97308F37}" type="datetimeFigureOut">
               <a:rPr lang="ko-KR" altLang="en-US" smtClean="0"/>
-              <a:t>2017-11-15</a:t>
+              <a:t>2017-11-22</a:t>
             </a:fld>
             <a:endParaRPr lang="ko-KR" altLang="en-US"/>
           </a:p>
@@ -1015,7 +1015,7 @@
           <a:p>
             <a:fld id="{F230FA74-3580-40AE-ABBA-B0AE97308F37}" type="datetimeFigureOut">
               <a:rPr lang="ko-KR" altLang="en-US" smtClean="0"/>
-              <a:t>2017-11-15</a:t>
+              <a:t>2017-11-22</a:t>
             </a:fld>
             <a:endParaRPr lang="ko-KR" altLang="en-US"/>
           </a:p>
@@ -1244,7 +1244,7 @@
           <a:p>
             <a:fld id="{F230FA74-3580-40AE-ABBA-B0AE97308F37}" type="datetimeFigureOut">
               <a:rPr lang="ko-KR" altLang="en-US" smtClean="0"/>
-              <a:t>2017-11-15</a:t>
+              <a:t>2017-11-22</a:t>
             </a:fld>
             <a:endParaRPr lang="ko-KR" altLang="en-US"/>
           </a:p>
@@ -1608,7 +1608,7 @@
           <a:p>
             <a:fld id="{F230FA74-3580-40AE-ABBA-B0AE97308F37}" type="datetimeFigureOut">
               <a:rPr lang="ko-KR" altLang="en-US" smtClean="0"/>
-              <a:t>2017-11-15</a:t>
+              <a:t>2017-11-22</a:t>
             </a:fld>
             <a:endParaRPr lang="ko-KR" altLang="en-US"/>
           </a:p>
@@ -1725,7 +1725,7 @@
           <a:p>
             <a:fld id="{F230FA74-3580-40AE-ABBA-B0AE97308F37}" type="datetimeFigureOut">
               <a:rPr lang="ko-KR" altLang="en-US" smtClean="0"/>
-              <a:t>2017-11-15</a:t>
+              <a:t>2017-11-22</a:t>
             </a:fld>
             <a:endParaRPr lang="ko-KR" altLang="en-US"/>
           </a:p>
@@ -1820,7 +1820,7 @@
           <a:p>
             <a:fld id="{F230FA74-3580-40AE-ABBA-B0AE97308F37}" type="datetimeFigureOut">
               <a:rPr lang="ko-KR" altLang="en-US" smtClean="0"/>
-              <a:t>2017-11-15</a:t>
+              <a:t>2017-11-22</a:t>
             </a:fld>
             <a:endParaRPr lang="ko-KR" altLang="en-US"/>
           </a:p>
@@ -2095,7 +2095,7 @@
           <a:p>
             <a:fld id="{F230FA74-3580-40AE-ABBA-B0AE97308F37}" type="datetimeFigureOut">
               <a:rPr lang="ko-KR" altLang="en-US" smtClean="0"/>
-              <a:t>2017-11-15</a:t>
+              <a:t>2017-11-22</a:t>
             </a:fld>
             <a:endParaRPr lang="ko-KR" altLang="en-US"/>
           </a:p>
@@ -2347,7 +2347,7 @@
           <a:p>
             <a:fld id="{F230FA74-3580-40AE-ABBA-B0AE97308F37}" type="datetimeFigureOut">
               <a:rPr lang="ko-KR" altLang="en-US" smtClean="0"/>
-              <a:t>2017-11-15</a:t>
+              <a:t>2017-11-22</a:t>
             </a:fld>
             <a:endParaRPr lang="ko-KR" altLang="en-US"/>
           </a:p>
@@ -2558,7 +2558,7 @@
           <a:p>
             <a:fld id="{F230FA74-3580-40AE-ABBA-B0AE97308F37}" type="datetimeFigureOut">
               <a:rPr lang="ko-KR" altLang="en-US" smtClean="0"/>
-              <a:t>2017-11-15</a:t>
+              <a:t>2017-11-22</a:t>
             </a:fld>
             <a:endParaRPr lang="ko-KR" altLang="en-US"/>
           </a:p>
@@ -4225,11 +4225,7 @@
             </a:r>
             <a:r>
               <a:rPr lang="en-US" altLang="ko-KR" sz="2800" dirty="0" smtClean="0"/>
-              <a:t>=information </a:t>
-            </a:r>
-            <a:r>
-              <a:rPr lang="en-US" altLang="ko-KR" sz="2800" dirty="0" smtClean="0"/>
-              <a:t>gain</a:t>
+              <a:t>=information gain</a:t>
             </a:r>
             <a:r>
               <a:rPr lang="en-US" altLang="ko-KR" sz="2800" dirty="0"/>
@@ -4241,15 +4237,7 @@
             </a:r>
             <a:r>
               <a:rPr lang="ko-KR" altLang="en-US" sz="2800" dirty="0" err="1" smtClean="0"/>
-              <a:t>정보획</a:t>
-            </a:r>
-            <a:r>
-              <a:rPr lang="ko-KR" altLang="en-US" sz="2800" dirty="0" err="1" smtClean="0"/>
-              <a:t>득</a:t>
-            </a:r>
-            <a:r>
-              <a:rPr lang="ko-KR" altLang="en-US" sz="2800" dirty="0" err="1" smtClean="0"/>
-              <a:t>량</a:t>
+              <a:t>정보획득량</a:t>
             </a:r>
             <a:r>
               <a:rPr lang="en-US" altLang="ko-KR" sz="2800" dirty="0" smtClean="0"/>
@@ -6172,9 +6160,9 @@
         <p:grpSpPr>
           <a:xfrm>
             <a:off x="3610583" y="3546009"/>
-            <a:ext cx="4970834" cy="3259709"/>
+            <a:ext cx="4970834" cy="2705711"/>
             <a:chOff x="2198451" y="4001294"/>
-            <a:chExt cx="4970834" cy="3259709"/>
+            <a:chExt cx="4970834" cy="2705711"/>
           </a:xfrm>
         </p:grpSpPr>
         <p:sp>
@@ -6463,7 +6451,7 @@
           <p:spPr>
             <a:xfrm>
               <a:off x="5700407" y="6337673"/>
-              <a:ext cx="1468877" cy="923330"/>
+              <a:ext cx="1468877" cy="369332"/>
             </a:xfrm>
             <a:prstGeom prst="rect">
               <a:avLst/>
@@ -6478,18 +6466,10 @@
             <a:p>
               <a:pPr algn="ctr"/>
               <a:r>
-                <a:rPr lang="en-US" altLang="ko-KR" dirty="0" err="1"/>
+                <a:rPr lang="en-US" altLang="ko-KR" dirty="0" err="1" smtClean="0"/>
                 <a:t>codewords</a:t>
               </a:r>
               <a:endParaRPr lang="en-US" altLang="ko-KR" dirty="0"/>
-            </a:p>
-            <a:p>
-              <a:pPr algn="ctr"/>
-              <a:r>
-                <a:rPr lang="en-US" altLang="ko-KR" dirty="0"/>
-                <a:t>(Huffman coding)</a:t>
-              </a:r>
-              <a:endParaRPr lang="ko-KR" altLang="en-US" dirty="0"/>
             </a:p>
           </p:txBody>
         </p:sp>
@@ -8163,7 +8143,7 @@
           <p:nvPr>
             <p:extLst>
               <p:ext uri="{D42A27DB-BD31-4B8C-83A1-F6EECF244321}">
-                <p14:modId xmlns:p14="http://schemas.microsoft.com/office/powerpoint/2010/main" val="1835360934"/>
+                <p14:modId xmlns:p14="http://schemas.microsoft.com/office/powerpoint/2010/main" val="4010193421"/>
               </p:ext>
             </p:extLst>
           </p:nvPr>
@@ -8325,7 +8305,7 @@
                     <a:bodyPr/>
                     <a:lstStyle/>
                     <a:p>
-                      <a:pPr latinLnBrk="1"/>
+                      <a:pPr algn="ctr" latinLnBrk="1"/>
                       <a:r>
                         <a:rPr lang="ko-KR" altLang="en-US" dirty="0" smtClean="0"/>
                         <a:t>일</a:t>
@@ -9510,8 +9490,8 @@
           </a:p>
         </p:txBody>
       </p:sp>
-      <mc:AlternateContent xmlns:mc="http://schemas.openxmlformats.org/markup-compatibility/2006" xmlns:a14="http://schemas.microsoft.com/office/drawing/2010/main">
-        <mc:Choice Requires="a14">
+      <mc:AlternateContent xmlns:mc="http://schemas.openxmlformats.org/markup-compatibility/2006">
+        <mc:Choice xmlns:a14="http://schemas.microsoft.com/office/drawing/2010/main" Requires="a14">
           <p:sp>
             <p:nvSpPr>
               <p:cNvPr id="8" name="내용 개체 틀 7"/>
@@ -9546,7 +9526,11 @@
                 </a:r>
                 <a:r>
                   <a:rPr lang="ko-KR" altLang="en-US" dirty="0" smtClean="0"/>
-                  <a:t>의 엔트로피는</a:t>
+                  <a:t>의 </a:t>
+                </a:r>
+                <a:r>
+                  <a:rPr lang="ko-KR" altLang="en-US" dirty="0" smtClean="0"/>
+                  <a:t>정보 엔트로피는</a:t>
                 </a:r>
                 <a:r>
                   <a:rPr lang="en-US" altLang="ko-KR" dirty="0" smtClean="0"/>
@@ -10204,7 +10188,7 @@
             </p:txBody>
           </p:sp>
         </mc:Choice>
-        <mc:Fallback xmlns="">
+        <mc:Fallback>
           <p:sp>
             <p:nvSpPr>
               <p:cNvPr id="8" name="내용 개체 틀 7"/>
@@ -11031,8 +11015,8 @@
           </a:p>
         </p:txBody>
       </p:sp>
-      <mc:AlternateContent xmlns:mc="http://schemas.openxmlformats.org/markup-compatibility/2006" xmlns:a14="http://schemas.microsoft.com/office/drawing/2010/main">
-        <mc:Choice Requires="a14">
+      <mc:AlternateContent xmlns:mc="http://schemas.openxmlformats.org/markup-compatibility/2006">
+        <mc:Choice xmlns:a14="http://schemas.microsoft.com/office/drawing/2010/main" Requires="a14">
           <p:sp>
             <p:nvSpPr>
               <p:cNvPr id="8" name="내용 개체 틀 7"/>
@@ -11064,8 +11048,8 @@
                   <a:t>의 </a:t>
                 </a:r>
                 <a:r>
-                  <a:rPr lang="ko-KR" altLang="en-US" dirty="0"/>
-                  <a:t>엔트로피는</a:t>
+                  <a:rPr lang="ko-KR" altLang="en-US" dirty="0" smtClean="0"/>
+                  <a:t>정보 엔트로피는</a:t>
                 </a:r>
                 <a:r>
                   <a:rPr lang="en-US" altLang="ko-KR" dirty="0"/>
@@ -11561,14 +11545,22 @@
                 </a:r>
                 <a:r>
                   <a:rPr lang="ko-KR" altLang="en-US" dirty="0" smtClean="0"/>
-                  <a:t>의 엔트로피와 같음</a:t>
+                  <a:t>의 </a:t>
+                </a:r>
+                <a:r>
+                  <a:rPr lang="ko-KR" altLang="en-US" dirty="0" smtClean="0"/>
+                  <a:t>정보엔트로피와 </a:t>
+                </a:r>
+                <a:r>
+                  <a:rPr lang="ko-KR" altLang="en-US" dirty="0" smtClean="0"/>
+                  <a:t>같음</a:t>
                 </a:r>
                 <a:endParaRPr lang="ko-KR" altLang="en-US" dirty="0"/>
               </a:p>
             </p:txBody>
           </p:sp>
         </mc:Choice>
-        <mc:Fallback xmlns="">
+        <mc:Fallback>
           <p:sp>
             <p:nvSpPr>
               <p:cNvPr id="8" name="내용 개체 틀 7"/>
@@ -12889,8 +12881,8 @@
           </a:p>
         </p:txBody>
       </p:sp>
-      <mc:AlternateContent xmlns:mc="http://schemas.openxmlformats.org/markup-compatibility/2006" xmlns:a14="http://schemas.microsoft.com/office/drawing/2010/main">
-        <mc:Choice Requires="a14">
+      <mc:AlternateContent xmlns:mc="http://schemas.openxmlformats.org/markup-compatibility/2006">
+        <mc:Choice xmlns:a14="http://schemas.microsoft.com/office/drawing/2010/main" Requires="a14">
           <p:sp>
             <p:nvSpPr>
               <p:cNvPr id="8" name="내용 개체 틀 7"/>
@@ -13189,7 +13181,7 @@
                   <a:rPr lang="en-US" altLang="ko-KR" sz="1600" dirty="0" smtClean="0">
                     <a:latin typeface="+mn-ea"/>
                   </a:rPr>
-                  <a:t>entropy </a:t>
+                  <a:t>information entropy </a:t>
                 </a:r>
                 <a:r>
                   <a:rPr lang="ko-KR" altLang="en-US" sz="1600" dirty="0" smtClean="0">
@@ -13667,7 +13659,7 @@
             </p:txBody>
           </p:sp>
         </mc:Choice>
-        <mc:Fallback xmlns="">
+        <mc:Fallback>
           <p:sp>
             <p:nvSpPr>
               <p:cNvPr id="8" name="내용 개체 틀 7"/>
@@ -13682,7 +13674,7 @@
               <a:blipFill>
                 <a:blip r:embed="rId2"/>
                 <a:stretch>
-                  <a:fillRect l="-471" b="-3361"/>
+                  <a:fillRect l="-471" b="-10084"/>
                 </a:stretch>
               </a:blipFill>
             </p:spPr>

--- a/document/information therory.pptx
+++ b/document/information therory.pptx
@@ -17,6 +17,8 @@
     <p:sldId id="378" r:id="rId11"/>
     <p:sldId id="377" r:id="rId12"/>
     <p:sldId id="280" r:id="rId13"/>
+    <p:sldId id="380" r:id="rId14"/>
+    <p:sldId id="381" r:id="rId15"/>
   </p:sldIdLst>
   <p:sldSz cx="12192000" cy="6858000"/>
   <p:notesSz cx="6858000" cy="9144000"/>
@@ -256,7 +258,7 @@
           <a:p>
             <a:fld id="{F230FA74-3580-40AE-ABBA-B0AE97308F37}" type="datetimeFigureOut">
               <a:rPr lang="ko-KR" altLang="en-US" smtClean="0"/>
-              <a:t>2017-11-22</a:t>
+              <a:t>2017-12-01</a:t>
             </a:fld>
             <a:endParaRPr lang="ko-KR" altLang="en-US"/>
           </a:p>
@@ -424,7 +426,7 @@
           <a:p>
             <a:fld id="{F230FA74-3580-40AE-ABBA-B0AE97308F37}" type="datetimeFigureOut">
               <a:rPr lang="ko-KR" altLang="en-US" smtClean="0"/>
-              <a:t>2017-11-22</a:t>
+              <a:t>2017-12-01</a:t>
             </a:fld>
             <a:endParaRPr lang="ko-KR" altLang="en-US"/>
           </a:p>
@@ -602,7 +604,7 @@
           <a:p>
             <a:fld id="{F230FA74-3580-40AE-ABBA-B0AE97308F37}" type="datetimeFigureOut">
               <a:rPr lang="ko-KR" altLang="en-US" smtClean="0"/>
-              <a:t>2017-11-22</a:t>
+              <a:t>2017-12-01</a:t>
             </a:fld>
             <a:endParaRPr lang="ko-KR" altLang="en-US"/>
           </a:p>
@@ -770,7 +772,7 @@
           <a:p>
             <a:fld id="{F230FA74-3580-40AE-ABBA-B0AE97308F37}" type="datetimeFigureOut">
               <a:rPr lang="ko-KR" altLang="en-US" smtClean="0"/>
-              <a:t>2017-11-22</a:t>
+              <a:t>2017-12-01</a:t>
             </a:fld>
             <a:endParaRPr lang="ko-KR" altLang="en-US"/>
           </a:p>
@@ -1015,7 +1017,7 @@
           <a:p>
             <a:fld id="{F230FA74-3580-40AE-ABBA-B0AE97308F37}" type="datetimeFigureOut">
               <a:rPr lang="ko-KR" altLang="en-US" smtClean="0"/>
-              <a:t>2017-11-22</a:t>
+              <a:t>2017-12-01</a:t>
             </a:fld>
             <a:endParaRPr lang="ko-KR" altLang="en-US"/>
           </a:p>
@@ -1244,7 +1246,7 @@
           <a:p>
             <a:fld id="{F230FA74-3580-40AE-ABBA-B0AE97308F37}" type="datetimeFigureOut">
               <a:rPr lang="ko-KR" altLang="en-US" smtClean="0"/>
-              <a:t>2017-11-22</a:t>
+              <a:t>2017-12-01</a:t>
             </a:fld>
             <a:endParaRPr lang="ko-KR" altLang="en-US"/>
           </a:p>
@@ -1608,7 +1610,7 @@
           <a:p>
             <a:fld id="{F230FA74-3580-40AE-ABBA-B0AE97308F37}" type="datetimeFigureOut">
               <a:rPr lang="ko-KR" altLang="en-US" smtClean="0"/>
-              <a:t>2017-11-22</a:t>
+              <a:t>2017-12-01</a:t>
             </a:fld>
             <a:endParaRPr lang="ko-KR" altLang="en-US"/>
           </a:p>
@@ -1725,7 +1727,7 @@
           <a:p>
             <a:fld id="{F230FA74-3580-40AE-ABBA-B0AE97308F37}" type="datetimeFigureOut">
               <a:rPr lang="ko-KR" altLang="en-US" smtClean="0"/>
-              <a:t>2017-11-22</a:t>
+              <a:t>2017-12-01</a:t>
             </a:fld>
             <a:endParaRPr lang="ko-KR" altLang="en-US"/>
           </a:p>
@@ -1820,7 +1822,7 @@
           <a:p>
             <a:fld id="{F230FA74-3580-40AE-ABBA-B0AE97308F37}" type="datetimeFigureOut">
               <a:rPr lang="ko-KR" altLang="en-US" smtClean="0"/>
-              <a:t>2017-11-22</a:t>
+              <a:t>2017-12-01</a:t>
             </a:fld>
             <a:endParaRPr lang="ko-KR" altLang="en-US"/>
           </a:p>
@@ -2095,7 +2097,7 @@
           <a:p>
             <a:fld id="{F230FA74-3580-40AE-ABBA-B0AE97308F37}" type="datetimeFigureOut">
               <a:rPr lang="ko-KR" altLang="en-US" smtClean="0"/>
-              <a:t>2017-11-22</a:t>
+              <a:t>2017-12-01</a:t>
             </a:fld>
             <a:endParaRPr lang="ko-KR" altLang="en-US"/>
           </a:p>
@@ -2347,7 +2349,7 @@
           <a:p>
             <a:fld id="{F230FA74-3580-40AE-ABBA-B0AE97308F37}" type="datetimeFigureOut">
               <a:rPr lang="ko-KR" altLang="en-US" smtClean="0"/>
-              <a:t>2017-11-22</a:t>
+              <a:t>2017-12-01</a:t>
             </a:fld>
             <a:endParaRPr lang="ko-KR" altLang="en-US"/>
           </a:p>
@@ -2558,7 +2560,7 @@
           <a:p>
             <a:fld id="{F230FA74-3580-40AE-ABBA-B0AE97308F37}" type="datetimeFigureOut">
               <a:rPr lang="ko-KR" altLang="en-US" smtClean="0"/>
-              <a:t>2017-11-22</a:t>
+              <a:t>2017-12-01</a:t>
             </a:fld>
             <a:endParaRPr lang="ko-KR" altLang="en-US"/>
           </a:p>
@@ -5928,6 +5930,166 @@
 </p:sld>
 </file>
 
+<file path=ppt/slides/slide13.xml><?xml version="1.0" encoding="utf-8"?>
+<p:sld xmlns:a="http://schemas.openxmlformats.org/drawingml/2006/main" xmlns:r="http://schemas.openxmlformats.org/officeDocument/2006/relationships" xmlns:p="http://schemas.openxmlformats.org/presentationml/2006/main">
+  <p:cSld>
+    <p:spTree>
+      <p:nvGrpSpPr>
+        <p:cNvPr id="1" name=""/>
+        <p:cNvGrpSpPr/>
+        <p:nvPr/>
+      </p:nvGrpSpPr>
+      <p:grpSpPr>
+        <a:xfrm>
+          <a:off x="0" y="0"/>
+          <a:ext cx="0" cy="0"/>
+          <a:chOff x="0" y="0"/>
+          <a:chExt cx="0" cy="0"/>
+        </a:xfrm>
+      </p:grpSpPr>
+      <p:sp>
+        <p:nvSpPr>
+          <p:cNvPr id="2" name="제목 1"/>
+          <p:cNvSpPr>
+            <a:spLocks noGrp="1"/>
+          </p:cNvSpPr>
+          <p:nvPr>
+            <p:ph type="title"/>
+          </p:nvPr>
+        </p:nvSpPr>
+        <p:spPr/>
+        <p:txBody>
+          <a:bodyPr/>
+          <a:lstStyle/>
+          <a:p>
+            <a:r>
+              <a:rPr lang="en-US" altLang="ko-KR" dirty="0" smtClean="0"/>
+              <a:t>Appendix : KL divergence, JS divergence</a:t>
+            </a:r>
+            <a:endParaRPr lang="ko-KR" altLang="en-US" dirty="0"/>
+          </a:p>
+        </p:txBody>
+      </p:sp>
+      <p:pic>
+        <p:nvPicPr>
+          <p:cNvPr id="4" name="내용 개체 틀 3"/>
+          <p:cNvPicPr>
+            <a:picLocks noGrp="1" noChangeAspect="1"/>
+          </p:cNvPicPr>
+          <p:nvPr>
+            <p:ph idx="1"/>
+          </p:nvPr>
+        </p:nvPicPr>
+        <p:blipFill>
+          <a:blip r:embed="rId2">
+            <a:extLst>
+              <a:ext uri="{28A0092B-C50C-407E-A947-70E740481C1C}">
+                <a14:useLocalDpi xmlns:a14="http://schemas.microsoft.com/office/drawing/2010/main" val="0"/>
+              </a:ext>
+            </a:extLst>
+          </a:blip>
+          <a:stretch>
+            <a:fillRect/>
+          </a:stretch>
+        </p:blipFill>
+        <p:spPr>
+          <a:xfrm>
+            <a:off x="1894392" y="1825625"/>
+            <a:ext cx="8403216" cy="4351338"/>
+          </a:xfrm>
+        </p:spPr>
+      </p:pic>
+    </p:spTree>
+    <p:extLst>
+      <p:ext uri="{BB962C8B-B14F-4D97-AF65-F5344CB8AC3E}">
+        <p14:creationId xmlns:p14="http://schemas.microsoft.com/office/powerpoint/2010/main" val="834083609"/>
+      </p:ext>
+    </p:extLst>
+  </p:cSld>
+  <p:clrMapOvr>
+    <a:masterClrMapping/>
+  </p:clrMapOvr>
+</p:sld>
+</file>
+
+<file path=ppt/slides/slide14.xml><?xml version="1.0" encoding="utf-8"?>
+<p:sld xmlns:a="http://schemas.openxmlformats.org/drawingml/2006/main" xmlns:r="http://schemas.openxmlformats.org/officeDocument/2006/relationships" xmlns:p="http://schemas.openxmlformats.org/presentationml/2006/main">
+  <p:cSld>
+    <p:spTree>
+      <p:nvGrpSpPr>
+        <p:cNvPr id="1" name=""/>
+        <p:cNvGrpSpPr/>
+        <p:nvPr/>
+      </p:nvGrpSpPr>
+      <p:grpSpPr>
+        <a:xfrm>
+          <a:off x="0" y="0"/>
+          <a:ext cx="0" cy="0"/>
+          <a:chOff x="0" y="0"/>
+          <a:chExt cx="0" cy="0"/>
+        </a:xfrm>
+      </p:grpSpPr>
+      <p:sp>
+        <p:nvSpPr>
+          <p:cNvPr id="2" name="제목 1"/>
+          <p:cNvSpPr>
+            <a:spLocks noGrp="1"/>
+          </p:cNvSpPr>
+          <p:nvPr>
+            <p:ph type="title"/>
+          </p:nvPr>
+        </p:nvSpPr>
+        <p:spPr/>
+        <p:txBody>
+          <a:bodyPr/>
+          <a:lstStyle/>
+          <a:p>
+            <a:endParaRPr lang="ko-KR" altLang="en-US"/>
+          </a:p>
+        </p:txBody>
+      </p:sp>
+      <p:pic>
+        <p:nvPicPr>
+          <p:cNvPr id="4" name="내용 개체 틀 3"/>
+          <p:cNvPicPr>
+            <a:picLocks noGrp="1" noChangeAspect="1"/>
+          </p:cNvPicPr>
+          <p:nvPr>
+            <p:ph idx="1"/>
+          </p:nvPr>
+        </p:nvPicPr>
+        <p:blipFill>
+          <a:blip r:embed="rId2" cstate="print">
+            <a:extLst>
+              <a:ext uri="{28A0092B-C50C-407E-A947-70E740481C1C}">
+                <a14:useLocalDpi xmlns:a14="http://schemas.microsoft.com/office/drawing/2010/main" val="0"/>
+              </a:ext>
+            </a:extLst>
+          </a:blip>
+          <a:stretch>
+            <a:fillRect/>
+          </a:stretch>
+        </p:blipFill>
+        <p:spPr>
+          <a:xfrm>
+            <a:off x="3442448" y="0"/>
+            <a:ext cx="4579828" cy="6858000"/>
+          </a:xfrm>
+        </p:spPr>
+      </p:pic>
+    </p:spTree>
+    <p:extLst>
+      <p:ext uri="{BB962C8B-B14F-4D97-AF65-F5344CB8AC3E}">
+        <p14:creationId xmlns:p14="http://schemas.microsoft.com/office/powerpoint/2010/main" val="3410592909"/>
+      </p:ext>
+    </p:extLst>
+  </p:cSld>
+  <p:clrMapOvr>
+    <a:masterClrMapping/>
+  </p:clrMapOvr>
+</p:sld>
+</file>
+
 <file path=ppt/slides/slide2.xml><?xml version="1.0" encoding="utf-8"?>
 <p:sld xmlns:a="http://schemas.openxmlformats.org/drawingml/2006/main" xmlns:r="http://schemas.openxmlformats.org/officeDocument/2006/relationships" xmlns:p="http://schemas.openxmlformats.org/presentationml/2006/main">
   <p:cSld>
@@ -9490,8 +9652,8 @@
           </a:p>
         </p:txBody>
       </p:sp>
-      <mc:AlternateContent xmlns:mc="http://schemas.openxmlformats.org/markup-compatibility/2006">
-        <mc:Choice xmlns:a14="http://schemas.microsoft.com/office/drawing/2010/main" Requires="a14">
+      <mc:AlternateContent xmlns:mc="http://schemas.openxmlformats.org/markup-compatibility/2006" xmlns:a14="http://schemas.microsoft.com/office/drawing/2010/main">
+        <mc:Choice Requires="a14">
           <p:sp>
             <p:nvSpPr>
               <p:cNvPr id="8" name="내용 개체 틀 7"/>
@@ -9526,11 +9688,7 @@
                 </a:r>
                 <a:r>
                   <a:rPr lang="ko-KR" altLang="en-US" dirty="0" smtClean="0"/>
-                  <a:t>의 </a:t>
-                </a:r>
-                <a:r>
-                  <a:rPr lang="ko-KR" altLang="en-US" dirty="0" smtClean="0"/>
-                  <a:t>정보 엔트로피는</a:t>
+                  <a:t>의 정보 엔트로피는</a:t>
                 </a:r>
                 <a:r>
                   <a:rPr lang="en-US" altLang="ko-KR" dirty="0" smtClean="0"/>
@@ -10188,7 +10346,7 @@
             </p:txBody>
           </p:sp>
         </mc:Choice>
-        <mc:Fallback>
+        <mc:Fallback xmlns="">
           <p:sp>
             <p:nvSpPr>
               <p:cNvPr id="8" name="내용 개체 틀 7"/>
@@ -11015,8 +11173,8 @@
           </a:p>
         </p:txBody>
       </p:sp>
-      <mc:AlternateContent xmlns:mc="http://schemas.openxmlformats.org/markup-compatibility/2006">
-        <mc:Choice xmlns:a14="http://schemas.microsoft.com/office/drawing/2010/main" Requires="a14">
+      <mc:AlternateContent xmlns:mc="http://schemas.openxmlformats.org/markup-compatibility/2006" xmlns:a14="http://schemas.microsoft.com/office/drawing/2010/main">
+        <mc:Choice Requires="a14">
           <p:sp>
             <p:nvSpPr>
               <p:cNvPr id="8" name="내용 개체 틀 7"/>
@@ -11045,11 +11203,7 @@
                 </a:r>
                 <a:r>
                   <a:rPr lang="ko-KR" altLang="en-US" dirty="0" smtClean="0"/>
-                  <a:t>의 </a:t>
-                </a:r>
-                <a:r>
-                  <a:rPr lang="ko-KR" altLang="en-US" dirty="0" smtClean="0"/>
-                  <a:t>정보 엔트로피는</a:t>
+                  <a:t>의 정보 엔트로피는</a:t>
                 </a:r>
                 <a:r>
                   <a:rPr lang="en-US" altLang="ko-KR" dirty="0"/>
@@ -11545,22 +11699,14 @@
                 </a:r>
                 <a:r>
                   <a:rPr lang="ko-KR" altLang="en-US" dirty="0" smtClean="0"/>
-                  <a:t>의 </a:t>
-                </a:r>
-                <a:r>
-                  <a:rPr lang="ko-KR" altLang="en-US" dirty="0" smtClean="0"/>
-                  <a:t>정보엔트로피와 </a:t>
-                </a:r>
-                <a:r>
-                  <a:rPr lang="ko-KR" altLang="en-US" dirty="0" smtClean="0"/>
-                  <a:t>같음</a:t>
+                  <a:t>의 정보엔트로피와 같음</a:t>
                 </a:r>
                 <a:endParaRPr lang="ko-KR" altLang="en-US" dirty="0"/>
               </a:p>
             </p:txBody>
           </p:sp>
         </mc:Choice>
-        <mc:Fallback>
+        <mc:Fallback xmlns="">
           <p:sp>
             <p:nvSpPr>
               <p:cNvPr id="8" name="내용 개체 틀 7"/>
@@ -12881,8 +13027,8 @@
           </a:p>
         </p:txBody>
       </p:sp>
-      <mc:AlternateContent xmlns:mc="http://schemas.openxmlformats.org/markup-compatibility/2006">
-        <mc:Choice xmlns:a14="http://schemas.microsoft.com/office/drawing/2010/main" Requires="a14">
+      <mc:AlternateContent xmlns:mc="http://schemas.openxmlformats.org/markup-compatibility/2006" xmlns:a14="http://schemas.microsoft.com/office/drawing/2010/main">
+        <mc:Choice Requires="a14">
           <p:sp>
             <p:nvSpPr>
               <p:cNvPr id="8" name="내용 개체 틀 7"/>
@@ -13659,7 +13805,7 @@
             </p:txBody>
           </p:sp>
         </mc:Choice>
-        <mc:Fallback>
+        <mc:Fallback xmlns="">
           <p:sp>
             <p:nvSpPr>
               <p:cNvPr id="8" name="내용 개체 틀 7"/>

--- a/document/information therory.pptx
+++ b/document/information therory.pptx
@@ -17,8 +17,9 @@
     <p:sldId id="378" r:id="rId11"/>
     <p:sldId id="377" r:id="rId12"/>
     <p:sldId id="280" r:id="rId13"/>
-    <p:sldId id="380" r:id="rId14"/>
-    <p:sldId id="381" r:id="rId15"/>
+    <p:sldId id="382" r:id="rId14"/>
+    <p:sldId id="380" r:id="rId15"/>
+    <p:sldId id="381" r:id="rId16"/>
   </p:sldIdLst>
   <p:sldSz cx="12192000" cy="6858000"/>
   <p:notesSz cx="6858000" cy="9144000"/>
@@ -5964,6 +5965,92 @@
           <a:p>
             <a:r>
               <a:rPr lang="en-US" altLang="ko-KR" dirty="0" smtClean="0"/>
+              <a:t>Appendix : KL </a:t>
+            </a:r>
+            <a:r>
+              <a:rPr lang="en-US" altLang="ko-KR" dirty="0" smtClean="0"/>
+              <a:t>divergence</a:t>
+            </a:r>
+            <a:endParaRPr lang="ko-KR" altLang="en-US" dirty="0"/>
+          </a:p>
+        </p:txBody>
+      </p:sp>
+      <p:pic>
+        <p:nvPicPr>
+          <p:cNvPr id="5" name="내용 개체 틀 4"/>
+          <p:cNvPicPr>
+            <a:picLocks noGrp="1" noChangeAspect="1"/>
+          </p:cNvPicPr>
+          <p:nvPr>
+            <p:ph idx="1"/>
+          </p:nvPr>
+        </p:nvPicPr>
+        <p:blipFill>
+          <a:blip r:embed="rId2">
+            <a:extLst>
+              <a:ext uri="{28A0092B-C50C-407E-A947-70E740481C1C}">
+                <a14:useLocalDpi xmlns:a14="http://schemas.microsoft.com/office/drawing/2010/main" val="0"/>
+              </a:ext>
+            </a:extLst>
+          </a:blip>
+          <a:stretch>
+            <a:fillRect/>
+          </a:stretch>
+        </p:blipFill>
+        <p:spPr>
+          <a:xfrm>
+            <a:off x="1818678" y="2186528"/>
+            <a:ext cx="8554644" cy="3629532"/>
+          </a:xfrm>
+        </p:spPr>
+      </p:pic>
+    </p:spTree>
+    <p:extLst>
+      <p:ext uri="{BB962C8B-B14F-4D97-AF65-F5344CB8AC3E}">
+        <p14:creationId xmlns:p14="http://schemas.microsoft.com/office/powerpoint/2010/main" val="3056767846"/>
+      </p:ext>
+    </p:extLst>
+  </p:cSld>
+  <p:clrMapOvr>
+    <a:masterClrMapping/>
+  </p:clrMapOvr>
+</p:sld>
+</file>
+
+<file path=ppt/slides/slide14.xml><?xml version="1.0" encoding="utf-8"?>
+<p:sld xmlns:a="http://schemas.openxmlformats.org/drawingml/2006/main" xmlns:r="http://schemas.openxmlformats.org/officeDocument/2006/relationships" xmlns:p="http://schemas.openxmlformats.org/presentationml/2006/main">
+  <p:cSld>
+    <p:spTree>
+      <p:nvGrpSpPr>
+        <p:cNvPr id="1" name=""/>
+        <p:cNvGrpSpPr/>
+        <p:nvPr/>
+      </p:nvGrpSpPr>
+      <p:grpSpPr>
+        <a:xfrm>
+          <a:off x="0" y="0"/>
+          <a:ext cx="0" cy="0"/>
+          <a:chOff x="0" y="0"/>
+          <a:chExt cx="0" cy="0"/>
+        </a:xfrm>
+      </p:grpSpPr>
+      <p:sp>
+        <p:nvSpPr>
+          <p:cNvPr id="2" name="제목 1"/>
+          <p:cNvSpPr>
+            <a:spLocks noGrp="1"/>
+          </p:cNvSpPr>
+          <p:nvPr>
+            <p:ph type="title"/>
+          </p:nvPr>
+        </p:nvSpPr>
+        <p:spPr/>
+        <p:txBody>
+          <a:bodyPr/>
+          <a:lstStyle/>
+          <a:p>
+            <a:r>
+              <a:rPr lang="en-US" altLang="ko-KR" dirty="0" smtClean="0"/>
               <a:t>Appendix : KL divergence, JS divergence</a:t>
             </a:r>
             <a:endParaRPr lang="ko-KR" altLang="en-US" dirty="0"/>
@@ -6012,7 +6099,7 @@
 </p:sld>
 </file>
 
-<file path=ppt/slides/slide14.xml><?xml version="1.0" encoding="utf-8"?>
+<file path=ppt/slides/slide15.xml><?xml version="1.0" encoding="utf-8"?>
 <p:sld xmlns:a="http://schemas.openxmlformats.org/drawingml/2006/main" xmlns:r="http://schemas.openxmlformats.org/officeDocument/2006/relationships" xmlns:p="http://schemas.openxmlformats.org/presentationml/2006/main">
   <p:cSld>
     <p:spTree>

--- a/document/information therory.pptx
+++ b/document/information therory.pptx
@@ -12,14 +12,15 @@
     <p:sldId id="379" r:id="rId6"/>
     <p:sldId id="372" r:id="rId7"/>
     <p:sldId id="374" r:id="rId8"/>
-    <p:sldId id="373" r:id="rId9"/>
-    <p:sldId id="376" r:id="rId10"/>
-    <p:sldId id="378" r:id="rId11"/>
-    <p:sldId id="377" r:id="rId12"/>
-    <p:sldId id="280" r:id="rId13"/>
-    <p:sldId id="382" r:id="rId14"/>
-    <p:sldId id="380" r:id="rId15"/>
-    <p:sldId id="381" r:id="rId16"/>
+    <p:sldId id="383" r:id="rId9"/>
+    <p:sldId id="373" r:id="rId10"/>
+    <p:sldId id="376" r:id="rId11"/>
+    <p:sldId id="378" r:id="rId12"/>
+    <p:sldId id="377" r:id="rId13"/>
+    <p:sldId id="280" r:id="rId14"/>
+    <p:sldId id="382" r:id="rId15"/>
+    <p:sldId id="380" r:id="rId16"/>
+    <p:sldId id="381" r:id="rId17"/>
   </p:sldIdLst>
   <p:sldSz cx="12192000" cy="6858000"/>
   <p:notesSz cx="6858000" cy="9144000"/>
@@ -259,7 +260,7 @@
           <a:p>
             <a:fld id="{F230FA74-3580-40AE-ABBA-B0AE97308F37}" type="datetimeFigureOut">
               <a:rPr lang="ko-KR" altLang="en-US" smtClean="0"/>
-              <a:t>2017-12-01</a:t>
+              <a:t>2017-12-09</a:t>
             </a:fld>
             <a:endParaRPr lang="ko-KR" altLang="en-US"/>
           </a:p>
@@ -427,7 +428,7 @@
           <a:p>
             <a:fld id="{F230FA74-3580-40AE-ABBA-B0AE97308F37}" type="datetimeFigureOut">
               <a:rPr lang="ko-KR" altLang="en-US" smtClean="0"/>
-              <a:t>2017-12-01</a:t>
+              <a:t>2017-12-09</a:t>
             </a:fld>
             <a:endParaRPr lang="ko-KR" altLang="en-US"/>
           </a:p>
@@ -605,7 +606,7 @@
           <a:p>
             <a:fld id="{F230FA74-3580-40AE-ABBA-B0AE97308F37}" type="datetimeFigureOut">
               <a:rPr lang="ko-KR" altLang="en-US" smtClean="0"/>
-              <a:t>2017-12-01</a:t>
+              <a:t>2017-12-09</a:t>
             </a:fld>
             <a:endParaRPr lang="ko-KR" altLang="en-US"/>
           </a:p>
@@ -773,7 +774,7 @@
           <a:p>
             <a:fld id="{F230FA74-3580-40AE-ABBA-B0AE97308F37}" type="datetimeFigureOut">
               <a:rPr lang="ko-KR" altLang="en-US" smtClean="0"/>
-              <a:t>2017-12-01</a:t>
+              <a:t>2017-12-09</a:t>
             </a:fld>
             <a:endParaRPr lang="ko-KR" altLang="en-US"/>
           </a:p>
@@ -1018,7 +1019,7 @@
           <a:p>
             <a:fld id="{F230FA74-3580-40AE-ABBA-B0AE97308F37}" type="datetimeFigureOut">
               <a:rPr lang="ko-KR" altLang="en-US" smtClean="0"/>
-              <a:t>2017-12-01</a:t>
+              <a:t>2017-12-09</a:t>
             </a:fld>
             <a:endParaRPr lang="ko-KR" altLang="en-US"/>
           </a:p>
@@ -1247,7 +1248,7 @@
           <a:p>
             <a:fld id="{F230FA74-3580-40AE-ABBA-B0AE97308F37}" type="datetimeFigureOut">
               <a:rPr lang="ko-KR" altLang="en-US" smtClean="0"/>
-              <a:t>2017-12-01</a:t>
+              <a:t>2017-12-09</a:t>
             </a:fld>
             <a:endParaRPr lang="ko-KR" altLang="en-US"/>
           </a:p>
@@ -1611,7 +1612,7 @@
           <a:p>
             <a:fld id="{F230FA74-3580-40AE-ABBA-B0AE97308F37}" type="datetimeFigureOut">
               <a:rPr lang="ko-KR" altLang="en-US" smtClean="0"/>
-              <a:t>2017-12-01</a:t>
+              <a:t>2017-12-09</a:t>
             </a:fld>
             <a:endParaRPr lang="ko-KR" altLang="en-US"/>
           </a:p>
@@ -1728,7 +1729,7 @@
           <a:p>
             <a:fld id="{F230FA74-3580-40AE-ABBA-B0AE97308F37}" type="datetimeFigureOut">
               <a:rPr lang="ko-KR" altLang="en-US" smtClean="0"/>
-              <a:t>2017-12-01</a:t>
+              <a:t>2017-12-09</a:t>
             </a:fld>
             <a:endParaRPr lang="ko-KR" altLang="en-US"/>
           </a:p>
@@ -1823,7 +1824,7 @@
           <a:p>
             <a:fld id="{F230FA74-3580-40AE-ABBA-B0AE97308F37}" type="datetimeFigureOut">
               <a:rPr lang="ko-KR" altLang="en-US" smtClean="0"/>
-              <a:t>2017-12-01</a:t>
+              <a:t>2017-12-09</a:t>
             </a:fld>
             <a:endParaRPr lang="ko-KR" altLang="en-US"/>
           </a:p>
@@ -2098,7 +2099,7 @@
           <a:p>
             <a:fld id="{F230FA74-3580-40AE-ABBA-B0AE97308F37}" type="datetimeFigureOut">
               <a:rPr lang="ko-KR" altLang="en-US" smtClean="0"/>
-              <a:t>2017-12-01</a:t>
+              <a:t>2017-12-09</a:t>
             </a:fld>
             <a:endParaRPr lang="ko-KR" altLang="en-US"/>
           </a:p>
@@ -2350,7 +2351,7 @@
           <a:p>
             <a:fld id="{F230FA74-3580-40AE-ABBA-B0AE97308F37}" type="datetimeFigureOut">
               <a:rPr lang="ko-KR" altLang="en-US" smtClean="0"/>
-              <a:t>2017-12-01</a:t>
+              <a:t>2017-12-09</a:t>
             </a:fld>
             <a:endParaRPr lang="ko-KR" altLang="en-US"/>
           </a:p>
@@ -2561,7 +2562,7 @@
           <a:p>
             <a:fld id="{F230FA74-3580-40AE-ABBA-B0AE97308F37}" type="datetimeFigureOut">
               <a:rPr lang="ko-KR" altLang="en-US" smtClean="0"/>
-              <a:t>2017-12-01</a:t>
+              <a:t>2017-12-09</a:t>
             </a:fld>
             <a:endParaRPr lang="ko-KR" altLang="en-US"/>
           </a:p>
@@ -3116,6 +3117,1484 @@
           <a:lstStyle/>
           <a:p>
             <a:r>
+              <a:rPr lang="ko-KR" altLang="en-US" dirty="0" smtClean="0"/>
+              <a:t>복수 변수</a:t>
+            </a:r>
+            <a:r>
+              <a:rPr lang="en-US" altLang="ko-KR" dirty="0" smtClean="0"/>
+              <a:t>(X:</a:t>
+            </a:r>
+            <a:r>
+              <a:rPr lang="ko-KR" altLang="en-US" dirty="0" smtClean="0"/>
+              <a:t>옷</a:t>
+            </a:r>
+            <a:r>
+              <a:rPr lang="en-US" altLang="ko-KR" dirty="0" smtClean="0"/>
+              <a:t>, Y:</a:t>
+            </a:r>
+            <a:r>
+              <a:rPr lang="ko-KR" altLang="en-US" dirty="0" smtClean="0"/>
+              <a:t>날씨</a:t>
+            </a:r>
+            <a:r>
+              <a:rPr lang="en-US" altLang="ko-KR" dirty="0" smtClean="0"/>
+              <a:t>)</a:t>
+            </a:r>
+            <a:r>
+              <a:rPr lang="ko-KR" altLang="en-US" dirty="0" smtClean="0"/>
+              <a:t>와 엔트로피</a:t>
+            </a:r>
+            <a:endParaRPr lang="ko-KR" altLang="en-US" dirty="0"/>
+          </a:p>
+        </p:txBody>
+      </p:sp>
+      <p:sp>
+        <p:nvSpPr>
+          <p:cNvPr id="22" name="내용 개체 틀 21"/>
+          <p:cNvSpPr>
+            <a:spLocks noGrp="1"/>
+          </p:cNvSpPr>
+          <p:nvPr>
+            <p:ph sz="half" idx="1"/>
+          </p:nvPr>
+        </p:nvSpPr>
+        <p:spPr/>
+        <p:txBody>
+          <a:bodyPr/>
+          <a:lstStyle/>
+          <a:p>
+            <a:endParaRPr lang="en-US" altLang="ko-KR" dirty="0" smtClean="0"/>
+          </a:p>
+        </p:txBody>
+      </p:sp>
+      <p:sp>
+        <p:nvSpPr>
+          <p:cNvPr id="8" name="내용 개체 틀 7"/>
+          <p:cNvSpPr>
+            <a:spLocks noGrp="1"/>
+          </p:cNvSpPr>
+          <p:nvPr>
+            <p:ph sz="half" idx="2"/>
+          </p:nvPr>
+        </p:nvSpPr>
+        <p:spPr/>
+        <p:txBody>
+          <a:bodyPr/>
+          <a:lstStyle/>
+          <a:p>
+            <a:r>
+              <a:rPr lang="en-US" altLang="ko-KR" dirty="0" smtClean="0"/>
+              <a:t>1</a:t>
+            </a:r>
+            <a:r>
+              <a:rPr lang="ko-KR" altLang="en-US" dirty="0" err="1" smtClean="0"/>
+              <a:t>차원식</a:t>
+            </a:r>
+            <a:r>
+              <a:rPr lang="ko-KR" altLang="en-US" dirty="0" smtClean="0"/>
+              <a:t> 도표</a:t>
+            </a:r>
+            <a:endParaRPr lang="ko-KR" altLang="en-US" dirty="0"/>
+          </a:p>
+        </p:txBody>
+      </p:sp>
+      <p:sp>
+        <p:nvSpPr>
+          <p:cNvPr id="14" name="내용 개체 틀 2"/>
+          <p:cNvSpPr txBox="1">
+            <a:spLocks/>
+          </p:cNvSpPr>
+          <p:nvPr/>
+        </p:nvSpPr>
+        <p:spPr>
+          <a:xfrm>
+            <a:off x="838200" y="2464413"/>
+            <a:ext cx="10515600" cy="4351338"/>
+          </a:xfrm>
+          <a:prstGeom prst="rect">
+            <a:avLst/>
+          </a:prstGeom>
+        </p:spPr>
+        <p:txBody>
+          <a:bodyPr vert="horz" lIns="91440" tIns="45720" rIns="91440" bIns="45720" rtlCol="0">
+            <a:normAutofit/>
+          </a:bodyPr>
+          <a:lstStyle>
+            <a:lvl1pPr marL="228600" indent="-228600" algn="l" defTabSz="914400" rtl="0" eaLnBrk="1" latinLnBrk="1" hangingPunct="1">
+              <a:lnSpc>
+                <a:spcPct val="90000"/>
+              </a:lnSpc>
+              <a:spcBef>
+                <a:spcPts val="1000"/>
+              </a:spcBef>
+              <a:buFont typeface="Arial" panose="020B0604020202020204" pitchFamily="34" charset="0"/>
+              <a:buChar char="•"/>
+              <a:defRPr sz="2800" kern="1200">
+                <a:solidFill>
+                  <a:schemeClr val="tx1"/>
+                </a:solidFill>
+                <a:latin typeface="+mn-lt"/>
+                <a:ea typeface="+mn-ea"/>
+                <a:cs typeface="+mn-cs"/>
+              </a:defRPr>
+            </a:lvl1pPr>
+            <a:lvl2pPr marL="685800" indent="-228600" algn="l" defTabSz="914400" rtl="0" eaLnBrk="1" latinLnBrk="1" hangingPunct="1">
+              <a:lnSpc>
+                <a:spcPct val="90000"/>
+              </a:lnSpc>
+              <a:spcBef>
+                <a:spcPts val="500"/>
+              </a:spcBef>
+              <a:buFont typeface="Arial" panose="020B0604020202020204" pitchFamily="34" charset="0"/>
+              <a:buChar char="•"/>
+              <a:defRPr sz="2400" kern="1200">
+                <a:solidFill>
+                  <a:schemeClr val="tx1"/>
+                </a:solidFill>
+                <a:latin typeface="+mn-lt"/>
+                <a:ea typeface="+mn-ea"/>
+                <a:cs typeface="+mn-cs"/>
+              </a:defRPr>
+            </a:lvl2pPr>
+            <a:lvl3pPr marL="1143000" indent="-228600" algn="l" defTabSz="914400" rtl="0" eaLnBrk="1" latinLnBrk="1" hangingPunct="1">
+              <a:lnSpc>
+                <a:spcPct val="90000"/>
+              </a:lnSpc>
+              <a:spcBef>
+                <a:spcPts val="500"/>
+              </a:spcBef>
+              <a:buFont typeface="Arial" panose="020B0604020202020204" pitchFamily="34" charset="0"/>
+              <a:buChar char="•"/>
+              <a:defRPr sz="2000" kern="1200">
+                <a:solidFill>
+                  <a:schemeClr val="tx1"/>
+                </a:solidFill>
+                <a:latin typeface="+mn-lt"/>
+                <a:ea typeface="+mn-ea"/>
+                <a:cs typeface="+mn-cs"/>
+              </a:defRPr>
+            </a:lvl3pPr>
+            <a:lvl4pPr marL="1600200" indent="-228600" algn="l" defTabSz="914400" rtl="0" eaLnBrk="1" latinLnBrk="1" hangingPunct="1">
+              <a:lnSpc>
+                <a:spcPct val="90000"/>
+              </a:lnSpc>
+              <a:spcBef>
+                <a:spcPts val="500"/>
+              </a:spcBef>
+              <a:buFont typeface="Arial" panose="020B0604020202020204" pitchFamily="34" charset="0"/>
+              <a:buChar char="•"/>
+              <a:defRPr sz="1800" kern="1200">
+                <a:solidFill>
+                  <a:schemeClr val="tx1"/>
+                </a:solidFill>
+                <a:latin typeface="+mn-lt"/>
+                <a:ea typeface="+mn-ea"/>
+                <a:cs typeface="+mn-cs"/>
+              </a:defRPr>
+            </a:lvl4pPr>
+            <a:lvl5pPr marL="2057400" indent="-228600" algn="l" defTabSz="914400" rtl="0" eaLnBrk="1" latinLnBrk="1" hangingPunct="1">
+              <a:lnSpc>
+                <a:spcPct val="90000"/>
+              </a:lnSpc>
+              <a:spcBef>
+                <a:spcPts val="500"/>
+              </a:spcBef>
+              <a:buFont typeface="Arial" panose="020B0604020202020204" pitchFamily="34" charset="0"/>
+              <a:buChar char="•"/>
+              <a:defRPr sz="1800" kern="1200">
+                <a:solidFill>
+                  <a:schemeClr val="tx1"/>
+                </a:solidFill>
+                <a:latin typeface="+mn-lt"/>
+                <a:ea typeface="+mn-ea"/>
+                <a:cs typeface="+mn-cs"/>
+              </a:defRPr>
+            </a:lvl5pPr>
+            <a:lvl6pPr marL="2514600" indent="-228600" algn="l" defTabSz="914400" rtl="0" eaLnBrk="1" latinLnBrk="1" hangingPunct="1">
+              <a:lnSpc>
+                <a:spcPct val="90000"/>
+              </a:lnSpc>
+              <a:spcBef>
+                <a:spcPts val="500"/>
+              </a:spcBef>
+              <a:buFont typeface="Arial" panose="020B0604020202020204" pitchFamily="34" charset="0"/>
+              <a:buChar char="•"/>
+              <a:defRPr sz="1800" kern="1200">
+                <a:solidFill>
+                  <a:schemeClr val="tx1"/>
+                </a:solidFill>
+                <a:latin typeface="+mn-lt"/>
+                <a:ea typeface="+mn-ea"/>
+                <a:cs typeface="+mn-cs"/>
+              </a:defRPr>
+            </a:lvl6pPr>
+            <a:lvl7pPr marL="2971800" indent="-228600" algn="l" defTabSz="914400" rtl="0" eaLnBrk="1" latinLnBrk="1" hangingPunct="1">
+              <a:lnSpc>
+                <a:spcPct val="90000"/>
+              </a:lnSpc>
+              <a:spcBef>
+                <a:spcPts val="500"/>
+              </a:spcBef>
+              <a:buFont typeface="Arial" panose="020B0604020202020204" pitchFamily="34" charset="0"/>
+              <a:buChar char="•"/>
+              <a:defRPr sz="1800" kern="1200">
+                <a:solidFill>
+                  <a:schemeClr val="tx1"/>
+                </a:solidFill>
+                <a:latin typeface="+mn-lt"/>
+                <a:ea typeface="+mn-ea"/>
+                <a:cs typeface="+mn-cs"/>
+              </a:defRPr>
+            </a:lvl7pPr>
+            <a:lvl8pPr marL="3429000" indent="-228600" algn="l" defTabSz="914400" rtl="0" eaLnBrk="1" latinLnBrk="1" hangingPunct="1">
+              <a:lnSpc>
+                <a:spcPct val="90000"/>
+              </a:lnSpc>
+              <a:spcBef>
+                <a:spcPts val="500"/>
+              </a:spcBef>
+              <a:buFont typeface="Arial" panose="020B0604020202020204" pitchFamily="34" charset="0"/>
+              <a:buChar char="•"/>
+              <a:defRPr sz="1800" kern="1200">
+                <a:solidFill>
+                  <a:schemeClr val="tx1"/>
+                </a:solidFill>
+                <a:latin typeface="+mn-lt"/>
+                <a:ea typeface="+mn-ea"/>
+                <a:cs typeface="+mn-cs"/>
+              </a:defRPr>
+            </a:lvl8pPr>
+            <a:lvl9pPr marL="3886200" indent="-228600" algn="l" defTabSz="914400" rtl="0" eaLnBrk="1" latinLnBrk="1" hangingPunct="1">
+              <a:lnSpc>
+                <a:spcPct val="90000"/>
+              </a:lnSpc>
+              <a:spcBef>
+                <a:spcPts val="500"/>
+              </a:spcBef>
+              <a:buFont typeface="Arial" panose="020B0604020202020204" pitchFamily="34" charset="0"/>
+              <a:buChar char="•"/>
+              <a:defRPr sz="1800" kern="1200">
+                <a:solidFill>
+                  <a:schemeClr val="tx1"/>
+                </a:solidFill>
+                <a:latin typeface="+mn-lt"/>
+                <a:ea typeface="+mn-ea"/>
+                <a:cs typeface="+mn-cs"/>
+              </a:defRPr>
+            </a:lvl9pPr>
+          </a:lstStyle>
+          <a:p>
+            <a:endParaRPr lang="ko-KR" altLang="en-US" dirty="0"/>
+          </a:p>
+        </p:txBody>
+      </p:sp>
+      <p:sp>
+        <p:nvSpPr>
+          <p:cNvPr id="17" name="직사각형 16"/>
+          <p:cNvSpPr/>
+          <p:nvPr/>
+        </p:nvSpPr>
+        <p:spPr>
+          <a:xfrm>
+            <a:off x="1276760" y="2910924"/>
+            <a:ext cx="817120" cy="581284"/>
+          </a:xfrm>
+          <a:prstGeom prst="rect">
+            <a:avLst/>
+          </a:prstGeom>
+          <a:noFill/>
+          <a:ln>
+            <a:noFill/>
+          </a:ln>
+        </p:spPr>
+        <p:style>
+          <a:lnRef idx="2">
+            <a:schemeClr val="accent1">
+              <a:shade val="50000"/>
+            </a:schemeClr>
+          </a:lnRef>
+          <a:fillRef idx="1">
+            <a:schemeClr val="accent1"/>
+          </a:fillRef>
+          <a:effectRef idx="0">
+            <a:schemeClr val="accent1"/>
+          </a:effectRef>
+          <a:fontRef idx="minor">
+            <a:schemeClr val="lt1"/>
+          </a:fontRef>
+        </p:style>
+        <p:txBody>
+          <a:bodyPr rtlCol="0" anchor="ctr"/>
+          <a:lstStyle/>
+          <a:p>
+            <a:pPr algn="ctr"/>
+            <a:r>
+              <a:rPr lang="ko-KR" altLang="en-US" dirty="0" smtClean="0">
+                <a:solidFill>
+                  <a:schemeClr val="tx1"/>
+                </a:solidFill>
+              </a:rPr>
+              <a:t>비</a:t>
+            </a:r>
+            <a:endParaRPr lang="en-US" altLang="ko-KR" dirty="0" smtClean="0">
+              <a:solidFill>
+                <a:schemeClr val="tx1"/>
+              </a:solidFill>
+            </a:endParaRPr>
+          </a:p>
+          <a:p>
+            <a:pPr algn="ctr"/>
+            <a:r>
+              <a:rPr lang="en-US" altLang="ko-KR" dirty="0" smtClean="0">
+                <a:solidFill>
+                  <a:schemeClr val="tx1"/>
+                </a:solidFill>
+              </a:rPr>
+              <a:t>8%</a:t>
+            </a:r>
+            <a:endParaRPr lang="en-US" altLang="ko-KR" dirty="0">
+              <a:solidFill>
+                <a:schemeClr val="tx1"/>
+              </a:solidFill>
+            </a:endParaRPr>
+          </a:p>
+        </p:txBody>
+      </p:sp>
+      <p:sp>
+        <p:nvSpPr>
+          <p:cNvPr id="18" name="직사각형 17"/>
+          <p:cNvSpPr/>
+          <p:nvPr/>
+        </p:nvSpPr>
+        <p:spPr>
+          <a:xfrm>
+            <a:off x="1350893" y="3328541"/>
+            <a:ext cx="817120" cy="2278531"/>
+          </a:xfrm>
+          <a:prstGeom prst="rect">
+            <a:avLst/>
+          </a:prstGeom>
+          <a:noFill/>
+          <a:ln>
+            <a:noFill/>
+          </a:ln>
+        </p:spPr>
+        <p:style>
+          <a:lnRef idx="2">
+            <a:schemeClr val="accent1">
+              <a:shade val="50000"/>
+            </a:schemeClr>
+          </a:lnRef>
+          <a:fillRef idx="1">
+            <a:schemeClr val="accent1"/>
+          </a:fillRef>
+          <a:effectRef idx="0">
+            <a:schemeClr val="accent1"/>
+          </a:effectRef>
+          <a:fontRef idx="minor">
+            <a:schemeClr val="lt1"/>
+          </a:fontRef>
+        </p:style>
+        <p:txBody>
+          <a:bodyPr rtlCol="0" anchor="ctr"/>
+          <a:lstStyle/>
+          <a:p>
+            <a:pPr algn="ctr"/>
+            <a:r>
+              <a:rPr lang="ko-KR" altLang="en-US" dirty="0" smtClean="0">
+                <a:solidFill>
+                  <a:schemeClr val="tx1"/>
+                </a:solidFill>
+              </a:rPr>
+              <a:t>맑음</a:t>
+            </a:r>
+            <a:endParaRPr lang="en-US" altLang="ko-KR" dirty="0" smtClean="0">
+              <a:solidFill>
+                <a:schemeClr val="tx1"/>
+              </a:solidFill>
+            </a:endParaRPr>
+          </a:p>
+          <a:p>
+            <a:pPr algn="ctr"/>
+            <a:r>
+              <a:rPr lang="en-US" altLang="ko-KR" dirty="0" smtClean="0">
+                <a:solidFill>
+                  <a:schemeClr val="tx1"/>
+                </a:solidFill>
+              </a:rPr>
+              <a:t>92%</a:t>
+            </a:r>
+            <a:endParaRPr lang="en-US" altLang="ko-KR" dirty="0">
+              <a:solidFill>
+                <a:schemeClr val="tx1"/>
+              </a:solidFill>
+            </a:endParaRPr>
+          </a:p>
+        </p:txBody>
+      </p:sp>
+      <p:sp>
+        <p:nvSpPr>
+          <p:cNvPr id="19" name="직사각형 18"/>
+          <p:cNvSpPr/>
+          <p:nvPr/>
+        </p:nvSpPr>
+        <p:spPr>
+          <a:xfrm>
+            <a:off x="2224430" y="5626139"/>
+            <a:ext cx="1812546" cy="512570"/>
+          </a:xfrm>
+          <a:prstGeom prst="rect">
+            <a:avLst/>
+          </a:prstGeom>
+          <a:noFill/>
+          <a:ln>
+            <a:noFill/>
+          </a:ln>
+        </p:spPr>
+        <p:style>
+          <a:lnRef idx="2">
+            <a:schemeClr val="accent1">
+              <a:shade val="50000"/>
+            </a:schemeClr>
+          </a:lnRef>
+          <a:fillRef idx="1">
+            <a:schemeClr val="accent1"/>
+          </a:fillRef>
+          <a:effectRef idx="0">
+            <a:schemeClr val="accent1"/>
+          </a:effectRef>
+          <a:fontRef idx="minor">
+            <a:schemeClr val="lt1"/>
+          </a:fontRef>
+        </p:style>
+        <p:txBody>
+          <a:bodyPr rtlCol="0" anchor="ctr"/>
+          <a:lstStyle/>
+          <a:p>
+            <a:pPr algn="ctr"/>
+            <a:r>
+              <a:rPr lang="ko-KR" altLang="en-US" dirty="0" smtClean="0">
+                <a:solidFill>
+                  <a:schemeClr val="tx1"/>
+                </a:solidFill>
+              </a:rPr>
+              <a:t>티셔츠</a:t>
+            </a:r>
+            <a:endParaRPr lang="en-US" altLang="ko-KR" dirty="0" smtClean="0">
+              <a:solidFill>
+                <a:schemeClr val="tx1"/>
+              </a:solidFill>
+            </a:endParaRPr>
+          </a:p>
+          <a:p>
+            <a:pPr algn="ctr"/>
+            <a:r>
+              <a:rPr lang="en-US" altLang="ko-KR" dirty="0" smtClean="0">
+                <a:solidFill>
+                  <a:schemeClr val="tx1"/>
+                </a:solidFill>
+              </a:rPr>
+              <a:t>62%</a:t>
+            </a:r>
+            <a:endParaRPr lang="en-US" altLang="ko-KR" dirty="0">
+              <a:solidFill>
+                <a:schemeClr val="tx1"/>
+              </a:solidFill>
+            </a:endParaRPr>
+          </a:p>
+        </p:txBody>
+      </p:sp>
+      <p:sp>
+        <p:nvSpPr>
+          <p:cNvPr id="20" name="직사각형 19"/>
+          <p:cNvSpPr/>
+          <p:nvPr/>
+        </p:nvSpPr>
+        <p:spPr>
+          <a:xfrm>
+            <a:off x="4036977" y="5626139"/>
+            <a:ext cx="1006154" cy="562288"/>
+          </a:xfrm>
+          <a:prstGeom prst="rect">
+            <a:avLst/>
+          </a:prstGeom>
+          <a:noFill/>
+          <a:ln>
+            <a:noFill/>
+          </a:ln>
+        </p:spPr>
+        <p:style>
+          <a:lnRef idx="2">
+            <a:schemeClr val="accent1">
+              <a:shade val="50000"/>
+            </a:schemeClr>
+          </a:lnRef>
+          <a:fillRef idx="1">
+            <a:schemeClr val="accent1"/>
+          </a:fillRef>
+          <a:effectRef idx="0">
+            <a:schemeClr val="accent1"/>
+          </a:effectRef>
+          <a:fontRef idx="minor">
+            <a:schemeClr val="lt1"/>
+          </a:fontRef>
+        </p:style>
+        <p:txBody>
+          <a:bodyPr rtlCol="0" anchor="ctr"/>
+          <a:lstStyle/>
+          <a:p>
+            <a:pPr algn="ctr"/>
+            <a:r>
+              <a:rPr lang="ko-KR" altLang="en-US" dirty="0" smtClean="0">
+                <a:solidFill>
+                  <a:schemeClr val="tx1"/>
+                </a:solidFill>
+              </a:rPr>
+              <a:t>외투</a:t>
+            </a:r>
+            <a:endParaRPr lang="en-US" altLang="ko-KR" dirty="0" smtClean="0">
+              <a:solidFill>
+                <a:schemeClr val="tx1"/>
+              </a:solidFill>
+            </a:endParaRPr>
+          </a:p>
+          <a:p>
+            <a:pPr algn="ctr"/>
+            <a:r>
+              <a:rPr lang="en-US" altLang="ko-KR" dirty="0" smtClean="0">
+                <a:solidFill>
+                  <a:schemeClr val="tx1"/>
+                </a:solidFill>
+              </a:rPr>
+              <a:t>38%</a:t>
+            </a:r>
+            <a:endParaRPr lang="en-US" altLang="ko-KR" dirty="0">
+              <a:solidFill>
+                <a:schemeClr val="tx1"/>
+              </a:solidFill>
+            </a:endParaRPr>
+          </a:p>
+        </p:txBody>
+      </p:sp>
+      <p:sp>
+        <p:nvSpPr>
+          <p:cNvPr id="21" name="TextBox 20"/>
+          <p:cNvSpPr txBox="1"/>
+          <p:nvPr/>
+        </p:nvSpPr>
+        <p:spPr>
+          <a:xfrm>
+            <a:off x="2941802" y="2445346"/>
+            <a:ext cx="1468877" cy="369332"/>
+          </a:xfrm>
+          <a:prstGeom prst="rect">
+            <a:avLst/>
+          </a:prstGeom>
+          <a:noFill/>
+        </p:spPr>
+        <p:txBody>
+          <a:bodyPr wrap="square" rtlCol="0">
+            <a:spAutoFit/>
+          </a:bodyPr>
+          <a:lstStyle/>
+          <a:p>
+            <a:pPr algn="ctr"/>
+            <a:r>
+              <a:rPr lang="en-US" altLang="ko-KR" dirty="0" smtClean="0"/>
+              <a:t>P(X, Y)</a:t>
+            </a:r>
+            <a:endParaRPr lang="ko-KR" altLang="en-US" dirty="0"/>
+          </a:p>
+        </p:txBody>
+      </p:sp>
+      <p:sp>
+        <p:nvSpPr>
+          <p:cNvPr id="15" name="직사각형 14"/>
+          <p:cNvSpPr/>
+          <p:nvPr/>
+        </p:nvSpPr>
+        <p:spPr>
+          <a:xfrm>
+            <a:off x="2224430" y="3346315"/>
+            <a:ext cx="1812547" cy="2260757"/>
+          </a:xfrm>
+          <a:prstGeom prst="rect">
+            <a:avLst/>
+          </a:prstGeom>
+          <a:solidFill>
+            <a:srgbClr val="F175D1"/>
+          </a:solidFill>
+        </p:spPr>
+        <p:style>
+          <a:lnRef idx="2">
+            <a:schemeClr val="accent1">
+              <a:shade val="50000"/>
+            </a:schemeClr>
+          </a:lnRef>
+          <a:fillRef idx="1">
+            <a:schemeClr val="accent1"/>
+          </a:fillRef>
+          <a:effectRef idx="0">
+            <a:schemeClr val="accent1"/>
+          </a:effectRef>
+          <a:fontRef idx="minor">
+            <a:schemeClr val="lt1"/>
+          </a:fontRef>
+        </p:style>
+        <p:txBody>
+          <a:bodyPr rtlCol="0" anchor="ctr"/>
+          <a:lstStyle/>
+          <a:p>
+            <a:pPr algn="ctr"/>
+            <a:r>
+              <a:rPr lang="en-US" altLang="ko-KR" dirty="0" smtClean="0"/>
+              <a:t>56%</a:t>
+            </a:r>
+            <a:endParaRPr lang="ko-KR" altLang="en-US" dirty="0"/>
+          </a:p>
+        </p:txBody>
+      </p:sp>
+      <p:sp>
+        <p:nvSpPr>
+          <p:cNvPr id="16" name="직사각형 15"/>
+          <p:cNvSpPr/>
+          <p:nvPr/>
+        </p:nvSpPr>
+        <p:spPr>
+          <a:xfrm>
+            <a:off x="2224431" y="3056818"/>
+            <a:ext cx="1812546" cy="289497"/>
+          </a:xfrm>
+          <a:prstGeom prst="rect">
+            <a:avLst/>
+          </a:prstGeom>
+          <a:solidFill>
+            <a:srgbClr val="F117A8"/>
+          </a:solidFill>
+        </p:spPr>
+        <p:style>
+          <a:lnRef idx="2">
+            <a:schemeClr val="accent1">
+              <a:shade val="50000"/>
+            </a:schemeClr>
+          </a:lnRef>
+          <a:fillRef idx="1">
+            <a:schemeClr val="accent1"/>
+          </a:fillRef>
+          <a:effectRef idx="0">
+            <a:schemeClr val="accent1"/>
+          </a:effectRef>
+          <a:fontRef idx="minor">
+            <a:schemeClr val="lt1"/>
+          </a:fontRef>
+        </p:style>
+        <p:txBody>
+          <a:bodyPr rtlCol="0" anchor="ctr"/>
+          <a:lstStyle/>
+          <a:p>
+            <a:pPr algn="ctr"/>
+            <a:r>
+              <a:rPr lang="en-US" altLang="ko-KR" dirty="0" smtClean="0"/>
+              <a:t>6%</a:t>
+            </a:r>
+            <a:endParaRPr lang="ko-KR" altLang="en-US" dirty="0"/>
+          </a:p>
+        </p:txBody>
+      </p:sp>
+      <p:sp>
+        <p:nvSpPr>
+          <p:cNvPr id="23" name="직사각형 22"/>
+          <p:cNvSpPr/>
+          <p:nvPr/>
+        </p:nvSpPr>
+        <p:spPr>
+          <a:xfrm>
+            <a:off x="4036979" y="4325215"/>
+            <a:ext cx="1006152" cy="1281857"/>
+          </a:xfrm>
+          <a:prstGeom prst="rect">
+            <a:avLst/>
+          </a:prstGeom>
+          <a:solidFill>
+            <a:schemeClr val="accent5">
+              <a:lumMod val="60000"/>
+              <a:lumOff val="40000"/>
+            </a:schemeClr>
+          </a:solidFill>
+        </p:spPr>
+        <p:style>
+          <a:lnRef idx="2">
+            <a:schemeClr val="accent1">
+              <a:shade val="50000"/>
+            </a:schemeClr>
+          </a:lnRef>
+          <a:fillRef idx="1">
+            <a:schemeClr val="accent1"/>
+          </a:fillRef>
+          <a:effectRef idx="0">
+            <a:schemeClr val="accent1"/>
+          </a:effectRef>
+          <a:fontRef idx="minor">
+            <a:schemeClr val="lt1"/>
+          </a:fontRef>
+        </p:style>
+        <p:txBody>
+          <a:bodyPr rtlCol="0" anchor="ctr"/>
+          <a:lstStyle/>
+          <a:p>
+            <a:pPr algn="ctr"/>
+            <a:r>
+              <a:rPr lang="en-US" altLang="ko-KR" dirty="0" smtClean="0"/>
+              <a:t>19%</a:t>
+            </a:r>
+            <a:endParaRPr lang="ko-KR" altLang="en-US" dirty="0"/>
+          </a:p>
+        </p:txBody>
+      </p:sp>
+      <p:sp>
+        <p:nvSpPr>
+          <p:cNvPr id="24" name="직사각형 23"/>
+          <p:cNvSpPr/>
+          <p:nvPr/>
+        </p:nvSpPr>
+        <p:spPr>
+          <a:xfrm>
+            <a:off x="4036979" y="3068282"/>
+            <a:ext cx="1006152" cy="1237866"/>
+          </a:xfrm>
+          <a:prstGeom prst="rect">
+            <a:avLst/>
+          </a:prstGeom>
+          <a:solidFill>
+            <a:schemeClr val="accent5">
+              <a:lumMod val="75000"/>
+            </a:schemeClr>
+          </a:solidFill>
+        </p:spPr>
+        <p:style>
+          <a:lnRef idx="2">
+            <a:schemeClr val="accent1">
+              <a:shade val="50000"/>
+            </a:schemeClr>
+          </a:lnRef>
+          <a:fillRef idx="1">
+            <a:schemeClr val="accent1"/>
+          </a:fillRef>
+          <a:effectRef idx="0">
+            <a:schemeClr val="accent1"/>
+          </a:effectRef>
+          <a:fontRef idx="minor">
+            <a:schemeClr val="lt1"/>
+          </a:fontRef>
+        </p:style>
+        <p:txBody>
+          <a:bodyPr rtlCol="0" anchor="ctr"/>
+          <a:lstStyle/>
+          <a:p>
+            <a:pPr algn="ctr"/>
+            <a:r>
+              <a:rPr lang="en-US" altLang="ko-KR" dirty="0" smtClean="0"/>
+              <a:t>19%</a:t>
+            </a:r>
+            <a:endParaRPr lang="ko-KR" altLang="en-US" dirty="0"/>
+          </a:p>
+        </p:txBody>
+      </p:sp>
+      <p:sp>
+        <p:nvSpPr>
+          <p:cNvPr id="26" name="직사각형 25"/>
+          <p:cNvSpPr/>
+          <p:nvPr/>
+        </p:nvSpPr>
+        <p:spPr>
+          <a:xfrm>
+            <a:off x="5039928" y="3083936"/>
+            <a:ext cx="817120" cy="1222212"/>
+          </a:xfrm>
+          <a:prstGeom prst="rect">
+            <a:avLst/>
+          </a:prstGeom>
+          <a:noFill/>
+          <a:ln>
+            <a:noFill/>
+          </a:ln>
+        </p:spPr>
+        <p:style>
+          <a:lnRef idx="2">
+            <a:schemeClr val="accent1">
+              <a:shade val="50000"/>
+            </a:schemeClr>
+          </a:lnRef>
+          <a:fillRef idx="1">
+            <a:schemeClr val="accent1"/>
+          </a:fillRef>
+          <a:effectRef idx="0">
+            <a:schemeClr val="accent1"/>
+          </a:effectRef>
+          <a:fontRef idx="minor">
+            <a:schemeClr val="lt1"/>
+          </a:fontRef>
+        </p:style>
+        <p:txBody>
+          <a:bodyPr rtlCol="0" anchor="ctr"/>
+          <a:lstStyle/>
+          <a:p>
+            <a:pPr algn="ctr"/>
+            <a:r>
+              <a:rPr lang="ko-KR" altLang="en-US" dirty="0" smtClean="0">
+                <a:solidFill>
+                  <a:schemeClr val="tx1"/>
+                </a:solidFill>
+              </a:rPr>
+              <a:t>비</a:t>
+            </a:r>
+            <a:endParaRPr lang="en-US" altLang="ko-KR" dirty="0" smtClean="0">
+              <a:solidFill>
+                <a:schemeClr val="tx1"/>
+              </a:solidFill>
+            </a:endParaRPr>
+          </a:p>
+          <a:p>
+            <a:pPr algn="ctr"/>
+            <a:r>
+              <a:rPr lang="en-US" altLang="ko-KR" dirty="0" smtClean="0">
+                <a:solidFill>
+                  <a:schemeClr val="tx1"/>
+                </a:solidFill>
+              </a:rPr>
+              <a:t>50%</a:t>
+            </a:r>
+            <a:endParaRPr lang="en-US" altLang="ko-KR" dirty="0">
+              <a:solidFill>
+                <a:schemeClr val="tx1"/>
+              </a:solidFill>
+            </a:endParaRPr>
+          </a:p>
+        </p:txBody>
+      </p:sp>
+      <p:sp>
+        <p:nvSpPr>
+          <p:cNvPr id="27" name="직사각형 26"/>
+          <p:cNvSpPr/>
+          <p:nvPr/>
+        </p:nvSpPr>
+        <p:spPr>
+          <a:xfrm>
+            <a:off x="5039739" y="4346352"/>
+            <a:ext cx="817120" cy="1279787"/>
+          </a:xfrm>
+          <a:prstGeom prst="rect">
+            <a:avLst/>
+          </a:prstGeom>
+          <a:noFill/>
+          <a:ln>
+            <a:noFill/>
+          </a:ln>
+        </p:spPr>
+        <p:style>
+          <a:lnRef idx="2">
+            <a:schemeClr val="accent1">
+              <a:shade val="50000"/>
+            </a:schemeClr>
+          </a:lnRef>
+          <a:fillRef idx="1">
+            <a:schemeClr val="accent1"/>
+          </a:fillRef>
+          <a:effectRef idx="0">
+            <a:schemeClr val="accent1"/>
+          </a:effectRef>
+          <a:fontRef idx="minor">
+            <a:schemeClr val="lt1"/>
+          </a:fontRef>
+        </p:style>
+        <p:txBody>
+          <a:bodyPr rtlCol="0" anchor="ctr"/>
+          <a:lstStyle/>
+          <a:p>
+            <a:pPr algn="ctr"/>
+            <a:r>
+              <a:rPr lang="ko-KR" altLang="en-US" dirty="0" smtClean="0">
+                <a:solidFill>
+                  <a:schemeClr val="tx1"/>
+                </a:solidFill>
+              </a:rPr>
+              <a:t>맑음</a:t>
+            </a:r>
+            <a:endParaRPr lang="en-US" altLang="ko-KR" dirty="0" smtClean="0">
+              <a:solidFill>
+                <a:schemeClr val="tx1"/>
+              </a:solidFill>
+            </a:endParaRPr>
+          </a:p>
+          <a:p>
+            <a:pPr algn="ctr"/>
+            <a:r>
+              <a:rPr lang="en-US" altLang="ko-KR" dirty="0" smtClean="0">
+                <a:solidFill>
+                  <a:schemeClr val="tx1"/>
+                </a:solidFill>
+              </a:rPr>
+              <a:t>50%</a:t>
+            </a:r>
+            <a:endParaRPr lang="en-US" altLang="ko-KR" dirty="0">
+              <a:solidFill>
+                <a:schemeClr val="tx1"/>
+              </a:solidFill>
+            </a:endParaRPr>
+          </a:p>
+        </p:txBody>
+      </p:sp>
+      <p:grpSp>
+        <p:nvGrpSpPr>
+          <p:cNvPr id="4" name="그룹 3"/>
+          <p:cNvGrpSpPr/>
+          <p:nvPr/>
+        </p:nvGrpSpPr>
+        <p:grpSpPr>
+          <a:xfrm>
+            <a:off x="7008583" y="3033774"/>
+            <a:ext cx="1812548" cy="2573298"/>
+            <a:chOff x="7332242" y="3973550"/>
+            <a:chExt cx="1812548" cy="2089588"/>
+          </a:xfrm>
+        </p:grpSpPr>
+        <p:sp>
+          <p:nvSpPr>
+            <p:cNvPr id="28" name="직사각형 27"/>
+            <p:cNvSpPr/>
+            <p:nvPr/>
+          </p:nvSpPr>
+          <p:spPr>
+            <a:xfrm>
+              <a:off x="7332243" y="4593271"/>
+              <a:ext cx="1812547" cy="1080271"/>
+            </a:xfrm>
+            <a:prstGeom prst="rect">
+              <a:avLst/>
+            </a:prstGeom>
+            <a:solidFill>
+              <a:srgbClr val="F175D1"/>
+            </a:solidFill>
+          </p:spPr>
+          <p:style>
+            <a:lnRef idx="2">
+              <a:schemeClr val="accent1">
+                <a:shade val="50000"/>
+              </a:schemeClr>
+            </a:lnRef>
+            <a:fillRef idx="1">
+              <a:schemeClr val="accent1"/>
+            </a:fillRef>
+            <a:effectRef idx="0">
+              <a:schemeClr val="accent1"/>
+            </a:effectRef>
+            <a:fontRef idx="minor">
+              <a:schemeClr val="lt1"/>
+            </a:fontRef>
+          </p:style>
+          <p:txBody>
+            <a:bodyPr rtlCol="0" anchor="ctr"/>
+            <a:lstStyle/>
+            <a:p>
+              <a:pPr algn="ctr"/>
+              <a:r>
+                <a:rPr lang="en-US" altLang="ko-KR" dirty="0" smtClean="0"/>
+                <a:t>56%</a:t>
+              </a:r>
+              <a:endParaRPr lang="ko-KR" altLang="en-US" dirty="0"/>
+            </a:p>
+          </p:txBody>
+        </p:sp>
+        <p:sp>
+          <p:nvSpPr>
+            <p:cNvPr id="29" name="직사각형 28"/>
+            <p:cNvSpPr/>
+            <p:nvPr/>
+          </p:nvSpPr>
+          <p:spPr>
+            <a:xfrm>
+              <a:off x="7332242" y="3973550"/>
+              <a:ext cx="1812546" cy="201496"/>
+            </a:xfrm>
+            <a:prstGeom prst="rect">
+              <a:avLst/>
+            </a:prstGeom>
+            <a:solidFill>
+              <a:srgbClr val="F117A8"/>
+            </a:solidFill>
+          </p:spPr>
+          <p:style>
+            <a:lnRef idx="2">
+              <a:schemeClr val="accent1">
+                <a:shade val="50000"/>
+              </a:schemeClr>
+            </a:lnRef>
+            <a:fillRef idx="1">
+              <a:schemeClr val="accent1"/>
+            </a:fillRef>
+            <a:effectRef idx="0">
+              <a:schemeClr val="accent1"/>
+            </a:effectRef>
+            <a:fontRef idx="minor">
+              <a:schemeClr val="lt1"/>
+            </a:fontRef>
+          </p:style>
+          <p:txBody>
+            <a:bodyPr rtlCol="0" anchor="ctr"/>
+            <a:lstStyle/>
+            <a:p>
+              <a:pPr algn="ctr"/>
+              <a:r>
+                <a:rPr lang="en-US" altLang="ko-KR" dirty="0" smtClean="0"/>
+                <a:t>6%</a:t>
+              </a:r>
+              <a:endParaRPr lang="ko-KR" altLang="en-US" dirty="0"/>
+            </a:p>
+          </p:txBody>
+        </p:sp>
+        <p:sp>
+          <p:nvSpPr>
+            <p:cNvPr id="30" name="직사각형 29"/>
+            <p:cNvSpPr/>
+            <p:nvPr/>
+          </p:nvSpPr>
+          <p:spPr>
+            <a:xfrm>
+              <a:off x="7332243" y="5665939"/>
+              <a:ext cx="1812546" cy="397199"/>
+            </a:xfrm>
+            <a:prstGeom prst="rect">
+              <a:avLst/>
+            </a:prstGeom>
+            <a:solidFill>
+              <a:schemeClr val="accent5">
+                <a:lumMod val="60000"/>
+                <a:lumOff val="40000"/>
+              </a:schemeClr>
+            </a:solidFill>
+          </p:spPr>
+          <p:style>
+            <a:lnRef idx="2">
+              <a:schemeClr val="accent1">
+                <a:shade val="50000"/>
+              </a:schemeClr>
+            </a:lnRef>
+            <a:fillRef idx="1">
+              <a:schemeClr val="accent1"/>
+            </a:fillRef>
+            <a:effectRef idx="0">
+              <a:schemeClr val="accent1"/>
+            </a:effectRef>
+            <a:fontRef idx="minor">
+              <a:schemeClr val="lt1"/>
+            </a:fontRef>
+          </p:style>
+          <p:txBody>
+            <a:bodyPr rtlCol="0" anchor="ctr"/>
+            <a:lstStyle/>
+            <a:p>
+              <a:pPr algn="ctr"/>
+              <a:r>
+                <a:rPr lang="en-US" altLang="ko-KR" dirty="0" smtClean="0"/>
+                <a:t>19%</a:t>
+              </a:r>
+              <a:endParaRPr lang="ko-KR" altLang="en-US" dirty="0"/>
+            </a:p>
+          </p:txBody>
+        </p:sp>
+        <p:sp>
+          <p:nvSpPr>
+            <p:cNvPr id="31" name="직사각형 30"/>
+            <p:cNvSpPr/>
+            <p:nvPr/>
+          </p:nvSpPr>
+          <p:spPr>
+            <a:xfrm>
+              <a:off x="7332243" y="4186510"/>
+              <a:ext cx="1812545" cy="408663"/>
+            </a:xfrm>
+            <a:prstGeom prst="rect">
+              <a:avLst/>
+            </a:prstGeom>
+            <a:solidFill>
+              <a:schemeClr val="accent5">
+                <a:lumMod val="75000"/>
+              </a:schemeClr>
+            </a:solidFill>
+          </p:spPr>
+          <p:style>
+            <a:lnRef idx="2">
+              <a:schemeClr val="accent1">
+                <a:shade val="50000"/>
+              </a:schemeClr>
+            </a:lnRef>
+            <a:fillRef idx="1">
+              <a:schemeClr val="accent1"/>
+            </a:fillRef>
+            <a:effectRef idx="0">
+              <a:schemeClr val="accent1"/>
+            </a:effectRef>
+            <a:fontRef idx="minor">
+              <a:schemeClr val="lt1"/>
+            </a:fontRef>
+          </p:style>
+          <p:txBody>
+            <a:bodyPr rtlCol="0" anchor="ctr"/>
+            <a:lstStyle/>
+            <a:p>
+              <a:pPr algn="ctr"/>
+              <a:r>
+                <a:rPr lang="en-US" altLang="ko-KR" dirty="0" smtClean="0"/>
+                <a:t>19%</a:t>
+              </a:r>
+              <a:endParaRPr lang="ko-KR" altLang="en-US" dirty="0"/>
+            </a:p>
+          </p:txBody>
+        </p:sp>
+      </p:grpSp>
+      <p:sp>
+        <p:nvSpPr>
+          <p:cNvPr id="32" name="직사각형 31"/>
+          <p:cNvSpPr/>
+          <p:nvPr/>
+        </p:nvSpPr>
+        <p:spPr>
+          <a:xfrm>
+            <a:off x="8821129" y="5127290"/>
+            <a:ext cx="1812546" cy="479782"/>
+          </a:xfrm>
+          <a:prstGeom prst="rect">
+            <a:avLst/>
+          </a:prstGeom>
+          <a:noFill/>
+          <a:ln>
+            <a:noFill/>
+          </a:ln>
+        </p:spPr>
+        <p:style>
+          <a:lnRef idx="2">
+            <a:schemeClr val="accent1">
+              <a:shade val="50000"/>
+            </a:schemeClr>
+          </a:lnRef>
+          <a:fillRef idx="1">
+            <a:schemeClr val="accent1"/>
+          </a:fillRef>
+          <a:effectRef idx="0">
+            <a:schemeClr val="accent1"/>
+          </a:effectRef>
+          <a:fontRef idx="minor">
+            <a:schemeClr val="lt1"/>
+          </a:fontRef>
+        </p:style>
+        <p:txBody>
+          <a:bodyPr rtlCol="0" anchor="ctr"/>
+          <a:lstStyle/>
+          <a:p>
+            <a:pPr algn="ctr"/>
+            <a:r>
+              <a:rPr lang="ko-KR" altLang="en-US" dirty="0" smtClean="0">
+                <a:solidFill>
+                  <a:schemeClr val="tx1"/>
+                </a:solidFill>
+              </a:rPr>
+              <a:t>맑음 </a:t>
+            </a:r>
+            <a:r>
+              <a:rPr lang="en-US" altLang="ko-KR" dirty="0" smtClean="0">
+                <a:solidFill>
+                  <a:schemeClr val="tx1"/>
+                </a:solidFill>
+              </a:rPr>
+              <a:t>&amp; </a:t>
+            </a:r>
+            <a:r>
+              <a:rPr lang="ko-KR" altLang="en-US" dirty="0" smtClean="0">
+                <a:solidFill>
+                  <a:schemeClr val="tx1"/>
+                </a:solidFill>
+              </a:rPr>
+              <a:t>외투</a:t>
+            </a:r>
+            <a:endParaRPr lang="en-US" altLang="ko-KR" dirty="0">
+              <a:solidFill>
+                <a:schemeClr val="tx1"/>
+              </a:solidFill>
+            </a:endParaRPr>
+          </a:p>
+        </p:txBody>
+      </p:sp>
+      <p:sp>
+        <p:nvSpPr>
+          <p:cNvPr id="33" name="직사각형 32"/>
+          <p:cNvSpPr/>
+          <p:nvPr/>
+        </p:nvSpPr>
+        <p:spPr>
+          <a:xfrm>
+            <a:off x="8821129" y="3796952"/>
+            <a:ext cx="1812546" cy="1330338"/>
+          </a:xfrm>
+          <a:prstGeom prst="rect">
+            <a:avLst/>
+          </a:prstGeom>
+          <a:noFill/>
+          <a:ln>
+            <a:noFill/>
+          </a:ln>
+        </p:spPr>
+        <p:style>
+          <a:lnRef idx="2">
+            <a:schemeClr val="accent1">
+              <a:shade val="50000"/>
+            </a:schemeClr>
+          </a:lnRef>
+          <a:fillRef idx="1">
+            <a:schemeClr val="accent1"/>
+          </a:fillRef>
+          <a:effectRef idx="0">
+            <a:schemeClr val="accent1"/>
+          </a:effectRef>
+          <a:fontRef idx="minor">
+            <a:schemeClr val="lt1"/>
+          </a:fontRef>
+        </p:style>
+        <p:txBody>
+          <a:bodyPr rtlCol="0" anchor="ctr"/>
+          <a:lstStyle/>
+          <a:p>
+            <a:pPr algn="ctr"/>
+            <a:r>
+              <a:rPr lang="ko-KR" altLang="en-US" dirty="0" smtClean="0">
+                <a:solidFill>
+                  <a:schemeClr val="tx1"/>
+                </a:solidFill>
+              </a:rPr>
+              <a:t>맑음 </a:t>
+            </a:r>
+            <a:r>
+              <a:rPr lang="en-US" altLang="ko-KR" dirty="0" smtClean="0">
+                <a:solidFill>
+                  <a:schemeClr val="tx1"/>
+                </a:solidFill>
+              </a:rPr>
+              <a:t>&amp; </a:t>
+            </a:r>
+            <a:r>
+              <a:rPr lang="ko-KR" altLang="en-US" dirty="0" smtClean="0">
+                <a:solidFill>
+                  <a:schemeClr val="tx1"/>
+                </a:solidFill>
+              </a:rPr>
+              <a:t>티셔츠</a:t>
+            </a:r>
+            <a:endParaRPr lang="en-US" altLang="ko-KR" dirty="0">
+              <a:solidFill>
+                <a:schemeClr val="tx1"/>
+              </a:solidFill>
+            </a:endParaRPr>
+          </a:p>
+        </p:txBody>
+      </p:sp>
+      <p:sp>
+        <p:nvSpPr>
+          <p:cNvPr id="34" name="직사각형 33"/>
+          <p:cNvSpPr/>
+          <p:nvPr/>
+        </p:nvSpPr>
+        <p:spPr>
+          <a:xfrm>
+            <a:off x="8831092" y="3320711"/>
+            <a:ext cx="1812546" cy="479782"/>
+          </a:xfrm>
+          <a:prstGeom prst="rect">
+            <a:avLst/>
+          </a:prstGeom>
+          <a:noFill/>
+          <a:ln>
+            <a:noFill/>
+          </a:ln>
+        </p:spPr>
+        <p:style>
+          <a:lnRef idx="2">
+            <a:schemeClr val="accent1">
+              <a:shade val="50000"/>
+            </a:schemeClr>
+          </a:lnRef>
+          <a:fillRef idx="1">
+            <a:schemeClr val="accent1"/>
+          </a:fillRef>
+          <a:effectRef idx="0">
+            <a:schemeClr val="accent1"/>
+          </a:effectRef>
+          <a:fontRef idx="minor">
+            <a:schemeClr val="lt1"/>
+          </a:fontRef>
+        </p:style>
+        <p:txBody>
+          <a:bodyPr rtlCol="0" anchor="ctr"/>
+          <a:lstStyle/>
+          <a:p>
+            <a:pPr algn="ctr"/>
+            <a:r>
+              <a:rPr lang="ko-KR" altLang="en-US" dirty="0" smtClean="0">
+                <a:solidFill>
+                  <a:schemeClr val="tx1"/>
+                </a:solidFill>
+              </a:rPr>
+              <a:t>비 </a:t>
+            </a:r>
+            <a:r>
+              <a:rPr lang="en-US" altLang="ko-KR" dirty="0" smtClean="0">
+                <a:solidFill>
+                  <a:schemeClr val="tx1"/>
+                </a:solidFill>
+              </a:rPr>
+              <a:t>&amp; </a:t>
+            </a:r>
+            <a:r>
+              <a:rPr lang="ko-KR" altLang="en-US" dirty="0" smtClean="0">
+                <a:solidFill>
+                  <a:schemeClr val="tx1"/>
+                </a:solidFill>
+              </a:rPr>
+              <a:t>외투</a:t>
+            </a:r>
+            <a:endParaRPr lang="en-US" altLang="ko-KR" dirty="0">
+              <a:solidFill>
+                <a:schemeClr val="tx1"/>
+              </a:solidFill>
+            </a:endParaRPr>
+          </a:p>
+        </p:txBody>
+      </p:sp>
+      <p:sp>
+        <p:nvSpPr>
+          <p:cNvPr id="35" name="직사각형 34"/>
+          <p:cNvSpPr/>
+          <p:nvPr/>
+        </p:nvSpPr>
+        <p:spPr>
+          <a:xfrm>
+            <a:off x="8831092" y="3033774"/>
+            <a:ext cx="1812546" cy="260686"/>
+          </a:xfrm>
+          <a:prstGeom prst="rect">
+            <a:avLst/>
+          </a:prstGeom>
+          <a:noFill/>
+          <a:ln>
+            <a:noFill/>
+          </a:ln>
+        </p:spPr>
+        <p:style>
+          <a:lnRef idx="2">
+            <a:schemeClr val="accent1">
+              <a:shade val="50000"/>
+            </a:schemeClr>
+          </a:lnRef>
+          <a:fillRef idx="1">
+            <a:schemeClr val="accent1"/>
+          </a:fillRef>
+          <a:effectRef idx="0">
+            <a:schemeClr val="accent1"/>
+          </a:effectRef>
+          <a:fontRef idx="minor">
+            <a:schemeClr val="lt1"/>
+          </a:fontRef>
+        </p:style>
+        <p:txBody>
+          <a:bodyPr rtlCol="0" anchor="ctr"/>
+          <a:lstStyle/>
+          <a:p>
+            <a:pPr algn="ctr"/>
+            <a:r>
+              <a:rPr lang="ko-KR" altLang="en-US" dirty="0" smtClean="0">
+                <a:solidFill>
+                  <a:schemeClr val="tx1"/>
+                </a:solidFill>
+              </a:rPr>
+              <a:t>비 </a:t>
+            </a:r>
+            <a:r>
+              <a:rPr lang="en-US" altLang="ko-KR" dirty="0" smtClean="0">
+                <a:solidFill>
+                  <a:schemeClr val="tx1"/>
+                </a:solidFill>
+              </a:rPr>
+              <a:t>&amp; </a:t>
+            </a:r>
+            <a:r>
+              <a:rPr lang="ko-KR" altLang="en-US" dirty="0" smtClean="0">
+                <a:solidFill>
+                  <a:schemeClr val="tx1"/>
+                </a:solidFill>
+              </a:rPr>
+              <a:t>티셔츠</a:t>
+            </a:r>
+            <a:endParaRPr lang="en-US" altLang="ko-KR" dirty="0">
+              <a:solidFill>
+                <a:schemeClr val="tx1"/>
+              </a:solidFill>
+            </a:endParaRPr>
+          </a:p>
+        </p:txBody>
+      </p:sp>
+    </p:spTree>
+    <p:extLst>
+      <p:ext uri="{BB962C8B-B14F-4D97-AF65-F5344CB8AC3E}">
+        <p14:creationId xmlns:p14="http://schemas.microsoft.com/office/powerpoint/2010/main" val="893174466"/>
+      </p:ext>
+    </p:extLst>
+  </p:cSld>
+  <p:clrMapOvr>
+    <a:masterClrMapping/>
+  </p:clrMapOvr>
+  <p:timing>
+    <p:tnLst>
+      <p:par>
+        <p:cTn id="1" dur="indefinite" restart="never" nodeType="tmRoot"/>
+      </p:par>
+    </p:tnLst>
+  </p:timing>
+</p:sld>
+</file>
+
+<file path=ppt/slides/slide11.xml><?xml version="1.0" encoding="utf-8"?>
+<p:sld xmlns:a="http://schemas.openxmlformats.org/drawingml/2006/main" xmlns:r="http://schemas.openxmlformats.org/officeDocument/2006/relationships" xmlns:p="http://schemas.openxmlformats.org/presentationml/2006/main">
+  <p:cSld>
+    <p:spTree>
+      <p:nvGrpSpPr>
+        <p:cNvPr id="1" name=""/>
+        <p:cNvGrpSpPr/>
+        <p:nvPr/>
+      </p:nvGrpSpPr>
+      <p:grpSpPr>
+        <a:xfrm>
+          <a:off x="0" y="0"/>
+          <a:ext cx="0" cy="0"/>
+          <a:chOff x="0" y="0"/>
+          <a:chExt cx="0" cy="0"/>
+        </a:xfrm>
+      </p:grpSpPr>
+      <p:sp>
+        <p:nvSpPr>
+          <p:cNvPr id="2" name="제목 1"/>
+          <p:cNvSpPr>
+            <a:spLocks noGrp="1"/>
+          </p:cNvSpPr>
+          <p:nvPr>
+            <p:ph type="title"/>
+          </p:nvPr>
+        </p:nvSpPr>
+        <p:spPr/>
+        <p:txBody>
+          <a:bodyPr>
+            <a:normAutofit/>
+          </a:bodyPr>
+          <a:lstStyle/>
+          <a:p>
+            <a:r>
               <a:rPr lang="ko-KR" altLang="en-US" dirty="0"/>
               <a:t>복수 변수</a:t>
             </a:r>
@@ -4165,7 +5644,7 @@
 </p:sld>
 </file>
 
-<file path=ppt/slides/slide11.xml><?xml version="1.0" encoding="utf-8"?>
+<file path=ppt/slides/slide12.xml><?xml version="1.0" encoding="utf-8"?>
 <p:sld xmlns:a="http://schemas.openxmlformats.org/drawingml/2006/main" xmlns:r="http://schemas.openxmlformats.org/officeDocument/2006/relationships" xmlns:p="http://schemas.openxmlformats.org/presentationml/2006/main">
   <p:cSld>
     <p:spTree>
@@ -5736,201 +7215,6 @@
 </p:sld>
 </file>
 
-<file path=ppt/slides/slide12.xml><?xml version="1.0" encoding="utf-8"?>
-<p:sld xmlns:a="http://schemas.openxmlformats.org/drawingml/2006/main" xmlns:r="http://schemas.openxmlformats.org/officeDocument/2006/relationships" xmlns:p="http://schemas.openxmlformats.org/presentationml/2006/main">
-  <p:cSld>
-    <p:spTree>
-      <p:nvGrpSpPr>
-        <p:cNvPr id="1" name=""/>
-        <p:cNvGrpSpPr/>
-        <p:nvPr/>
-      </p:nvGrpSpPr>
-      <p:grpSpPr>
-        <a:xfrm>
-          <a:off x="0" y="0"/>
-          <a:ext cx="0" cy="0"/>
-          <a:chOff x="0" y="0"/>
-          <a:chExt cx="0" cy="0"/>
-        </a:xfrm>
-      </p:grpSpPr>
-      <p:sp>
-        <p:nvSpPr>
-          <p:cNvPr id="2" name="제목 1"/>
-          <p:cNvSpPr>
-            <a:spLocks noGrp="1"/>
-          </p:cNvSpPr>
-          <p:nvPr>
-            <p:ph type="title"/>
-          </p:nvPr>
-        </p:nvSpPr>
-        <p:spPr/>
-        <p:txBody>
-          <a:bodyPr/>
-          <a:lstStyle/>
-          <a:p>
-            <a:r>
-              <a:rPr lang="en-US" altLang="ko-KR" dirty="0"/>
-              <a:t>Reference</a:t>
-            </a:r>
-            <a:endParaRPr lang="ko-KR" altLang="en-US" dirty="0"/>
-          </a:p>
-        </p:txBody>
-      </p:sp>
-      <p:sp>
-        <p:nvSpPr>
-          <p:cNvPr id="3" name="내용 개체 틀 2"/>
-          <p:cNvSpPr>
-            <a:spLocks noGrp="1"/>
-          </p:cNvSpPr>
-          <p:nvPr>
-            <p:ph idx="1"/>
-          </p:nvPr>
-        </p:nvSpPr>
-        <p:spPr/>
-        <p:txBody>
-          <a:bodyPr>
-            <a:normAutofit/>
-          </a:bodyPr>
-          <a:lstStyle/>
-          <a:p>
-            <a:r>
-              <a:rPr lang="en-US" altLang="ko-KR" dirty="0" smtClean="0">
-                <a:solidFill>
-                  <a:srgbClr val="321704"/>
-                </a:solidFill>
-                <a:ea typeface="Segoe UI Black" panose="020B0A02040204020203" pitchFamily="34" charset="0"/>
-                <a:cs typeface="Segoe UI Black" panose="020B0A02040204020203" pitchFamily="34" charset="0"/>
-              </a:rPr>
-              <a:t>Information theory</a:t>
-            </a:r>
-          </a:p>
-          <a:p>
-            <a:pPr lvl="1"/>
-            <a:r>
-              <a:rPr lang="en-US" altLang="ko-KR" dirty="0" smtClean="0">
-                <a:solidFill>
-                  <a:srgbClr val="321704"/>
-                </a:solidFill>
-                <a:ea typeface="Segoe UI Black" panose="020B0A02040204020203" pitchFamily="34" charset="0"/>
-                <a:cs typeface="Segoe UI Black" panose="020B0A02040204020203" pitchFamily="34" charset="0"/>
-                <a:hlinkClick r:id="rId2"/>
-              </a:rPr>
-              <a:t>http</a:t>
-            </a:r>
-            <a:r>
-              <a:rPr lang="en-US" altLang="ko-KR" dirty="0">
-                <a:solidFill>
-                  <a:srgbClr val="321704"/>
-                </a:solidFill>
-                <a:ea typeface="Segoe UI Black" panose="020B0A02040204020203" pitchFamily="34" charset="0"/>
-                <a:cs typeface="Segoe UI Black" panose="020B0A02040204020203" pitchFamily="34" charset="0"/>
-                <a:hlinkClick r:id="rId2"/>
-              </a:rPr>
-              <a:t>://colah.github.io/posts/2015-09-Visual-Information</a:t>
-            </a:r>
-            <a:r>
-              <a:rPr lang="en-US" altLang="ko-KR" dirty="0" smtClean="0">
-                <a:solidFill>
-                  <a:srgbClr val="321704"/>
-                </a:solidFill>
-                <a:ea typeface="Segoe UI Black" panose="020B0A02040204020203" pitchFamily="34" charset="0"/>
-                <a:cs typeface="Segoe UI Black" panose="020B0A02040204020203" pitchFamily="34" charset="0"/>
-                <a:hlinkClick r:id="rId2"/>
-              </a:rPr>
-              <a:t>/</a:t>
-            </a:r>
-            <a:endParaRPr lang="en-US" altLang="ko-KR" dirty="0" smtClean="0">
-              <a:solidFill>
-                <a:srgbClr val="321704"/>
-              </a:solidFill>
-              <a:ea typeface="Segoe UI Black" panose="020B0A02040204020203" pitchFamily="34" charset="0"/>
-              <a:cs typeface="Segoe UI Black" panose="020B0A02040204020203" pitchFamily="34" charset="0"/>
-            </a:endParaRPr>
-          </a:p>
-          <a:p>
-            <a:pPr lvl="1"/>
-            <a:r>
-              <a:rPr lang="en-US" altLang="ko-KR" dirty="0">
-                <a:solidFill>
-                  <a:srgbClr val="321704"/>
-                </a:solidFill>
-                <a:ea typeface="Segoe UI Black" panose="020B0A02040204020203" pitchFamily="34" charset="0"/>
-                <a:cs typeface="Segoe UI Black" panose="020B0A02040204020203" pitchFamily="34" charset="0"/>
-                <a:hlinkClick r:id="rId3"/>
-              </a:rPr>
-              <a:t>https://www.youtube.com/watch?v=zJmbkp9TCXY&amp;t=476s</a:t>
-            </a:r>
-            <a:endParaRPr lang="en-US" altLang="ko-KR" dirty="0">
-              <a:solidFill>
-                <a:srgbClr val="321704"/>
-              </a:solidFill>
-              <a:ea typeface="Segoe UI Black" panose="020B0A02040204020203" pitchFamily="34" charset="0"/>
-              <a:cs typeface="Segoe UI Black" panose="020B0A02040204020203" pitchFamily="34" charset="0"/>
-            </a:endParaRPr>
-          </a:p>
-          <a:p>
-            <a:pPr lvl="1"/>
-            <a:r>
-              <a:rPr lang="en-US" altLang="ko-KR" dirty="0" smtClean="0">
-                <a:solidFill>
-                  <a:srgbClr val="321704"/>
-                </a:solidFill>
-                <a:ea typeface="Segoe UI Black" panose="020B0A02040204020203" pitchFamily="34" charset="0"/>
-                <a:cs typeface="Segoe UI Black" panose="020B0A02040204020203" pitchFamily="34" charset="0"/>
-                <a:hlinkClick r:id="rId4"/>
-              </a:rPr>
-              <a:t>https</a:t>
-            </a:r>
-            <a:r>
-              <a:rPr lang="en-US" altLang="ko-KR" dirty="0">
-                <a:solidFill>
-                  <a:srgbClr val="321704"/>
-                </a:solidFill>
-                <a:ea typeface="Segoe UI Black" panose="020B0A02040204020203" pitchFamily="34" charset="0"/>
-                <a:cs typeface="Segoe UI Black" panose="020B0A02040204020203" pitchFamily="34" charset="0"/>
-                <a:hlinkClick r:id="rId4"/>
-              </a:rPr>
-              <a:t>://www.youtube.com/watch?v=uMYhthKw1PU&amp;t=1s</a:t>
-            </a:r>
-            <a:endParaRPr lang="en-US" altLang="ko-KR" dirty="0" smtClean="0">
-              <a:solidFill>
-                <a:srgbClr val="321704"/>
-              </a:solidFill>
-              <a:ea typeface="Segoe UI Black" panose="020B0A02040204020203" pitchFamily="34" charset="0"/>
-              <a:cs typeface="Segoe UI Black" panose="020B0A02040204020203" pitchFamily="34" charset="0"/>
-            </a:endParaRPr>
-          </a:p>
-          <a:p>
-            <a:endParaRPr lang="en-US" altLang="ko-KR" dirty="0">
-              <a:solidFill>
-                <a:srgbClr val="321704"/>
-              </a:solidFill>
-              <a:ea typeface="Segoe UI Black" panose="020B0A02040204020203" pitchFamily="34" charset="0"/>
-              <a:cs typeface="Segoe UI Black" panose="020B0A02040204020203" pitchFamily="34" charset="0"/>
-            </a:endParaRPr>
-          </a:p>
-        </p:txBody>
-      </p:sp>
-    </p:spTree>
-    <p:extLst>
-      <p:ext uri="{BB962C8B-B14F-4D97-AF65-F5344CB8AC3E}">
-        <p14:creationId xmlns:p14="http://schemas.microsoft.com/office/powerpoint/2010/main" val="4250863512"/>
-      </p:ext>
-    </p:extLst>
-  </p:cSld>
-  <p:clrMapOvr>
-    <a:masterClrMapping/>
-  </p:clrMapOvr>
-  <p:timing>
-    <p:tnLst>
-      <p:par>
-        <p:cTn id="1" dur="indefinite" restart="never" nodeType="tmRoot"/>
-      </p:par>
-    </p:tnLst>
-  </p:timing>
-</p:sld>
-</file>
-
 <file path=ppt/slides/slide13.xml><?xml version="1.0" encoding="utf-8"?>
 <p:sld xmlns:a="http://schemas.openxmlformats.org/drawingml/2006/main" xmlns:r="http://schemas.openxmlformats.org/officeDocument/2006/relationships" xmlns:p="http://schemas.openxmlformats.org/presentationml/2006/main">
   <p:cSld>
@@ -5964,12 +7248,203 @@
           <a:lstStyle/>
           <a:p>
             <a:r>
+              <a:rPr lang="en-US" altLang="ko-KR" dirty="0"/>
+              <a:t>Reference</a:t>
+            </a:r>
+            <a:endParaRPr lang="ko-KR" altLang="en-US" dirty="0"/>
+          </a:p>
+        </p:txBody>
+      </p:sp>
+      <p:sp>
+        <p:nvSpPr>
+          <p:cNvPr id="3" name="내용 개체 틀 2"/>
+          <p:cNvSpPr>
+            <a:spLocks noGrp="1"/>
+          </p:cNvSpPr>
+          <p:nvPr>
+            <p:ph idx="1"/>
+          </p:nvPr>
+        </p:nvSpPr>
+        <p:spPr/>
+        <p:txBody>
+          <a:bodyPr>
+            <a:normAutofit/>
+          </a:bodyPr>
+          <a:lstStyle/>
+          <a:p>
+            <a:r>
+              <a:rPr lang="en-US" altLang="ko-KR" dirty="0" smtClean="0">
+                <a:solidFill>
+                  <a:srgbClr val="321704"/>
+                </a:solidFill>
+                <a:ea typeface="Segoe UI Black" panose="020B0A02040204020203" pitchFamily="34" charset="0"/>
+                <a:cs typeface="Segoe UI Black" panose="020B0A02040204020203" pitchFamily="34" charset="0"/>
+              </a:rPr>
+              <a:t>Information theory</a:t>
+            </a:r>
+          </a:p>
+          <a:p>
+            <a:pPr lvl="1"/>
+            <a:r>
+              <a:rPr lang="en-US" altLang="ko-KR" dirty="0" smtClean="0">
+                <a:solidFill>
+                  <a:srgbClr val="321704"/>
+                </a:solidFill>
+                <a:ea typeface="Segoe UI Black" panose="020B0A02040204020203" pitchFamily="34" charset="0"/>
+                <a:cs typeface="Segoe UI Black" panose="020B0A02040204020203" pitchFamily="34" charset="0"/>
+                <a:hlinkClick r:id="rId2"/>
+              </a:rPr>
+              <a:t>http</a:t>
+            </a:r>
+            <a:r>
+              <a:rPr lang="en-US" altLang="ko-KR" dirty="0">
+                <a:solidFill>
+                  <a:srgbClr val="321704"/>
+                </a:solidFill>
+                <a:ea typeface="Segoe UI Black" panose="020B0A02040204020203" pitchFamily="34" charset="0"/>
+                <a:cs typeface="Segoe UI Black" panose="020B0A02040204020203" pitchFamily="34" charset="0"/>
+                <a:hlinkClick r:id="rId2"/>
+              </a:rPr>
+              <a:t>://colah.github.io/posts/2015-09-Visual-Information</a:t>
+            </a:r>
+            <a:r>
+              <a:rPr lang="en-US" altLang="ko-KR" dirty="0" smtClean="0">
+                <a:solidFill>
+                  <a:srgbClr val="321704"/>
+                </a:solidFill>
+                <a:ea typeface="Segoe UI Black" panose="020B0A02040204020203" pitchFamily="34" charset="0"/>
+                <a:cs typeface="Segoe UI Black" panose="020B0A02040204020203" pitchFamily="34" charset="0"/>
+                <a:hlinkClick r:id="rId2"/>
+              </a:rPr>
+              <a:t>/</a:t>
+            </a:r>
+            <a:endParaRPr lang="en-US" altLang="ko-KR" dirty="0" smtClean="0">
+              <a:solidFill>
+                <a:srgbClr val="321704"/>
+              </a:solidFill>
+              <a:ea typeface="Segoe UI Black" panose="020B0A02040204020203" pitchFamily="34" charset="0"/>
+              <a:cs typeface="Segoe UI Black" panose="020B0A02040204020203" pitchFamily="34" charset="0"/>
+            </a:endParaRPr>
+          </a:p>
+          <a:p>
+            <a:pPr lvl="1"/>
+            <a:r>
+              <a:rPr lang="en-US" altLang="ko-KR" dirty="0">
+                <a:solidFill>
+                  <a:srgbClr val="321704"/>
+                </a:solidFill>
+                <a:ea typeface="Segoe UI Black" panose="020B0A02040204020203" pitchFamily="34" charset="0"/>
+                <a:cs typeface="Segoe UI Black" panose="020B0A02040204020203" pitchFamily="34" charset="0"/>
+                <a:hlinkClick r:id="rId3"/>
+              </a:rPr>
+              <a:t>https://www.youtube.com/watch?v=zJmbkp9TCXY&amp;t=476s</a:t>
+            </a:r>
+            <a:endParaRPr lang="en-US" altLang="ko-KR" dirty="0">
+              <a:solidFill>
+                <a:srgbClr val="321704"/>
+              </a:solidFill>
+              <a:ea typeface="Segoe UI Black" panose="020B0A02040204020203" pitchFamily="34" charset="0"/>
+              <a:cs typeface="Segoe UI Black" panose="020B0A02040204020203" pitchFamily="34" charset="0"/>
+            </a:endParaRPr>
+          </a:p>
+          <a:p>
+            <a:pPr lvl="1"/>
+            <a:r>
+              <a:rPr lang="en-US" altLang="ko-KR" dirty="0" smtClean="0">
+                <a:solidFill>
+                  <a:srgbClr val="321704"/>
+                </a:solidFill>
+                <a:ea typeface="Segoe UI Black" panose="020B0A02040204020203" pitchFamily="34" charset="0"/>
+                <a:cs typeface="Segoe UI Black" panose="020B0A02040204020203" pitchFamily="34" charset="0"/>
+                <a:hlinkClick r:id="rId4"/>
+              </a:rPr>
+              <a:t>https</a:t>
+            </a:r>
+            <a:r>
+              <a:rPr lang="en-US" altLang="ko-KR" dirty="0">
+                <a:solidFill>
+                  <a:srgbClr val="321704"/>
+                </a:solidFill>
+                <a:ea typeface="Segoe UI Black" panose="020B0A02040204020203" pitchFamily="34" charset="0"/>
+                <a:cs typeface="Segoe UI Black" panose="020B0A02040204020203" pitchFamily="34" charset="0"/>
+                <a:hlinkClick r:id="rId4"/>
+              </a:rPr>
+              <a:t>://www.youtube.com/watch?v=uMYhthKw1PU&amp;t=1s</a:t>
+            </a:r>
+            <a:endParaRPr lang="en-US" altLang="ko-KR" dirty="0" smtClean="0">
+              <a:solidFill>
+                <a:srgbClr val="321704"/>
+              </a:solidFill>
+              <a:ea typeface="Segoe UI Black" panose="020B0A02040204020203" pitchFamily="34" charset="0"/>
+              <a:cs typeface="Segoe UI Black" panose="020B0A02040204020203" pitchFamily="34" charset="0"/>
+            </a:endParaRPr>
+          </a:p>
+          <a:p>
+            <a:endParaRPr lang="en-US" altLang="ko-KR" dirty="0">
+              <a:solidFill>
+                <a:srgbClr val="321704"/>
+              </a:solidFill>
+              <a:ea typeface="Segoe UI Black" panose="020B0A02040204020203" pitchFamily="34" charset="0"/>
+              <a:cs typeface="Segoe UI Black" panose="020B0A02040204020203" pitchFamily="34" charset="0"/>
+            </a:endParaRPr>
+          </a:p>
+        </p:txBody>
+      </p:sp>
+    </p:spTree>
+    <p:extLst>
+      <p:ext uri="{BB962C8B-B14F-4D97-AF65-F5344CB8AC3E}">
+        <p14:creationId xmlns:p14="http://schemas.microsoft.com/office/powerpoint/2010/main" val="4250863512"/>
+      </p:ext>
+    </p:extLst>
+  </p:cSld>
+  <p:clrMapOvr>
+    <a:masterClrMapping/>
+  </p:clrMapOvr>
+  <p:timing>
+    <p:tnLst>
+      <p:par>
+        <p:cTn id="1" dur="indefinite" restart="never" nodeType="tmRoot"/>
+      </p:par>
+    </p:tnLst>
+  </p:timing>
+</p:sld>
+</file>
+
+<file path=ppt/slides/slide14.xml><?xml version="1.0" encoding="utf-8"?>
+<p:sld xmlns:a="http://schemas.openxmlformats.org/drawingml/2006/main" xmlns:r="http://schemas.openxmlformats.org/officeDocument/2006/relationships" xmlns:p="http://schemas.openxmlformats.org/presentationml/2006/main">
+  <p:cSld>
+    <p:spTree>
+      <p:nvGrpSpPr>
+        <p:cNvPr id="1" name=""/>
+        <p:cNvGrpSpPr/>
+        <p:nvPr/>
+      </p:nvGrpSpPr>
+      <p:grpSpPr>
+        <a:xfrm>
+          <a:off x="0" y="0"/>
+          <a:ext cx="0" cy="0"/>
+          <a:chOff x="0" y="0"/>
+          <a:chExt cx="0" cy="0"/>
+        </a:xfrm>
+      </p:grpSpPr>
+      <p:sp>
+        <p:nvSpPr>
+          <p:cNvPr id="2" name="제목 1"/>
+          <p:cNvSpPr>
+            <a:spLocks noGrp="1"/>
+          </p:cNvSpPr>
+          <p:nvPr>
+            <p:ph type="title"/>
+          </p:nvPr>
+        </p:nvSpPr>
+        <p:spPr/>
+        <p:txBody>
+          <a:bodyPr/>
+          <a:lstStyle/>
+          <a:p>
+            <a:r>
               <a:rPr lang="en-US" altLang="ko-KR" dirty="0" smtClean="0"/>
-              <a:t>Appendix : KL </a:t>
-            </a:r>
-            <a:r>
-              <a:rPr lang="en-US" altLang="ko-KR" dirty="0" smtClean="0"/>
-              <a:t>divergence</a:t>
+              <a:t>Appendix : KL divergence</a:t>
             </a:r>
             <a:endParaRPr lang="ko-KR" altLang="en-US" dirty="0"/>
           </a:p>
@@ -6017,7 +7492,7 @@
 </p:sld>
 </file>
 
-<file path=ppt/slides/slide14.xml><?xml version="1.0" encoding="utf-8"?>
+<file path=ppt/slides/slide15.xml><?xml version="1.0" encoding="utf-8"?>
 <p:sld xmlns:a="http://schemas.openxmlformats.org/drawingml/2006/main" xmlns:r="http://schemas.openxmlformats.org/officeDocument/2006/relationships" xmlns:p="http://schemas.openxmlformats.org/presentationml/2006/main">
   <p:cSld>
     <p:spTree>
@@ -6096,10 +7571,17 @@
   <p:clrMapOvr>
     <a:masterClrMapping/>
   </p:clrMapOvr>
+  <p:timing>
+    <p:tnLst>
+      <p:par>
+        <p:cTn id="1" dur="indefinite" restart="never" nodeType="tmRoot"/>
+      </p:par>
+    </p:tnLst>
+  </p:timing>
 </p:sld>
 </file>
 
-<file path=ppt/slides/slide15.xml><?xml version="1.0" encoding="utf-8"?>
+<file path=ppt/slides/slide16.xml><?xml version="1.0" encoding="utf-8"?>
 <p:sld xmlns:a="http://schemas.openxmlformats.org/drawingml/2006/main" xmlns:r="http://schemas.openxmlformats.org/officeDocument/2006/relationships" xmlns:p="http://schemas.openxmlformats.org/presentationml/2006/main">
   <p:cSld>
     <p:spTree>
@@ -6131,7 +7613,7 @@
           <a:bodyPr/>
           <a:lstStyle/>
           <a:p>
-            <a:endParaRPr lang="ko-KR" altLang="en-US"/>
+            <a:endParaRPr lang="ko-KR" altLang="en-US" dirty="0"/>
           </a:p>
         </p:txBody>
       </p:sp>
@@ -6164,6 +7646,40 @@
           </a:xfrm>
         </p:spPr>
       </p:pic>
+      <p:sp>
+        <p:nvSpPr>
+          <p:cNvPr id="3" name="TextBox 2"/>
+          <p:cNvSpPr txBox="1"/>
+          <p:nvPr/>
+        </p:nvSpPr>
+        <p:spPr>
+          <a:xfrm>
+            <a:off x="654425" y="365125"/>
+            <a:ext cx="2464136" cy="584775"/>
+          </a:xfrm>
+          <a:prstGeom prst="rect">
+            <a:avLst/>
+          </a:prstGeom>
+          <a:noFill/>
+        </p:spPr>
+        <p:txBody>
+          <a:bodyPr wrap="none" rtlCol="0">
+            <a:spAutoFit/>
+          </a:bodyPr>
+          <a:lstStyle/>
+          <a:p>
+            <a:r>
+              <a:rPr lang="en-US" altLang="ko-KR" sz="3200" dirty="0" smtClean="0"/>
+              <a:t>2017</a:t>
+            </a:r>
+            <a:r>
+              <a:rPr lang="ko-KR" altLang="en-US" sz="3200" dirty="0" smtClean="0"/>
+              <a:t>년 수능</a:t>
+            </a:r>
+            <a:endParaRPr lang="ko-KR" altLang="en-US" sz="3200" dirty="0"/>
+          </a:p>
+        </p:txBody>
+      </p:sp>
     </p:spTree>
     <p:extLst>
       <p:ext uri="{BB962C8B-B14F-4D97-AF65-F5344CB8AC3E}">
@@ -6174,6 +7690,13 @@
   <p:clrMapOvr>
     <a:masterClrMapping/>
   </p:clrMapOvr>
+  <p:timing>
+    <p:tnLst>
+      <p:par>
+        <p:cTn id="1" dur="indefinite" restart="never" nodeType="tmRoot"/>
+      </p:par>
+    </p:tnLst>
+  </p:timing>
 </p:sld>
 </file>
 
@@ -13114,8 +14637,8 @@
           </a:p>
         </p:txBody>
       </p:sp>
-      <mc:AlternateContent xmlns:mc="http://schemas.openxmlformats.org/markup-compatibility/2006" xmlns:a14="http://schemas.microsoft.com/office/drawing/2010/main">
-        <mc:Choice Requires="a14">
+      <mc:AlternateContent xmlns:mc="http://schemas.openxmlformats.org/markup-compatibility/2006">
+        <mc:Choice xmlns:a14="http://schemas.microsoft.com/office/drawing/2010/main" Requires="a14">
           <p:sp>
             <p:nvSpPr>
               <p:cNvPr id="8" name="내용 개체 틀 7"/>
@@ -13126,7 +14649,12 @@
                 <p:ph sz="half" idx="2"/>
               </p:nvPr>
             </p:nvSpPr>
-            <p:spPr/>
+            <p:spPr>
+              <a:xfrm>
+                <a:off x="6125586" y="1448507"/>
+                <a:ext cx="5181600" cy="5399928"/>
+              </a:xfrm>
+            </p:spPr>
             <p:txBody>
               <a:bodyPr>
                 <a:noAutofit/>
@@ -13139,25 +14667,25 @@
                   </a:lnSpc>
                 </a:pPr>
                 <a:r>
-                  <a:rPr lang="en-US" altLang="ko-KR" sz="1600" dirty="0" smtClean="0">
+                  <a:rPr lang="en-US" altLang="ko-KR" sz="1800" dirty="0" smtClean="0">
                     <a:latin typeface="+mn-ea"/>
                   </a:rPr>
                   <a:t>Alice</a:t>
                 </a:r>
                 <a:r>
-                  <a:rPr lang="ko-KR" altLang="en-US" sz="1600" dirty="0" smtClean="0">
+                  <a:rPr lang="ko-KR" altLang="en-US" sz="1800" dirty="0" smtClean="0">
                     <a:latin typeface="+mn-ea"/>
                   </a:rPr>
                   <a:t>가 나와 대화 </a:t>
                 </a:r>
                 <a:r>
-                  <a:rPr lang="en-US" altLang="ko-KR" sz="1600" dirty="0" smtClean="0">
+                  <a:rPr lang="en-US" altLang="ko-KR" sz="1800" dirty="0" smtClean="0">
                     <a:latin typeface="+mn-ea"/>
                   </a:rPr>
                   <a:t>(</a:t>
                 </a:r>
                 <a:r>
-                  <a:rPr lang="en-US" altLang="ko-KR" sz="1600" b="1" i="1" u="sng" dirty="0" smtClean="0">
+                  <a:rPr lang="en-US" altLang="ko-KR" sz="1800" b="1" i="1" u="sng" dirty="0" smtClean="0">
                     <a:solidFill>
                       <a:srgbClr val="0070C0"/>
                     </a:solidFill>
@@ -13166,7 +14694,7 @@
                   <a:t>Bob</a:t>
                 </a:r>
                 <a:r>
-                  <a:rPr lang="ko-KR" altLang="en-US" sz="1600" b="1" i="1" u="sng" dirty="0" smtClean="0">
+                  <a:rPr lang="ko-KR" altLang="en-US" sz="1800" b="1" i="1" u="sng" dirty="0" smtClean="0">
                     <a:solidFill>
                       <a:srgbClr val="0070C0"/>
                     </a:solidFill>
@@ -13175,7 +14703,7 @@
                   <a:t>의 </a:t>
                 </a:r>
                 <a:r>
-                  <a:rPr lang="ko-KR" altLang="en-US" sz="1600" b="1" i="1" u="sng" dirty="0" err="1" smtClean="0">
+                  <a:rPr lang="ko-KR" altLang="en-US" sz="1800" b="1" i="1" u="sng" dirty="0" err="1" smtClean="0">
                     <a:solidFill>
                       <a:srgbClr val="0070C0"/>
                     </a:solidFill>
@@ -13184,7 +14712,7 @@
                   <a:t>비트값으로</a:t>
                 </a:r>
                 <a:r>
-                  <a:rPr lang="en-US" altLang="ko-KR" sz="1600" dirty="0" smtClean="0">
+                  <a:rPr lang="en-US" altLang="ko-KR" sz="1800" dirty="0" smtClean="0">
                     <a:latin typeface="+mn-ea"/>
                   </a:rPr>
                   <a:t>)</a:t>
@@ -13201,14 +14729,14 @@
                     <m:sSub>
                       <m:sSubPr>
                         <m:ctrlPr>
-                          <a:rPr lang="en-US" altLang="ko-KR" sz="1400" i="1">
+                          <a:rPr lang="en-US" altLang="ko-KR" sz="1600" i="1">
                             <a:latin typeface="Cambria Math" panose="02040503050406030204" pitchFamily="18" charset="0"/>
                           </a:rPr>
                         </m:ctrlPr>
                       </m:sSubPr>
                       <m:e>
                         <m:r>
-                          <a:rPr lang="en-US" altLang="ko-KR" sz="1400" i="1">
+                          <a:rPr lang="en-US" altLang="ko-KR" sz="1600" i="1">
                             <a:latin typeface="Cambria Math" panose="02040503050406030204" pitchFamily="18" charset="0"/>
                           </a:rPr>
                           <m:t>𝐻</m:t>
@@ -13216,7 +14744,7 @@
                       </m:e>
                       <m:sub>
                         <m:r>
-                          <a:rPr lang="en-US" altLang="ko-KR" sz="1400" i="1">
+                          <a:rPr lang="en-US" altLang="ko-KR" sz="1600" i="1">
                             <a:latin typeface="Cambria Math" panose="02040503050406030204" pitchFamily="18" charset="0"/>
                           </a:rPr>
                           <m:t>𝑝</m:t>
@@ -13226,14 +14754,14 @@
                     <m:d>
                       <m:dPr>
                         <m:ctrlPr>
-                          <a:rPr lang="en-US" altLang="ko-KR" sz="1400" i="1">
+                          <a:rPr lang="en-US" altLang="ko-KR" sz="1600" i="1">
                             <a:latin typeface="Cambria Math" panose="02040503050406030204" pitchFamily="18" charset="0"/>
                           </a:rPr>
                         </m:ctrlPr>
                       </m:dPr>
                       <m:e>
                         <m:r>
-                          <a:rPr lang="en-US" altLang="ko-KR" sz="1400" i="1">
+                          <a:rPr lang="en-US" altLang="ko-KR" sz="1600" i="1">
                             <a:latin typeface="Cambria Math" panose="02040503050406030204" pitchFamily="18" charset="0"/>
                           </a:rPr>
                           <m:t>𝑞</m:t>
@@ -13241,7 +14769,7 @@
                       </m:e>
                     </m:d>
                     <m:r>
-                      <a:rPr lang="en-US" altLang="ko-KR" sz="1400" i="1">
+                      <a:rPr lang="en-US" altLang="ko-KR" sz="1600" i="1">
                         <a:latin typeface="Cambria Math" panose="02040503050406030204" pitchFamily="18" charset="0"/>
                       </a:rPr>
                       <m:t>=</m:t>
@@ -13252,14 +14780,14 @@
                         <m:limLoc m:val="subSup"/>
                         <m:supHide m:val="on"/>
                         <m:ctrlPr>
-                          <a:rPr lang="en-US" altLang="ko-KR" sz="1400" i="1">
+                          <a:rPr lang="en-US" altLang="ko-KR" sz="1600" i="1">
                             <a:latin typeface="Cambria Math" panose="02040503050406030204" pitchFamily="18" charset="0"/>
                           </a:rPr>
                         </m:ctrlPr>
                       </m:naryPr>
                       <m:sub>
                         <m:r>
-                          <a:rPr lang="en-US" altLang="ko-KR" sz="1400" i="1">
+                          <a:rPr lang="en-US" altLang="ko-KR" sz="1600" i="1">
                             <a:latin typeface="Cambria Math" panose="02040503050406030204" pitchFamily="18" charset="0"/>
                           </a:rPr>
                           <m:t>𝑥</m:t>
@@ -13268,25 +14796,25 @@
                       <m:sup/>
                       <m:e>
                         <m:r>
-                          <a:rPr lang="en-US" altLang="ko-KR" sz="1400" i="1">
+                          <a:rPr lang="en-US" altLang="ko-KR" sz="1600" i="1">
                             <a:latin typeface="Cambria Math" panose="02040503050406030204" pitchFamily="18" charset="0"/>
                           </a:rPr>
                           <m:t>𝑞</m:t>
                         </m:r>
                         <m:r>
-                          <a:rPr lang="en-US" altLang="ko-KR" sz="1400" i="1">
+                          <a:rPr lang="en-US" altLang="ko-KR" sz="1600" i="1">
                             <a:latin typeface="Cambria Math" panose="02040503050406030204" pitchFamily="18" charset="0"/>
                           </a:rPr>
                           <m:t>(</m:t>
                         </m:r>
                         <m:r>
-                          <a:rPr lang="en-US" altLang="ko-KR" sz="1400" i="1">
+                          <a:rPr lang="en-US" altLang="ko-KR" sz="1600" i="1">
                             <a:latin typeface="Cambria Math" panose="02040503050406030204" pitchFamily="18" charset="0"/>
                           </a:rPr>
                           <m:t>𝑥</m:t>
                         </m:r>
                         <m:r>
-                          <a:rPr lang="en-US" altLang="ko-KR" sz="1400" i="1">
+                          <a:rPr lang="en-US" altLang="ko-KR" sz="1600" i="1">
                             <a:latin typeface="Cambria Math" panose="02040503050406030204" pitchFamily="18" charset="0"/>
                           </a:rPr>
                           <m:t>)</m:t>
@@ -13296,14 +14824,14 @@
                     <m:sSub>
                       <m:sSubPr>
                         <m:ctrlPr>
-                          <a:rPr lang="en-US" altLang="ko-KR" sz="1400" i="1">
+                          <a:rPr lang="en-US" altLang="ko-KR" sz="1600" i="1">
                             <a:latin typeface="Cambria Math" panose="02040503050406030204" pitchFamily="18" charset="0"/>
                           </a:rPr>
                         </m:ctrlPr>
                       </m:sSubPr>
                       <m:e>
                         <m:r>
-                          <a:rPr lang="en-US" altLang="ko-KR" sz="1400" i="1">
+                          <a:rPr lang="en-US" altLang="ko-KR" sz="1600" i="1">
                             <a:latin typeface="Cambria Math" panose="02040503050406030204" pitchFamily="18" charset="0"/>
                           </a:rPr>
                           <m:t>𝑙𝑜𝑔</m:t>
@@ -13311,7 +14839,7 @@
                       </m:e>
                       <m:sub>
                         <m:r>
-                          <a:rPr lang="en-US" altLang="ko-KR" sz="1400" i="1">
+                          <a:rPr lang="en-US" altLang="ko-KR" sz="1600" i="1">
                             <a:latin typeface="Cambria Math" panose="02040503050406030204" pitchFamily="18" charset="0"/>
                           </a:rPr>
                           <m:t>2</m:t>
@@ -13321,14 +14849,14 @@
                     <m:f>
                       <m:fPr>
                         <m:ctrlPr>
-                          <a:rPr lang="en-US" altLang="ko-KR" sz="1400" i="1">
+                          <a:rPr lang="en-US" altLang="ko-KR" sz="1600" i="1">
                             <a:latin typeface="Cambria Math" panose="02040503050406030204" pitchFamily="18" charset="0"/>
                           </a:rPr>
                         </m:ctrlPr>
                       </m:fPr>
                       <m:num>
                         <m:r>
-                          <a:rPr lang="en-US" altLang="ko-KR" sz="1400" i="1">
+                          <a:rPr lang="en-US" altLang="ko-KR" sz="1600" i="1">
                             <a:latin typeface="Cambria Math" panose="02040503050406030204" pitchFamily="18" charset="0"/>
                           </a:rPr>
                           <m:t>1</m:t>
@@ -13336,25 +14864,25 @@
                       </m:num>
                       <m:den>
                         <m:r>
-                          <a:rPr lang="en-US" altLang="ko-KR" sz="1400" i="1">
+                          <a:rPr lang="en-US" altLang="ko-KR" sz="1600" i="1">
                             <a:latin typeface="Cambria Math" panose="02040503050406030204" pitchFamily="18" charset="0"/>
                           </a:rPr>
                           <m:t>𝑝</m:t>
                         </m:r>
                         <m:r>
-                          <a:rPr lang="en-US" altLang="ko-KR" sz="1400" i="1">
+                          <a:rPr lang="en-US" altLang="ko-KR" sz="1600" i="1">
                             <a:latin typeface="Cambria Math" panose="02040503050406030204" pitchFamily="18" charset="0"/>
                           </a:rPr>
                           <m:t>(</m:t>
                         </m:r>
                         <m:r>
-                          <a:rPr lang="en-US" altLang="ko-KR" sz="1400" i="1">
+                          <a:rPr lang="en-US" altLang="ko-KR" sz="1600" i="1">
                             <a:latin typeface="Cambria Math" panose="02040503050406030204" pitchFamily="18" charset="0"/>
                           </a:rPr>
                           <m:t>𝑥</m:t>
                         </m:r>
                         <m:r>
-                          <a:rPr lang="en-US" altLang="ko-KR" sz="1400" i="1">
+                          <a:rPr lang="en-US" altLang="ko-KR" sz="1600" i="1">
                             <a:latin typeface="Cambria Math" panose="02040503050406030204" pitchFamily="18" charset="0"/>
                           </a:rPr>
                           <m:t>)</m:t>
@@ -13363,7 +14891,7 @@
                     </m:f>
                   </m:oMath>
                 </a14:m>
-                <a:endParaRPr lang="en-US" altLang="ko-KR" sz="1400" dirty="0" smtClean="0">
+                <a:endParaRPr lang="en-US" altLang="ko-KR" sz="1600" dirty="0" smtClean="0">
                   <a:latin typeface="+mn-ea"/>
                 </a:endParaRPr>
               </a:p>
@@ -13374,25 +14902,25 @@
                   </a:lnSpc>
                 </a:pPr>
                 <a:r>
-                  <a:rPr lang="ko-KR" altLang="en-US" sz="1200" dirty="0" smtClean="0">
+                  <a:rPr lang="ko-KR" altLang="en-US" sz="1400" dirty="0" smtClean="0">
                     <a:latin typeface="+mn-ea"/>
                   </a:rPr>
                   <a:t>이것을 </a:t>
                 </a:r>
                 <a:r>
-                  <a:rPr lang="en-US" altLang="ko-KR" sz="1200" dirty="0" smtClean="0">
+                  <a:rPr lang="en-US" altLang="ko-KR" sz="1400" dirty="0" smtClean="0">
                     <a:latin typeface="+mn-ea"/>
                   </a:rPr>
                   <a:t>Cross-entropy</a:t>
                 </a:r>
                 <a:r>
-                  <a:rPr lang="ko-KR" altLang="en-US" sz="1200" dirty="0" smtClean="0">
+                  <a:rPr lang="ko-KR" altLang="en-US" sz="1400" dirty="0" smtClean="0">
                     <a:latin typeface="+mn-ea"/>
                   </a:rPr>
                   <a:t>라고 한다</a:t>
                 </a:r>
                 <a:r>
-                  <a:rPr lang="en-US" altLang="ko-KR" sz="1200" dirty="0" smtClean="0">
+                  <a:rPr lang="en-US" altLang="ko-KR" sz="1400" dirty="0" smtClean="0">
                     <a:latin typeface="+mn-ea"/>
                   </a:rPr>
                   <a:t>.</a:t>
@@ -13405,37 +14933,37 @@
                   </a:lnSpc>
                 </a:pPr>
                 <a:r>
-                  <a:rPr lang="ko-KR" altLang="en-US" sz="1600" dirty="0" smtClean="0">
+                  <a:rPr lang="ko-KR" altLang="en-US" sz="1800" dirty="0" smtClean="0">
                     <a:latin typeface="+mn-ea"/>
                   </a:rPr>
                   <a:t>각 경우의 </a:t>
                 </a:r>
                 <a:r>
-                  <a:rPr lang="en-US" altLang="ko-KR" sz="1600" dirty="0" smtClean="0">
+                  <a:rPr lang="en-US" altLang="ko-KR" sz="1800" dirty="0" smtClean="0">
                     <a:latin typeface="+mn-ea"/>
                   </a:rPr>
                   <a:t>information entropy </a:t>
                 </a:r>
                 <a:r>
-                  <a:rPr lang="ko-KR" altLang="en-US" sz="1600" dirty="0" smtClean="0">
+                  <a:rPr lang="ko-KR" altLang="en-US" sz="1800" dirty="0" smtClean="0">
                     <a:latin typeface="+mn-ea"/>
                   </a:rPr>
                   <a:t>및 </a:t>
                 </a:r>
                 <a:r>
-                  <a:rPr lang="en-US" altLang="ko-KR" sz="1600" dirty="0" smtClean="0">
+                  <a:rPr lang="en-US" altLang="ko-KR" sz="1800" dirty="0" smtClean="0">
                     <a:latin typeface="+mn-ea"/>
                   </a:rPr>
                   <a:t>cross-entropy </a:t>
                 </a:r>
                 <a:r>
-                  <a:rPr lang="ko-KR" altLang="en-US" sz="1600" dirty="0" smtClean="0">
+                  <a:rPr lang="ko-KR" altLang="en-US" sz="1800" dirty="0" smtClean="0">
                     <a:latin typeface="+mn-ea"/>
                   </a:rPr>
                   <a:t>값을 구해보자</a:t>
                 </a:r>
                 <a:r>
-                  <a:rPr lang="en-US" altLang="ko-KR" sz="1600" dirty="0" smtClean="0">
+                  <a:rPr lang="en-US" altLang="ko-KR" sz="1800" dirty="0" smtClean="0">
                     <a:latin typeface="+mn-ea"/>
                   </a:rPr>
                   <a:t>.</a:t>
@@ -13448,7 +14976,7 @@
                   </a:lnSpc>
                 </a:pPr>
                 <a:r>
-                  <a:rPr lang="en-US" altLang="ko-KR" sz="1400" dirty="0" smtClean="0">
+                  <a:rPr lang="en-US" altLang="ko-KR" sz="1600" dirty="0" smtClean="0">
                     <a:latin typeface="+mn-ea"/>
                   </a:rPr>
                   <a:t>H(p) = 1.75 bits</a:t>
@@ -13461,7 +14989,7 @@
                   </a:lnSpc>
                 </a:pPr>
                 <a:r>
-                  <a:rPr lang="en-US" altLang="ko-KR" sz="1400" dirty="0" smtClean="0">
+                  <a:rPr lang="en-US" altLang="ko-KR" sz="1600" dirty="0" smtClean="0">
                     <a:latin typeface="+mn-ea"/>
                   </a:rPr>
                   <a:t>H(q) = 1.75 bits</a:t>
@@ -13478,14 +15006,14 @@
                     <m:sSub>
                       <m:sSubPr>
                         <m:ctrlPr>
-                          <a:rPr lang="en-US" altLang="ko-KR" sz="1400" i="1">
+                          <a:rPr lang="en-US" altLang="ko-KR" sz="1600" i="1">
                             <a:latin typeface="Cambria Math" panose="02040503050406030204" pitchFamily="18" charset="0"/>
                           </a:rPr>
                         </m:ctrlPr>
                       </m:sSubPr>
                       <m:e>
                         <m:r>
-                          <a:rPr lang="en-US" altLang="ko-KR" sz="1400" i="1">
+                          <a:rPr lang="en-US" altLang="ko-KR" sz="1600" i="1">
                             <a:latin typeface="Cambria Math" panose="02040503050406030204" pitchFamily="18" charset="0"/>
                           </a:rPr>
                           <m:t>𝐻</m:t>
@@ -13493,7 +15021,7 @@
                       </m:e>
                       <m:sub>
                         <m:r>
-                          <a:rPr lang="en-US" altLang="ko-KR" sz="1400" i="1">
+                          <a:rPr lang="en-US" altLang="ko-KR" sz="1600" i="1">
                             <a:latin typeface="Cambria Math" panose="02040503050406030204" pitchFamily="18" charset="0"/>
                           </a:rPr>
                           <m:t>𝑝</m:t>
@@ -13503,14 +15031,14 @@
                     <m:d>
                       <m:dPr>
                         <m:ctrlPr>
-                          <a:rPr lang="en-US" altLang="ko-KR" sz="1400" i="1">
+                          <a:rPr lang="en-US" altLang="ko-KR" sz="1600" i="1">
                             <a:latin typeface="Cambria Math" panose="02040503050406030204" pitchFamily="18" charset="0"/>
                           </a:rPr>
                         </m:ctrlPr>
                       </m:dPr>
                       <m:e>
                         <m:r>
-                          <a:rPr lang="en-US" altLang="ko-KR" sz="1400" i="1">
+                          <a:rPr lang="en-US" altLang="ko-KR" sz="1600" i="1">
                             <a:latin typeface="Cambria Math" panose="02040503050406030204" pitchFamily="18" charset="0"/>
                           </a:rPr>
                           <m:t>𝑞</m:t>
@@ -13520,13 +15048,13 @@
                   </m:oMath>
                 </a14:m>
                 <a:r>
-                  <a:rPr lang="ko-KR" altLang="en-US" sz="1400" dirty="0" smtClean="0">
+                  <a:rPr lang="ko-KR" altLang="en-US" sz="1600" dirty="0" smtClean="0">
                     <a:latin typeface="+mn-ea"/>
                   </a:rPr>
                   <a:t> </a:t>
                 </a:r>
                 <a:r>
-                  <a:rPr lang="en-US" altLang="ko-KR" sz="1400" dirty="0" smtClean="0">
+                  <a:rPr lang="en-US" altLang="ko-KR" sz="1600" dirty="0" smtClean="0">
                     <a:latin typeface="+mn-ea"/>
                   </a:rPr>
                   <a:t>= 2.25 bits</a:t>
@@ -13543,14 +15071,14 @@
                     <m:sSub>
                       <m:sSubPr>
                         <m:ctrlPr>
-                          <a:rPr lang="en-US" altLang="ko-KR" sz="1400" i="1">
+                          <a:rPr lang="en-US" altLang="ko-KR" sz="1600" i="1">
                             <a:latin typeface="Cambria Math" panose="02040503050406030204" pitchFamily="18" charset="0"/>
                           </a:rPr>
                         </m:ctrlPr>
                       </m:sSubPr>
                       <m:e>
                         <m:r>
-                          <a:rPr lang="en-US" altLang="ko-KR" sz="1400" i="1">
+                          <a:rPr lang="en-US" altLang="ko-KR" sz="1600" i="1">
                             <a:latin typeface="Cambria Math" panose="02040503050406030204" pitchFamily="18" charset="0"/>
                           </a:rPr>
                           <m:t>𝐻</m:t>
@@ -13558,7 +15086,7 @@
                       </m:e>
                       <m:sub>
                         <m:r>
-                          <a:rPr lang="en-US" altLang="ko-KR" sz="1400" b="0" i="1" smtClean="0">
+                          <a:rPr lang="en-US" altLang="ko-KR" sz="1600" b="0" i="1" smtClean="0">
                             <a:latin typeface="Cambria Math" panose="02040503050406030204" pitchFamily="18" charset="0"/>
                           </a:rPr>
                           <m:t>𝑞</m:t>
@@ -13568,14 +15096,14 @@
                     <m:d>
                       <m:dPr>
                         <m:ctrlPr>
-                          <a:rPr lang="en-US" altLang="ko-KR" sz="1400" i="1">
+                          <a:rPr lang="en-US" altLang="ko-KR" sz="1600" i="1">
                             <a:latin typeface="Cambria Math" panose="02040503050406030204" pitchFamily="18" charset="0"/>
                           </a:rPr>
                         </m:ctrlPr>
                       </m:dPr>
                       <m:e>
                         <m:r>
-                          <a:rPr lang="en-US" altLang="ko-KR" sz="1400" b="0" i="1" smtClean="0">
+                          <a:rPr lang="en-US" altLang="ko-KR" sz="1600" b="0" i="1" smtClean="0">
                             <a:latin typeface="Cambria Math" panose="02040503050406030204" pitchFamily="18" charset="0"/>
                           </a:rPr>
                           <m:t>𝑝</m:t>
@@ -13583,20 +15111,20 @@
                       </m:e>
                     </m:d>
                     <m:r>
-                      <a:rPr lang="en-US" altLang="ko-KR" sz="1400" b="0" i="1" smtClean="0">
+                      <a:rPr lang="en-US" altLang="ko-KR" sz="1600" b="0" i="1" smtClean="0">
                         <a:latin typeface="Cambria Math" panose="02040503050406030204" pitchFamily="18" charset="0"/>
                       </a:rPr>
                       <m:t>=2.375 </m:t>
                     </m:r>
                     <m:r>
-                      <a:rPr lang="en-US" altLang="ko-KR" sz="1400" b="0" i="1" smtClean="0">
+                      <a:rPr lang="en-US" altLang="ko-KR" sz="1600" b="0" i="1" smtClean="0">
                         <a:latin typeface="Cambria Math" panose="02040503050406030204" pitchFamily="18" charset="0"/>
                       </a:rPr>
                       <m:t>𝑏𝑖𝑡𝑠</m:t>
                     </m:r>
                   </m:oMath>
                 </a14:m>
-                <a:endParaRPr lang="en-US" altLang="ko-KR" sz="1400" dirty="0" smtClean="0">
+                <a:endParaRPr lang="en-US" altLang="ko-KR" sz="1600" dirty="0" smtClean="0">
                   <a:latin typeface="+mn-ea"/>
                 </a:endParaRPr>
               </a:p>
@@ -13607,97 +15135,97 @@
                   </a:lnSpc>
                 </a:pPr>
                 <a:r>
-                  <a:rPr lang="en-US" altLang="ko-KR" sz="1600" dirty="0" smtClean="0">
+                  <a:rPr lang="en-US" altLang="ko-KR" sz="1800" dirty="0" smtClean="0">
                     <a:latin typeface="+mn-ea"/>
                   </a:rPr>
                   <a:t>Cross-entropy </a:t>
                 </a:r>
                 <a:r>
-                  <a:rPr lang="ko-KR" altLang="en-US" sz="1600" dirty="0" smtClean="0">
+                  <a:rPr lang="ko-KR" altLang="en-US" sz="1800" dirty="0" smtClean="0">
                     <a:latin typeface="+mn-ea"/>
                   </a:rPr>
                   <a:t>값은 </a:t>
                 </a:r>
                 <a:r>
-                  <a:rPr lang="ko-KR" altLang="en-US" sz="1600" dirty="0" err="1" smtClean="0">
+                  <a:rPr lang="ko-KR" altLang="en-US" sz="1800" dirty="0" err="1" smtClean="0">
                     <a:latin typeface="+mn-ea"/>
                   </a:rPr>
                   <a:t>대칭하지</a:t>
                 </a:r>
                 <a:r>
-                  <a:rPr lang="ko-KR" altLang="en-US" sz="1600" dirty="0" smtClean="0">
+                  <a:rPr lang="ko-KR" altLang="en-US" sz="1800" dirty="0" smtClean="0">
                     <a:latin typeface="+mn-ea"/>
                   </a:rPr>
                   <a:t> 않는다</a:t>
                 </a:r>
                 <a:r>
-                  <a:rPr lang="en-US" altLang="ko-KR" sz="1600" dirty="0" smtClean="0">
+                  <a:rPr lang="en-US" altLang="ko-KR" sz="1800" dirty="0" smtClean="0">
                     <a:latin typeface="+mn-ea"/>
                   </a:rPr>
                   <a:t>. </a:t>
                 </a:r>
                 <a:r>
-                  <a:rPr lang="ko-KR" altLang="en-US" sz="1600" dirty="0" smtClean="0">
+                  <a:rPr lang="ko-KR" altLang="en-US" sz="1800" dirty="0" smtClean="0">
                     <a:latin typeface="+mn-ea"/>
                   </a:rPr>
                   <a:t>더불어</a:t>
                 </a:r>
                 <a:r>
-                  <a:rPr lang="en-US" altLang="ko-KR" sz="1600" dirty="0" smtClean="0">
+                  <a:rPr lang="en-US" altLang="ko-KR" sz="1800" dirty="0" smtClean="0">
                     <a:latin typeface="+mn-ea"/>
                   </a:rPr>
                   <a:t>, cross-entropy </a:t>
                 </a:r>
                 <a:r>
-                  <a:rPr lang="ko-KR" altLang="en-US" sz="1600" dirty="0" err="1" smtClean="0">
+                  <a:rPr lang="ko-KR" altLang="en-US" sz="1800" dirty="0" err="1" smtClean="0">
                     <a:latin typeface="+mn-ea"/>
                   </a:rPr>
                   <a:t>값들</a:t>
                 </a:r>
                 <a:r>
-                  <a:rPr lang="ko-KR" altLang="en-US" sz="1600" dirty="0" err="1">
+                  <a:rPr lang="ko-KR" altLang="en-US" sz="1800" dirty="0" err="1">
                     <a:latin typeface="+mn-ea"/>
                   </a:rPr>
                   <a:t>과</a:t>
                 </a:r>
                 <a:r>
-                  <a:rPr lang="ko-KR" altLang="en-US" sz="1600" dirty="0" err="1" smtClean="0">
+                  <a:rPr lang="ko-KR" altLang="en-US" sz="1800" dirty="0" err="1" smtClean="0">
                     <a:latin typeface="+mn-ea"/>
                   </a:rPr>
                   <a:t>의</a:t>
                 </a:r>
                 <a:r>
-                  <a:rPr lang="ko-KR" altLang="en-US" sz="1600" dirty="0" smtClean="0">
+                  <a:rPr lang="ko-KR" altLang="en-US" sz="1800" dirty="0" smtClean="0">
                     <a:latin typeface="+mn-ea"/>
                   </a:rPr>
                   <a:t> 차이를 </a:t>
                 </a:r>
                 <a:r>
-                  <a:rPr lang="en-US" altLang="ko-KR" sz="1600" dirty="0" smtClean="0">
+                  <a:rPr lang="en-US" altLang="ko-KR" sz="1800" dirty="0" smtClean="0">
                     <a:latin typeface="+mn-ea"/>
                   </a:rPr>
                   <a:t>KL divergence</a:t>
                 </a:r>
                 <a:r>
-                  <a:rPr lang="ko-KR" altLang="en-US" sz="1600" dirty="0" smtClean="0">
+                  <a:rPr lang="ko-KR" altLang="en-US" sz="1800" dirty="0" smtClean="0">
                     <a:latin typeface="+mn-ea"/>
                   </a:rPr>
                   <a:t>라고 한다</a:t>
                 </a:r>
                 <a:r>
-                  <a:rPr lang="en-US" altLang="ko-KR" sz="1600" dirty="0" smtClean="0">
+                  <a:rPr lang="en-US" altLang="ko-KR" sz="1800" dirty="0" smtClean="0">
                     <a:latin typeface="+mn-ea"/>
                   </a:rPr>
                   <a:t>. (</a:t>
                 </a:r>
                 <a:r>
-                  <a:rPr lang="en-US" altLang="ko-KR" sz="1600" dirty="0" err="1" smtClean="0">
+                  <a:rPr lang="en-US" altLang="ko-KR" sz="1800" dirty="0" err="1" smtClean="0">
                     <a:latin typeface="+mn-ea"/>
                   </a:rPr>
                   <a:t>Kullback-Leibler</a:t>
                 </a:r>
                 <a:r>
-                  <a:rPr lang="en-US" altLang="ko-KR" sz="1600" dirty="0" smtClean="0">
+                  <a:rPr lang="en-US" altLang="ko-KR" sz="1800" dirty="0" smtClean="0">
                     <a:latin typeface="+mn-ea"/>
                   </a:rPr>
                   <a:t> divergence)</a:t>
@@ -13710,48 +15238,48 @@
                   </a:lnSpc>
                 </a:pPr>
                 <a:r>
-                  <a:rPr lang="en-US" altLang="ko-KR" sz="1400" dirty="0">
+                  <a:rPr lang="en-US" altLang="ko-KR" sz="1600" dirty="0">
                     <a:latin typeface="+mn-ea"/>
                   </a:rPr>
                   <a:t>q</a:t>
                 </a:r>
                 <a:r>
-                  <a:rPr lang="ko-KR" altLang="en-US" sz="1400" dirty="0" smtClean="0">
+                  <a:rPr lang="ko-KR" altLang="en-US" sz="1600" dirty="0" smtClean="0">
                     <a:latin typeface="+mn-ea"/>
                   </a:rPr>
                   <a:t>에 </a:t>
                 </a:r>
                 <a:r>
-                  <a:rPr lang="ko-KR" altLang="en-US" sz="1400" dirty="0">
+                  <a:rPr lang="ko-KR" altLang="en-US" sz="1600" dirty="0">
                     <a:latin typeface="+mn-ea"/>
                   </a:rPr>
                   <a:t>대한 </a:t>
                 </a:r>
                 <a:r>
-                  <a:rPr lang="en-US" altLang="ko-KR" sz="1400" dirty="0">
+                  <a:rPr lang="en-US" altLang="ko-KR" sz="1600" dirty="0">
                     <a:latin typeface="+mn-ea"/>
                   </a:rPr>
                   <a:t>p</a:t>
                 </a:r>
                 <a:r>
-                  <a:rPr lang="ko-KR" altLang="en-US" sz="1400" dirty="0">
+                  <a:rPr lang="ko-KR" altLang="en-US" sz="1600" dirty="0">
                     <a:latin typeface="+mn-ea"/>
                   </a:rPr>
                   <a:t>의 </a:t>
                 </a:r>
                 <a:r>
-                  <a:rPr lang="en-US" altLang="ko-KR" sz="1400" dirty="0">
+                  <a:rPr lang="en-US" altLang="ko-KR" sz="1600" dirty="0">
                     <a:latin typeface="+mn-ea"/>
                   </a:rPr>
                   <a:t>KL divergence </a:t>
                 </a:r>
                 <a:r>
-                  <a:rPr lang="ko-KR" altLang="en-US" sz="1400" dirty="0">
+                  <a:rPr lang="ko-KR" altLang="en-US" sz="1600" dirty="0">
                     <a:latin typeface="+mn-ea"/>
                   </a:rPr>
                   <a:t>값</a:t>
                 </a:r>
-                <a:endParaRPr lang="en-US" altLang="ko-KR" sz="1400" dirty="0" smtClean="0">
+                <a:endParaRPr lang="en-US" altLang="ko-KR" sz="1600" dirty="0" smtClean="0">
                   <a:latin typeface="+mn-ea"/>
                 </a:endParaRPr>
               </a:p>
@@ -13766,14 +15294,14 @@
                     <m:sSub>
                       <m:sSubPr>
                         <m:ctrlPr>
-                          <a:rPr lang="en-US" altLang="ko-KR" sz="1200" i="1">
+                          <a:rPr lang="en-US" altLang="ko-KR" sz="1400" i="1">
                             <a:latin typeface="Cambria Math" panose="02040503050406030204" pitchFamily="18" charset="0"/>
                           </a:rPr>
                         </m:ctrlPr>
                       </m:sSubPr>
                       <m:e>
                         <m:r>
-                          <a:rPr lang="en-US" altLang="ko-KR" sz="1200" b="0" i="1" smtClean="0">
+                          <a:rPr lang="en-US" altLang="ko-KR" sz="1400" b="0" i="1" smtClean="0">
                             <a:latin typeface="Cambria Math" panose="02040503050406030204" pitchFamily="18" charset="0"/>
                           </a:rPr>
                           <m:t>𝐷</m:t>
@@ -13781,7 +15309,7 @@
                       </m:e>
                       <m:sub>
                         <m:r>
-                          <a:rPr lang="en-US" altLang="ko-KR" sz="1200" i="1">
+                          <a:rPr lang="en-US" altLang="ko-KR" sz="1400" i="1">
                             <a:latin typeface="Cambria Math" panose="02040503050406030204" pitchFamily="18" charset="0"/>
                           </a:rPr>
                           <m:t>𝑞</m:t>
@@ -13791,14 +15319,14 @@
                     <m:d>
                       <m:dPr>
                         <m:ctrlPr>
-                          <a:rPr lang="en-US" altLang="ko-KR" sz="1200" i="1">
+                          <a:rPr lang="en-US" altLang="ko-KR" sz="1400" i="1">
                             <a:latin typeface="Cambria Math" panose="02040503050406030204" pitchFamily="18" charset="0"/>
                           </a:rPr>
                         </m:ctrlPr>
                       </m:dPr>
                       <m:e>
                         <m:r>
-                          <a:rPr lang="en-US" altLang="ko-KR" sz="1200" i="1">
+                          <a:rPr lang="en-US" altLang="ko-KR" sz="1400" i="1">
                             <a:latin typeface="Cambria Math" panose="02040503050406030204" pitchFamily="18" charset="0"/>
                           </a:rPr>
                           <m:t>𝑝</m:t>
@@ -13806,7 +15334,7 @@
                       </m:e>
                     </m:d>
                     <m:r>
-                      <a:rPr lang="en-US" altLang="ko-KR" sz="1200" i="1">
+                      <a:rPr lang="en-US" altLang="ko-KR" sz="1400" i="1">
                         <a:latin typeface="Cambria Math" panose="02040503050406030204" pitchFamily="18" charset="0"/>
                       </a:rPr>
                       <m:t>=</m:t>
@@ -13814,14 +15342,14 @@
                     <m:sSub>
                       <m:sSubPr>
                         <m:ctrlPr>
-                          <a:rPr lang="en-US" altLang="ko-KR" sz="1200" i="1">
+                          <a:rPr lang="en-US" altLang="ko-KR" sz="1400" i="1">
                             <a:latin typeface="Cambria Math" panose="02040503050406030204" pitchFamily="18" charset="0"/>
                           </a:rPr>
                         </m:ctrlPr>
                       </m:sSubPr>
                       <m:e>
                         <m:r>
-                          <a:rPr lang="en-US" altLang="ko-KR" sz="1200" i="1">
+                          <a:rPr lang="en-US" altLang="ko-KR" sz="1400" i="1">
                             <a:latin typeface="Cambria Math" panose="02040503050406030204" pitchFamily="18" charset="0"/>
                           </a:rPr>
                           <m:t>𝐻</m:t>
@@ -13829,7 +15357,7 @@
                       </m:e>
                       <m:sub>
                         <m:r>
-                          <a:rPr lang="en-US" altLang="ko-KR" sz="1200" i="1">
+                          <a:rPr lang="en-US" altLang="ko-KR" sz="1400" i="1">
                             <a:latin typeface="Cambria Math" panose="02040503050406030204" pitchFamily="18" charset="0"/>
                           </a:rPr>
                           <m:t>𝑞</m:t>
@@ -13839,14 +15367,14 @@
                     <m:d>
                       <m:dPr>
                         <m:ctrlPr>
-                          <a:rPr lang="en-US" altLang="ko-KR" sz="1200" i="1">
+                          <a:rPr lang="en-US" altLang="ko-KR" sz="1400" i="1">
                             <a:latin typeface="Cambria Math" panose="02040503050406030204" pitchFamily="18" charset="0"/>
                           </a:rPr>
                         </m:ctrlPr>
                       </m:dPr>
                       <m:e>
                         <m:r>
-                          <a:rPr lang="en-US" altLang="ko-KR" sz="1200" i="1">
+                          <a:rPr lang="en-US" altLang="ko-KR" sz="1400" i="1">
                             <a:latin typeface="Cambria Math" panose="02040503050406030204" pitchFamily="18" charset="0"/>
                           </a:rPr>
                           <m:t>𝑝</m:t>
@@ -13854,45 +15382,45 @@
                       </m:e>
                     </m:d>
                     <m:r>
-                      <a:rPr lang="en-US" altLang="ko-KR" sz="1200" b="0" i="1" smtClean="0">
+                      <a:rPr lang="en-US" altLang="ko-KR" sz="1400" b="0" i="1" smtClean="0">
                         <a:latin typeface="Cambria Math" panose="02040503050406030204" pitchFamily="18" charset="0"/>
                       </a:rPr>
                       <m:t>−</m:t>
                     </m:r>
                     <m:r>
-                      <a:rPr lang="en-US" altLang="ko-KR" sz="1200" b="0" i="1" smtClean="0">
+                      <a:rPr lang="en-US" altLang="ko-KR" sz="1400" b="0" i="1" smtClean="0">
                         <a:latin typeface="Cambria Math" panose="02040503050406030204" pitchFamily="18" charset="0"/>
                       </a:rPr>
                       <m:t>𝐻</m:t>
                     </m:r>
                     <m:r>
-                      <a:rPr lang="en-US" altLang="ko-KR" sz="1200" b="0" i="1" smtClean="0">
+                      <a:rPr lang="en-US" altLang="ko-KR" sz="1400" b="0" i="1" smtClean="0">
                         <a:latin typeface="Cambria Math" panose="02040503050406030204" pitchFamily="18" charset="0"/>
                       </a:rPr>
                       <m:t>(</m:t>
                     </m:r>
                     <m:r>
-                      <a:rPr lang="en-US" altLang="ko-KR" sz="1200" b="0" i="1" smtClean="0">
+                      <a:rPr lang="en-US" altLang="ko-KR" sz="1400" b="0" i="1" smtClean="0">
                         <a:latin typeface="Cambria Math" panose="02040503050406030204" pitchFamily="18" charset="0"/>
                       </a:rPr>
                       <m:t>𝑝</m:t>
                     </m:r>
                     <m:r>
-                      <a:rPr lang="en-US" altLang="ko-KR" sz="1200" b="0" i="1" smtClean="0">
+                      <a:rPr lang="en-US" altLang="ko-KR" sz="1400" b="0" i="1" smtClean="0">
                         <a:latin typeface="Cambria Math" panose="02040503050406030204" pitchFamily="18" charset="0"/>
                       </a:rPr>
                       <m:t>)</m:t>
                     </m:r>
                   </m:oMath>
                 </a14:m>
-                <a:endParaRPr lang="ko-KR" altLang="en-US" sz="1200" dirty="0">
+                <a:endParaRPr lang="ko-KR" altLang="en-US" sz="1400" dirty="0">
                   <a:latin typeface="+mn-ea"/>
                 </a:endParaRPr>
               </a:p>
             </p:txBody>
           </p:sp>
         </mc:Choice>
-        <mc:Fallback xmlns="">
+        <mc:Fallback>
           <p:sp>
             <p:nvSpPr>
               <p:cNvPr id="8" name="내용 개체 틀 7"/>
@@ -13904,10 +15432,14 @@
               </p:nvPr>
             </p:nvSpPr>
             <p:spPr>
+              <a:xfrm>
+                <a:off x="6125586" y="1448507"/>
+                <a:ext cx="5181600" cy="5399928"/>
+              </a:xfrm>
               <a:blipFill>
                 <a:blip r:embed="rId2"/>
                 <a:stretch>
-                  <a:fillRect l="-471" b="-10084"/>
+                  <a:fillRect l="-824" t="-226"/>
                 </a:stretch>
               </a:blipFill>
             </p:spPr>
@@ -15037,7 +16569,7 @@
     </p:spTree>
     <p:extLst>
       <p:ext uri="{BB962C8B-B14F-4D97-AF65-F5344CB8AC3E}">
-        <p14:creationId xmlns:p14="http://schemas.microsoft.com/office/powerpoint/2010/main" val="1474258742"/>
+        <p14:creationId xmlns:p14="http://schemas.microsoft.com/office/powerpoint/2010/main" val="2604841168"/>
       </p:ext>
     </p:extLst>
   </p:cSld>
@@ -15083,40 +16615,14 @@
         </p:nvSpPr>
         <p:spPr/>
         <p:txBody>
-          <a:bodyPr>
-            <a:normAutofit/>
-          </a:bodyPr>
+          <a:bodyPr/>
           <a:lstStyle/>
           <a:p>
             <a:r>
-              <a:rPr lang="ko-KR" altLang="en-US" dirty="0" smtClean="0"/>
-              <a:t>복수 변수</a:t>
-            </a:r>
-            <a:r>
               <a:rPr lang="en-US" altLang="ko-KR" dirty="0" smtClean="0"/>
-              <a:t>(X:</a:t>
-            </a:r>
-            <a:r>
-              <a:rPr lang="ko-KR" altLang="en-US" dirty="0" smtClean="0"/>
-              <a:t>옷</a:t>
-            </a:r>
-            <a:r>
-              <a:rPr lang="en-US" altLang="ko-KR" dirty="0" smtClean="0"/>
-              <a:t>, Y:</a:t>
-            </a:r>
-            <a:r>
-              <a:rPr lang="ko-KR" altLang="en-US" dirty="0" smtClean="0"/>
-              <a:t>날씨</a:t>
-            </a:r>
-            <a:r>
-              <a:rPr lang="en-US" altLang="ko-KR" dirty="0" smtClean="0"/>
-              <a:t>)</a:t>
-            </a:r>
-            <a:r>
-              <a:rPr lang="ko-KR" altLang="en-US" dirty="0" smtClean="0"/>
-              <a:t>와 엔트로피</a:t>
-            </a:r>
-            <a:endParaRPr lang="ko-KR" altLang="en-US" dirty="0"/>
+              <a:t>Codes (Bob’s story)</a:t>
+            </a:r>
+            <a:endParaRPr lang="ko-KR" altLang="en-US" sz="2400" dirty="0"/>
           </a:p>
         </p:txBody>
       </p:sp>
@@ -15132,44 +16638,1156 @@
         </p:nvSpPr>
         <p:spPr/>
         <p:txBody>
-          <a:bodyPr/>
+          <a:bodyPr>
+            <a:normAutofit/>
+          </a:bodyPr>
           <a:lstStyle/>
           <a:p>
-            <a:endParaRPr lang="en-US" altLang="ko-KR" dirty="0" smtClean="0"/>
+            <a:pPr>
+              <a:lnSpc>
+                <a:spcPct val="120000"/>
+              </a:lnSpc>
+            </a:pPr>
+            <a:r>
+              <a:rPr lang="ko-KR" altLang="en-US" sz="1800" dirty="0" smtClean="0">
+                <a:latin typeface="+mn-ea"/>
+              </a:rPr>
+              <a:t>가정</a:t>
+            </a:r>
+            <a:r>
+              <a:rPr lang="en-US" altLang="ko-KR" sz="1800" dirty="0" smtClean="0">
+                <a:latin typeface="+mn-ea"/>
+              </a:rPr>
+              <a:t> 3 : </a:t>
+            </a:r>
+            <a:r>
+              <a:rPr lang="ko-KR" altLang="en-US" sz="1800" dirty="0" smtClean="0">
+                <a:latin typeface="+mn-ea"/>
+              </a:rPr>
+              <a:t>개를 좋아하는 </a:t>
+            </a:r>
+            <a:r>
+              <a:rPr lang="en-US" altLang="ko-KR" sz="1800" dirty="0" smtClean="0">
+                <a:latin typeface="+mn-ea"/>
+              </a:rPr>
+              <a:t>Bob</a:t>
+            </a:r>
+            <a:r>
+              <a:rPr lang="ko-KR" altLang="en-US" sz="1800" dirty="0" smtClean="0">
+                <a:latin typeface="+mn-ea"/>
+              </a:rPr>
+              <a:t>이 고양이를 좋아하는 </a:t>
+            </a:r>
+            <a:r>
+              <a:rPr lang="en-US" altLang="ko-KR" sz="1800" dirty="0" smtClean="0">
+                <a:latin typeface="+mn-ea"/>
+              </a:rPr>
+              <a:t>Alice</a:t>
+            </a:r>
+            <a:r>
+              <a:rPr lang="ko-KR" altLang="en-US" sz="1800" dirty="0" smtClean="0">
+                <a:latin typeface="+mn-ea"/>
+              </a:rPr>
+              <a:t>와 결혼했다</a:t>
+            </a:r>
+            <a:r>
+              <a:rPr lang="en-US" altLang="ko-KR" sz="1800" dirty="0" smtClean="0">
+                <a:latin typeface="+mn-ea"/>
+              </a:rPr>
+              <a:t>.</a:t>
+            </a:r>
+          </a:p>
+          <a:p>
+            <a:pPr>
+              <a:lnSpc>
+                <a:spcPct val="120000"/>
+              </a:lnSpc>
+            </a:pPr>
+            <a:r>
+              <a:rPr lang="en-US" altLang="ko-KR" sz="1800" dirty="0" smtClean="0">
+                <a:latin typeface="+mn-ea"/>
+              </a:rPr>
+              <a:t>Bob</a:t>
+            </a:r>
+            <a:r>
+              <a:rPr lang="ko-KR" altLang="en-US" sz="1800" dirty="0" smtClean="0">
+                <a:latin typeface="+mn-ea"/>
+              </a:rPr>
+              <a:t>과 </a:t>
+            </a:r>
+            <a:r>
+              <a:rPr lang="en-US" altLang="ko-KR" sz="1800" dirty="0" smtClean="0">
+                <a:latin typeface="+mn-ea"/>
+              </a:rPr>
+              <a:t>Alice</a:t>
+            </a:r>
+            <a:r>
+              <a:rPr lang="ko-KR" altLang="en-US" sz="1800" dirty="0" smtClean="0">
+                <a:latin typeface="+mn-ea"/>
+              </a:rPr>
+              <a:t>의 </a:t>
+            </a:r>
+            <a:r>
+              <a:rPr lang="en-US" altLang="ko-KR" sz="1800" dirty="0" smtClean="0">
+                <a:latin typeface="+mn-ea"/>
+              </a:rPr>
+              <a:t>word </a:t>
+            </a:r>
+            <a:r>
+              <a:rPr lang="ko-KR" altLang="en-US" sz="1800" dirty="0" smtClean="0">
+                <a:latin typeface="+mn-ea"/>
+              </a:rPr>
+              <a:t>사용 확률</a:t>
+            </a:r>
+            <a:endParaRPr lang="en-US" altLang="ko-KR" sz="1800" dirty="0" smtClean="0">
+              <a:latin typeface="+mn-ea"/>
+            </a:endParaRPr>
           </a:p>
         </p:txBody>
       </p:sp>
-      <p:sp>
-        <p:nvSpPr>
-          <p:cNvPr id="8" name="내용 개체 틀 7"/>
-          <p:cNvSpPr>
-            <a:spLocks noGrp="1"/>
-          </p:cNvSpPr>
-          <p:nvPr>
-            <p:ph sz="half" idx="2"/>
-          </p:nvPr>
-        </p:nvSpPr>
-        <p:spPr/>
-        <p:txBody>
-          <a:bodyPr/>
-          <a:lstStyle/>
-          <a:p>
-            <a:r>
-              <a:rPr lang="en-US" altLang="ko-KR" dirty="0" smtClean="0"/>
-              <a:t>1</a:t>
-            </a:r>
-            <a:r>
-              <a:rPr lang="ko-KR" altLang="en-US" dirty="0" err="1" smtClean="0"/>
-              <a:t>차원식</a:t>
-            </a:r>
-            <a:r>
-              <a:rPr lang="ko-KR" altLang="en-US" dirty="0" smtClean="0"/>
-              <a:t> 도표</a:t>
-            </a:r>
-            <a:endParaRPr lang="ko-KR" altLang="en-US" dirty="0"/>
-          </a:p>
-        </p:txBody>
-      </p:sp>
+      <mc:AlternateContent xmlns:mc="http://schemas.openxmlformats.org/markup-compatibility/2006">
+        <mc:Choice xmlns:a14="http://schemas.microsoft.com/office/drawing/2010/main" Requires="a14">
+          <p:sp>
+            <p:nvSpPr>
+              <p:cNvPr id="8" name="내용 개체 틀 7"/>
+              <p:cNvSpPr>
+                <a:spLocks noGrp="1"/>
+              </p:cNvSpPr>
+              <p:nvPr>
+                <p:ph sz="half" idx="2"/>
+              </p:nvPr>
+            </p:nvSpPr>
+            <p:spPr>
+              <a:xfrm>
+                <a:off x="6172200" y="1204025"/>
+                <a:ext cx="5181600" cy="5653975"/>
+              </a:xfrm>
+            </p:spPr>
+            <p:txBody>
+              <a:bodyPr>
+                <a:noAutofit/>
+              </a:bodyPr>
+              <a:lstStyle/>
+              <a:p>
+                <a:pPr>
+                  <a:lnSpc>
+                    <a:spcPct val="120000"/>
+                  </a:lnSpc>
+                </a:pPr>
+                <a:r>
+                  <a:rPr lang="en-US" altLang="ko-KR" sz="1800" dirty="0" smtClean="0">
+                    <a:latin typeface="+mn-ea"/>
+                  </a:rPr>
+                  <a:t>(</a:t>
+                </a:r>
+                <a:r>
+                  <a:rPr lang="ko-KR" altLang="en-US" sz="1800" dirty="0" smtClean="0">
+                    <a:latin typeface="+mn-ea"/>
+                  </a:rPr>
+                  <a:t>앞과 동일</a:t>
+                </a:r>
+                <a:r>
+                  <a:rPr lang="en-US" altLang="ko-KR" sz="1800" dirty="0" smtClean="0">
+                    <a:latin typeface="+mn-ea"/>
+                  </a:rPr>
+                  <a:t>) Alice</a:t>
+                </a:r>
+                <a:r>
+                  <a:rPr lang="ko-KR" altLang="en-US" sz="1800" dirty="0">
+                    <a:latin typeface="+mn-ea"/>
+                  </a:rPr>
+                  <a:t>가 나와 대화 </a:t>
+                </a:r>
+                <a:r>
+                  <a:rPr lang="en-US" altLang="ko-KR" sz="1800" dirty="0">
+                    <a:latin typeface="+mn-ea"/>
+                  </a:rPr>
+                  <a:t>(</a:t>
+                </a:r>
+                <a:r>
+                  <a:rPr lang="en-US" altLang="ko-KR" sz="1800" b="1" i="1" u="sng" dirty="0">
+                    <a:solidFill>
+                      <a:srgbClr val="0070C0"/>
+                    </a:solidFill>
+                    <a:latin typeface="+mn-ea"/>
+                  </a:rPr>
+                  <a:t>Bob</a:t>
+                </a:r>
+                <a:r>
+                  <a:rPr lang="ko-KR" altLang="en-US" sz="1800" b="1" i="1" u="sng" dirty="0">
+                    <a:solidFill>
+                      <a:srgbClr val="0070C0"/>
+                    </a:solidFill>
+                    <a:latin typeface="+mn-ea"/>
+                  </a:rPr>
+                  <a:t>의 </a:t>
+                </a:r>
+                <a:r>
+                  <a:rPr lang="ko-KR" altLang="en-US" sz="1800" b="1" i="1" u="sng" dirty="0" err="1">
+                    <a:solidFill>
+                      <a:srgbClr val="0070C0"/>
+                    </a:solidFill>
+                    <a:latin typeface="+mn-ea"/>
+                  </a:rPr>
+                  <a:t>비트값으로</a:t>
+                </a:r>
+                <a:r>
+                  <a:rPr lang="en-US" altLang="ko-KR" sz="1800" dirty="0">
+                    <a:latin typeface="+mn-ea"/>
+                  </a:rPr>
+                  <a:t>)</a:t>
+                </a:r>
+              </a:p>
+              <a:p>
+                <a:pPr lvl="1">
+                  <a:lnSpc>
+                    <a:spcPct val="120000"/>
+                  </a:lnSpc>
+                </a:pPr>
+                <a14:m>
+                  <m:oMath xmlns:m="http://schemas.openxmlformats.org/officeDocument/2006/math">
+                    <m:sSub>
+                      <m:sSubPr>
+                        <m:ctrlPr>
+                          <a:rPr lang="en-US" altLang="ko-KR" sz="1600" i="1">
+                            <a:latin typeface="Cambria Math" panose="02040503050406030204" pitchFamily="18" charset="0"/>
+                          </a:rPr>
+                        </m:ctrlPr>
+                      </m:sSubPr>
+                      <m:e>
+                        <m:r>
+                          <a:rPr lang="en-US" altLang="ko-KR" sz="1600" i="1">
+                            <a:latin typeface="Cambria Math" panose="02040503050406030204" pitchFamily="18" charset="0"/>
+                          </a:rPr>
+                          <m:t>𝐻</m:t>
+                        </m:r>
+                      </m:e>
+                      <m:sub>
+                        <m:r>
+                          <a:rPr lang="en-US" altLang="ko-KR" sz="1600" i="1">
+                            <a:latin typeface="Cambria Math" panose="02040503050406030204" pitchFamily="18" charset="0"/>
+                          </a:rPr>
+                          <m:t>𝑝</m:t>
+                        </m:r>
+                      </m:sub>
+                    </m:sSub>
+                    <m:d>
+                      <m:dPr>
+                        <m:ctrlPr>
+                          <a:rPr lang="en-US" altLang="ko-KR" sz="1600" i="1">
+                            <a:latin typeface="Cambria Math" panose="02040503050406030204" pitchFamily="18" charset="0"/>
+                          </a:rPr>
+                        </m:ctrlPr>
+                      </m:dPr>
+                      <m:e>
+                        <m:r>
+                          <a:rPr lang="en-US" altLang="ko-KR" sz="1600" i="1">
+                            <a:latin typeface="Cambria Math" panose="02040503050406030204" pitchFamily="18" charset="0"/>
+                          </a:rPr>
+                          <m:t>𝑞</m:t>
+                        </m:r>
+                      </m:e>
+                    </m:d>
+                    <m:r>
+                      <a:rPr lang="en-US" altLang="ko-KR" sz="1600" i="1">
+                        <a:latin typeface="Cambria Math" panose="02040503050406030204" pitchFamily="18" charset="0"/>
+                      </a:rPr>
+                      <m:t>=</m:t>
+                    </m:r>
+                    <m:nary>
+                      <m:naryPr>
+                        <m:chr m:val="∑"/>
+                        <m:limLoc m:val="subSup"/>
+                        <m:supHide m:val="on"/>
+                        <m:ctrlPr>
+                          <a:rPr lang="en-US" altLang="ko-KR" sz="1600" i="1">
+                            <a:latin typeface="Cambria Math" panose="02040503050406030204" pitchFamily="18" charset="0"/>
+                          </a:rPr>
+                        </m:ctrlPr>
+                      </m:naryPr>
+                      <m:sub>
+                        <m:r>
+                          <a:rPr lang="en-US" altLang="ko-KR" sz="1600" i="1">
+                            <a:latin typeface="Cambria Math" panose="02040503050406030204" pitchFamily="18" charset="0"/>
+                          </a:rPr>
+                          <m:t>𝑥</m:t>
+                        </m:r>
+                      </m:sub>
+                      <m:sup/>
+                      <m:e>
+                        <m:r>
+                          <a:rPr lang="en-US" altLang="ko-KR" sz="1600" i="1">
+                            <a:latin typeface="Cambria Math" panose="02040503050406030204" pitchFamily="18" charset="0"/>
+                          </a:rPr>
+                          <m:t>𝑞</m:t>
+                        </m:r>
+                        <m:r>
+                          <a:rPr lang="en-US" altLang="ko-KR" sz="1600" i="1">
+                            <a:latin typeface="Cambria Math" panose="02040503050406030204" pitchFamily="18" charset="0"/>
+                          </a:rPr>
+                          <m:t>(</m:t>
+                        </m:r>
+                        <m:r>
+                          <a:rPr lang="en-US" altLang="ko-KR" sz="1600" i="1">
+                            <a:latin typeface="Cambria Math" panose="02040503050406030204" pitchFamily="18" charset="0"/>
+                          </a:rPr>
+                          <m:t>𝑥</m:t>
+                        </m:r>
+                        <m:r>
+                          <a:rPr lang="en-US" altLang="ko-KR" sz="1600" i="1">
+                            <a:latin typeface="Cambria Math" panose="02040503050406030204" pitchFamily="18" charset="0"/>
+                          </a:rPr>
+                          <m:t>)</m:t>
+                        </m:r>
+                      </m:e>
+                    </m:nary>
+                    <m:sSub>
+                      <m:sSubPr>
+                        <m:ctrlPr>
+                          <a:rPr lang="en-US" altLang="ko-KR" sz="1600" i="1">
+                            <a:latin typeface="Cambria Math" panose="02040503050406030204" pitchFamily="18" charset="0"/>
+                          </a:rPr>
+                        </m:ctrlPr>
+                      </m:sSubPr>
+                      <m:e>
+                        <m:r>
+                          <a:rPr lang="en-US" altLang="ko-KR" sz="1600" i="1">
+                            <a:latin typeface="Cambria Math" panose="02040503050406030204" pitchFamily="18" charset="0"/>
+                          </a:rPr>
+                          <m:t>𝑙𝑜𝑔</m:t>
+                        </m:r>
+                      </m:e>
+                      <m:sub>
+                        <m:r>
+                          <a:rPr lang="en-US" altLang="ko-KR" sz="1600" i="1">
+                            <a:latin typeface="Cambria Math" panose="02040503050406030204" pitchFamily="18" charset="0"/>
+                          </a:rPr>
+                          <m:t>2</m:t>
+                        </m:r>
+                      </m:sub>
+                    </m:sSub>
+                    <m:f>
+                      <m:fPr>
+                        <m:ctrlPr>
+                          <a:rPr lang="en-US" altLang="ko-KR" sz="1600" i="1">
+                            <a:latin typeface="Cambria Math" panose="02040503050406030204" pitchFamily="18" charset="0"/>
+                          </a:rPr>
+                        </m:ctrlPr>
+                      </m:fPr>
+                      <m:num>
+                        <m:r>
+                          <a:rPr lang="en-US" altLang="ko-KR" sz="1600" i="1">
+                            <a:latin typeface="Cambria Math" panose="02040503050406030204" pitchFamily="18" charset="0"/>
+                          </a:rPr>
+                          <m:t>1</m:t>
+                        </m:r>
+                      </m:num>
+                      <m:den>
+                        <m:r>
+                          <a:rPr lang="en-US" altLang="ko-KR" sz="1600" i="1">
+                            <a:latin typeface="Cambria Math" panose="02040503050406030204" pitchFamily="18" charset="0"/>
+                          </a:rPr>
+                          <m:t>𝑝</m:t>
+                        </m:r>
+                        <m:r>
+                          <a:rPr lang="en-US" altLang="ko-KR" sz="1600" i="1">
+                            <a:latin typeface="Cambria Math" panose="02040503050406030204" pitchFamily="18" charset="0"/>
+                          </a:rPr>
+                          <m:t>(</m:t>
+                        </m:r>
+                        <m:r>
+                          <a:rPr lang="en-US" altLang="ko-KR" sz="1600" i="1">
+                            <a:latin typeface="Cambria Math" panose="02040503050406030204" pitchFamily="18" charset="0"/>
+                          </a:rPr>
+                          <m:t>𝑥</m:t>
+                        </m:r>
+                        <m:r>
+                          <a:rPr lang="en-US" altLang="ko-KR" sz="1600" i="1">
+                            <a:latin typeface="Cambria Math" panose="02040503050406030204" pitchFamily="18" charset="0"/>
+                          </a:rPr>
+                          <m:t>)</m:t>
+                        </m:r>
+                      </m:den>
+                    </m:f>
+                  </m:oMath>
+                </a14:m>
+                <a:r>
+                  <a:rPr lang="en-US" altLang="ko-KR" sz="1600" dirty="0" smtClean="0">
+                    <a:latin typeface="+mn-ea"/>
+                  </a:rPr>
+                  <a:t> (</a:t>
+                </a:r>
+                <a:r>
+                  <a:rPr lang="ko-KR" altLang="en-US" sz="1400" dirty="0" smtClean="0">
+                    <a:latin typeface="+mn-ea"/>
+                  </a:rPr>
+                  <a:t>이것을 </a:t>
+                </a:r>
+                <a:r>
+                  <a:rPr lang="en-US" altLang="ko-KR" sz="1400" dirty="0">
+                    <a:latin typeface="+mn-ea"/>
+                  </a:rPr>
+                  <a:t>Cross-entropy</a:t>
+                </a:r>
+                <a:r>
+                  <a:rPr lang="ko-KR" altLang="en-US" sz="1400" dirty="0">
+                    <a:latin typeface="+mn-ea"/>
+                  </a:rPr>
+                  <a:t>라고 한다</a:t>
+                </a:r>
+                <a:r>
+                  <a:rPr lang="en-US" altLang="ko-KR" sz="1400" dirty="0" smtClean="0">
+                    <a:latin typeface="+mn-ea"/>
+                  </a:rPr>
+                  <a:t>.)</a:t>
+                </a:r>
+                <a:endParaRPr lang="en-US" altLang="ko-KR" sz="1400" dirty="0">
+                  <a:latin typeface="+mn-ea"/>
+                </a:endParaRPr>
+              </a:p>
+              <a:p>
+                <a:pPr>
+                  <a:lnSpc>
+                    <a:spcPct val="120000"/>
+                  </a:lnSpc>
+                </a:pPr>
+                <a:r>
+                  <a:rPr lang="en-US" altLang="ko-KR" sz="1800" dirty="0">
+                    <a:latin typeface="+mn-ea"/>
+                  </a:rPr>
+                  <a:t>(</a:t>
+                </a:r>
+                <a:r>
+                  <a:rPr lang="ko-KR" altLang="en-US" sz="1800" dirty="0">
+                    <a:latin typeface="+mn-ea"/>
+                  </a:rPr>
+                  <a:t>앞과 동일</a:t>
+                </a:r>
+                <a:r>
+                  <a:rPr lang="en-US" altLang="ko-KR" sz="1800" dirty="0">
+                    <a:latin typeface="+mn-ea"/>
+                  </a:rPr>
+                  <a:t>) </a:t>
+                </a:r>
+                <a:r>
+                  <a:rPr lang="ko-KR" altLang="en-US" sz="1800" dirty="0" smtClean="0">
+                    <a:latin typeface="+mn-ea"/>
+                  </a:rPr>
+                  <a:t>각 </a:t>
+                </a:r>
+                <a:r>
+                  <a:rPr lang="ko-KR" altLang="en-US" sz="1800" dirty="0" smtClean="0">
+                    <a:latin typeface="+mn-ea"/>
+                  </a:rPr>
+                  <a:t>경우의 </a:t>
+                </a:r>
+                <a:r>
+                  <a:rPr lang="en-US" altLang="ko-KR" sz="1800" dirty="0" smtClean="0">
+                    <a:latin typeface="+mn-ea"/>
+                  </a:rPr>
+                  <a:t>information entropy </a:t>
+                </a:r>
+                <a:r>
+                  <a:rPr lang="ko-KR" altLang="en-US" sz="1800" dirty="0" smtClean="0">
+                    <a:latin typeface="+mn-ea"/>
+                  </a:rPr>
+                  <a:t>및 </a:t>
+                </a:r>
+                <a:r>
+                  <a:rPr lang="en-US" altLang="ko-KR" sz="1800" dirty="0" smtClean="0">
+                    <a:latin typeface="+mn-ea"/>
+                  </a:rPr>
+                  <a:t>cross-entropy </a:t>
+                </a:r>
+                <a:r>
+                  <a:rPr lang="ko-KR" altLang="en-US" sz="1800" dirty="0" smtClean="0">
+                    <a:latin typeface="+mn-ea"/>
+                  </a:rPr>
+                  <a:t>값을 구해보자</a:t>
+                </a:r>
+                <a:r>
+                  <a:rPr lang="en-US" altLang="ko-KR" sz="1800" dirty="0" smtClean="0">
+                    <a:latin typeface="+mn-ea"/>
+                  </a:rPr>
+                  <a:t>.</a:t>
+                </a:r>
+              </a:p>
+              <a:p>
+                <a:pPr lvl="1">
+                  <a:lnSpc>
+                    <a:spcPct val="120000"/>
+                  </a:lnSpc>
+                </a:pPr>
+                <a:r>
+                  <a:rPr lang="en-US" altLang="ko-KR" sz="1600" dirty="0" smtClean="0">
+                    <a:latin typeface="+mn-ea"/>
+                  </a:rPr>
+                  <a:t>H(p) = 1.75 </a:t>
+                </a:r>
+                <a:r>
+                  <a:rPr lang="en-US" altLang="ko-KR" sz="1600" dirty="0" smtClean="0">
+                    <a:latin typeface="+mn-ea"/>
+                  </a:rPr>
+                  <a:t>bits, H(q</a:t>
+                </a:r>
+                <a:r>
+                  <a:rPr lang="en-US" altLang="ko-KR" sz="1600" dirty="0" smtClean="0">
+                    <a:latin typeface="+mn-ea"/>
+                  </a:rPr>
+                  <a:t>) = 1.75 bits</a:t>
+                </a:r>
+              </a:p>
+              <a:p>
+                <a:pPr lvl="1">
+                  <a:lnSpc>
+                    <a:spcPct val="120000"/>
+                  </a:lnSpc>
+                </a:pPr>
+                <a14:m>
+                  <m:oMath xmlns:m="http://schemas.openxmlformats.org/officeDocument/2006/math">
+                    <m:sSub>
+                      <m:sSubPr>
+                        <m:ctrlPr>
+                          <a:rPr lang="en-US" altLang="ko-KR" sz="1600" i="1">
+                            <a:latin typeface="Cambria Math" panose="02040503050406030204" pitchFamily="18" charset="0"/>
+                          </a:rPr>
+                        </m:ctrlPr>
+                      </m:sSubPr>
+                      <m:e>
+                        <m:r>
+                          <a:rPr lang="en-US" altLang="ko-KR" sz="1600" i="1">
+                            <a:latin typeface="Cambria Math" panose="02040503050406030204" pitchFamily="18" charset="0"/>
+                          </a:rPr>
+                          <m:t>𝐻</m:t>
+                        </m:r>
+                      </m:e>
+                      <m:sub>
+                        <m:r>
+                          <a:rPr lang="en-US" altLang="ko-KR" sz="1600" i="1">
+                            <a:latin typeface="Cambria Math" panose="02040503050406030204" pitchFamily="18" charset="0"/>
+                          </a:rPr>
+                          <m:t>𝑝</m:t>
+                        </m:r>
+                      </m:sub>
+                    </m:sSub>
+                    <m:d>
+                      <m:dPr>
+                        <m:ctrlPr>
+                          <a:rPr lang="en-US" altLang="ko-KR" sz="1600" i="1">
+                            <a:latin typeface="Cambria Math" panose="02040503050406030204" pitchFamily="18" charset="0"/>
+                          </a:rPr>
+                        </m:ctrlPr>
+                      </m:dPr>
+                      <m:e>
+                        <m:r>
+                          <a:rPr lang="en-US" altLang="ko-KR" sz="1600" i="1">
+                            <a:latin typeface="Cambria Math" panose="02040503050406030204" pitchFamily="18" charset="0"/>
+                          </a:rPr>
+                          <m:t>𝑞</m:t>
+                        </m:r>
+                      </m:e>
+                    </m:d>
+                  </m:oMath>
+                </a14:m>
+                <a:r>
+                  <a:rPr lang="ko-KR" altLang="en-US" sz="1600" dirty="0" smtClean="0">
+                    <a:latin typeface="+mn-ea"/>
+                  </a:rPr>
+                  <a:t> </a:t>
+                </a:r>
+                <a:r>
+                  <a:rPr lang="en-US" altLang="ko-KR" sz="1600" dirty="0" smtClean="0">
+                    <a:latin typeface="+mn-ea"/>
+                  </a:rPr>
+                  <a:t>= 2.25 </a:t>
+                </a:r>
+                <a:r>
+                  <a:rPr lang="en-US" altLang="ko-KR" sz="1600" dirty="0" smtClean="0">
+                    <a:latin typeface="+mn-ea"/>
+                  </a:rPr>
+                  <a:t>bits, </a:t>
+                </a:r>
+                <a14:m>
+                  <m:oMath xmlns:m="http://schemas.openxmlformats.org/officeDocument/2006/math">
+                    <m:sSub>
+                      <m:sSubPr>
+                        <m:ctrlPr>
+                          <a:rPr lang="en-US" altLang="ko-KR" sz="1600" i="1">
+                            <a:latin typeface="Cambria Math" panose="02040503050406030204" pitchFamily="18" charset="0"/>
+                          </a:rPr>
+                        </m:ctrlPr>
+                      </m:sSubPr>
+                      <m:e>
+                        <m:r>
+                          <a:rPr lang="en-US" altLang="ko-KR" sz="1600" i="1">
+                            <a:latin typeface="Cambria Math" panose="02040503050406030204" pitchFamily="18" charset="0"/>
+                          </a:rPr>
+                          <m:t>𝐻</m:t>
+                        </m:r>
+                      </m:e>
+                      <m:sub>
+                        <m:r>
+                          <a:rPr lang="en-US" altLang="ko-KR" sz="1600" b="0" i="1" smtClean="0">
+                            <a:latin typeface="Cambria Math" panose="02040503050406030204" pitchFamily="18" charset="0"/>
+                          </a:rPr>
+                          <m:t>𝑞</m:t>
+                        </m:r>
+                      </m:sub>
+                    </m:sSub>
+                    <m:d>
+                      <m:dPr>
+                        <m:ctrlPr>
+                          <a:rPr lang="en-US" altLang="ko-KR" sz="1600" i="1">
+                            <a:latin typeface="Cambria Math" panose="02040503050406030204" pitchFamily="18" charset="0"/>
+                          </a:rPr>
+                        </m:ctrlPr>
+                      </m:dPr>
+                      <m:e>
+                        <m:r>
+                          <a:rPr lang="en-US" altLang="ko-KR" sz="1600" b="0" i="1" smtClean="0">
+                            <a:latin typeface="Cambria Math" panose="02040503050406030204" pitchFamily="18" charset="0"/>
+                          </a:rPr>
+                          <m:t>𝑝</m:t>
+                        </m:r>
+                      </m:e>
+                    </m:d>
+                    <m:r>
+                      <a:rPr lang="en-US" altLang="ko-KR" sz="1600" b="0" i="1" smtClean="0">
+                        <a:latin typeface="Cambria Math" panose="02040503050406030204" pitchFamily="18" charset="0"/>
+                      </a:rPr>
+                      <m:t>=2.375 </m:t>
+                    </m:r>
+                    <m:r>
+                      <a:rPr lang="en-US" altLang="ko-KR" sz="1600" b="0" i="1" smtClean="0">
+                        <a:latin typeface="Cambria Math" panose="02040503050406030204" pitchFamily="18" charset="0"/>
+                      </a:rPr>
+                      <m:t>𝑏𝑖𝑡𝑠</m:t>
+                    </m:r>
+                  </m:oMath>
+                </a14:m>
+                <a:endParaRPr lang="en-US" altLang="ko-KR" sz="1600" dirty="0" smtClean="0">
+                  <a:latin typeface="+mn-ea"/>
+                </a:endParaRPr>
+              </a:p>
+              <a:p>
+                <a:pPr>
+                  <a:lnSpc>
+                    <a:spcPct val="120000"/>
+                  </a:lnSpc>
+                </a:pPr>
+                <a:r>
+                  <a:rPr lang="en-US" altLang="ko-KR" sz="1800" dirty="0" smtClean="0">
+                    <a:latin typeface="+mn-ea"/>
+                  </a:rPr>
+                  <a:t>Cross-entropy </a:t>
+                </a:r>
+                <a:r>
+                  <a:rPr lang="ko-KR" altLang="en-US" sz="1800" dirty="0" smtClean="0">
+                    <a:latin typeface="+mn-ea"/>
+                  </a:rPr>
+                  <a:t>값은 </a:t>
+                </a:r>
+                <a:r>
+                  <a:rPr lang="ko-KR" altLang="en-US" sz="1800" dirty="0" err="1" smtClean="0">
+                    <a:latin typeface="+mn-ea"/>
+                  </a:rPr>
+                  <a:t>대칭하지</a:t>
+                </a:r>
+                <a:r>
+                  <a:rPr lang="ko-KR" altLang="en-US" sz="1800" dirty="0" smtClean="0">
+                    <a:latin typeface="+mn-ea"/>
+                  </a:rPr>
+                  <a:t> 않는다</a:t>
+                </a:r>
+                <a:r>
+                  <a:rPr lang="en-US" altLang="ko-KR" sz="1800" dirty="0" smtClean="0">
+                    <a:latin typeface="+mn-ea"/>
+                  </a:rPr>
+                  <a:t>. </a:t>
+                </a:r>
+                <a:r>
+                  <a:rPr lang="ko-KR" altLang="en-US" sz="1800" dirty="0" smtClean="0">
+                    <a:latin typeface="+mn-ea"/>
+                  </a:rPr>
+                  <a:t>더불어</a:t>
+                </a:r>
+                <a:r>
+                  <a:rPr lang="en-US" altLang="ko-KR" sz="1800" dirty="0" smtClean="0">
+                    <a:latin typeface="+mn-ea"/>
+                  </a:rPr>
+                  <a:t>, cross-entropy </a:t>
+                </a:r>
+                <a:r>
+                  <a:rPr lang="ko-KR" altLang="en-US" sz="1800" dirty="0" err="1" smtClean="0">
+                    <a:latin typeface="+mn-ea"/>
+                  </a:rPr>
+                  <a:t>값들</a:t>
+                </a:r>
+                <a:r>
+                  <a:rPr lang="ko-KR" altLang="en-US" sz="1800" dirty="0" err="1">
+                    <a:latin typeface="+mn-ea"/>
+                  </a:rPr>
+                  <a:t>과</a:t>
+                </a:r>
+                <a:r>
+                  <a:rPr lang="ko-KR" altLang="en-US" sz="1800" dirty="0" err="1" smtClean="0">
+                    <a:latin typeface="+mn-ea"/>
+                  </a:rPr>
+                  <a:t>의</a:t>
+                </a:r>
+                <a:r>
+                  <a:rPr lang="ko-KR" altLang="en-US" sz="1800" dirty="0" smtClean="0">
+                    <a:latin typeface="+mn-ea"/>
+                  </a:rPr>
+                  <a:t> 차이를 </a:t>
+                </a:r>
+                <a:r>
+                  <a:rPr lang="en-US" altLang="ko-KR" sz="1800" dirty="0" smtClean="0">
+                    <a:latin typeface="+mn-ea"/>
+                  </a:rPr>
+                  <a:t>KL divergence</a:t>
+                </a:r>
+                <a:r>
+                  <a:rPr lang="ko-KR" altLang="en-US" sz="1800" dirty="0" smtClean="0">
+                    <a:latin typeface="+mn-ea"/>
+                  </a:rPr>
+                  <a:t>라고 한다</a:t>
+                </a:r>
+                <a:r>
+                  <a:rPr lang="en-US" altLang="ko-KR" sz="1800" dirty="0" smtClean="0">
+                    <a:latin typeface="+mn-ea"/>
+                  </a:rPr>
+                  <a:t>. (</a:t>
+                </a:r>
+                <a:r>
+                  <a:rPr lang="en-US" altLang="ko-KR" sz="1800" dirty="0" err="1" smtClean="0">
+                    <a:latin typeface="+mn-ea"/>
+                  </a:rPr>
+                  <a:t>Kullback-Leibler</a:t>
+                </a:r>
+                <a:r>
+                  <a:rPr lang="en-US" altLang="ko-KR" sz="1800" dirty="0" smtClean="0">
+                    <a:latin typeface="+mn-ea"/>
+                  </a:rPr>
+                  <a:t> divergence)</a:t>
+                </a:r>
+              </a:p>
+              <a:p>
+                <a:pPr lvl="1">
+                  <a:lnSpc>
+                    <a:spcPct val="120000"/>
+                  </a:lnSpc>
+                </a:pPr>
+                <a:r>
+                  <a:rPr lang="en-US" altLang="ko-KR" sz="1600" dirty="0">
+                    <a:latin typeface="+mn-ea"/>
+                  </a:rPr>
+                  <a:t>q</a:t>
+                </a:r>
+                <a:r>
+                  <a:rPr lang="ko-KR" altLang="en-US" sz="1600" dirty="0" smtClean="0">
+                    <a:latin typeface="+mn-ea"/>
+                  </a:rPr>
+                  <a:t>에 </a:t>
+                </a:r>
+                <a:r>
+                  <a:rPr lang="ko-KR" altLang="en-US" sz="1600" dirty="0">
+                    <a:latin typeface="+mn-ea"/>
+                  </a:rPr>
+                  <a:t>대한 </a:t>
+                </a:r>
+                <a:r>
+                  <a:rPr lang="en-US" altLang="ko-KR" sz="1600" dirty="0">
+                    <a:latin typeface="+mn-ea"/>
+                  </a:rPr>
+                  <a:t>p</a:t>
+                </a:r>
+                <a:r>
+                  <a:rPr lang="ko-KR" altLang="en-US" sz="1600" dirty="0">
+                    <a:latin typeface="+mn-ea"/>
+                  </a:rPr>
+                  <a:t>의 </a:t>
+                </a:r>
+                <a:r>
+                  <a:rPr lang="en-US" altLang="ko-KR" sz="1600" dirty="0">
+                    <a:latin typeface="+mn-ea"/>
+                  </a:rPr>
+                  <a:t>KL divergence </a:t>
+                </a:r>
+                <a:r>
+                  <a:rPr lang="ko-KR" altLang="en-US" sz="1600" dirty="0">
+                    <a:latin typeface="+mn-ea"/>
+                  </a:rPr>
+                  <a:t>값</a:t>
+                </a:r>
+                <a:endParaRPr lang="en-US" altLang="ko-KR" sz="1600" dirty="0" smtClean="0">
+                  <a:latin typeface="+mn-ea"/>
+                </a:endParaRPr>
+              </a:p>
+              <a:p>
+                <a:pPr lvl="2">
+                  <a:lnSpc>
+                    <a:spcPct val="120000"/>
+                  </a:lnSpc>
+                </a:pPr>
+                <a14:m>
+                  <m:oMath xmlns:m="http://schemas.openxmlformats.org/officeDocument/2006/math">
+                    <m:sSub>
+                      <m:sSubPr>
+                        <m:ctrlPr>
+                          <a:rPr lang="en-US" altLang="ko-KR" sz="1400" i="1">
+                            <a:latin typeface="Cambria Math" panose="02040503050406030204" pitchFamily="18" charset="0"/>
+                          </a:rPr>
+                        </m:ctrlPr>
+                      </m:sSubPr>
+                      <m:e>
+                        <m:r>
+                          <a:rPr lang="en-US" altLang="ko-KR" sz="1400" b="0" i="1" smtClean="0">
+                            <a:latin typeface="Cambria Math" panose="02040503050406030204" pitchFamily="18" charset="0"/>
+                          </a:rPr>
+                          <m:t>𝐷</m:t>
+                        </m:r>
+                      </m:e>
+                      <m:sub>
+                        <m:r>
+                          <a:rPr lang="en-US" altLang="ko-KR" sz="1400" i="1">
+                            <a:latin typeface="Cambria Math" panose="02040503050406030204" pitchFamily="18" charset="0"/>
+                          </a:rPr>
+                          <m:t>𝑞</m:t>
+                        </m:r>
+                      </m:sub>
+                    </m:sSub>
+                    <m:d>
+                      <m:dPr>
+                        <m:ctrlPr>
+                          <a:rPr lang="en-US" altLang="ko-KR" sz="1400" i="1">
+                            <a:latin typeface="Cambria Math" panose="02040503050406030204" pitchFamily="18" charset="0"/>
+                          </a:rPr>
+                        </m:ctrlPr>
+                      </m:dPr>
+                      <m:e>
+                        <m:r>
+                          <a:rPr lang="en-US" altLang="ko-KR" sz="1400" i="1">
+                            <a:latin typeface="Cambria Math" panose="02040503050406030204" pitchFamily="18" charset="0"/>
+                          </a:rPr>
+                          <m:t>𝑝</m:t>
+                        </m:r>
+                      </m:e>
+                    </m:d>
+                    <m:r>
+                      <a:rPr lang="en-US" altLang="ko-KR" sz="1400" i="1">
+                        <a:latin typeface="Cambria Math" panose="02040503050406030204" pitchFamily="18" charset="0"/>
+                      </a:rPr>
+                      <m:t>=</m:t>
+                    </m:r>
+                    <m:sSub>
+                      <m:sSubPr>
+                        <m:ctrlPr>
+                          <a:rPr lang="en-US" altLang="ko-KR" sz="1400" i="1">
+                            <a:latin typeface="Cambria Math" panose="02040503050406030204" pitchFamily="18" charset="0"/>
+                          </a:rPr>
+                        </m:ctrlPr>
+                      </m:sSubPr>
+                      <m:e>
+                        <m:r>
+                          <a:rPr lang="en-US" altLang="ko-KR" sz="1400" i="1">
+                            <a:latin typeface="Cambria Math" panose="02040503050406030204" pitchFamily="18" charset="0"/>
+                          </a:rPr>
+                          <m:t>𝐻</m:t>
+                        </m:r>
+                      </m:e>
+                      <m:sub>
+                        <m:r>
+                          <a:rPr lang="en-US" altLang="ko-KR" sz="1400" i="1">
+                            <a:latin typeface="Cambria Math" panose="02040503050406030204" pitchFamily="18" charset="0"/>
+                          </a:rPr>
+                          <m:t>𝑞</m:t>
+                        </m:r>
+                      </m:sub>
+                    </m:sSub>
+                    <m:d>
+                      <m:dPr>
+                        <m:ctrlPr>
+                          <a:rPr lang="en-US" altLang="ko-KR" sz="1400" i="1">
+                            <a:latin typeface="Cambria Math" panose="02040503050406030204" pitchFamily="18" charset="0"/>
+                          </a:rPr>
+                        </m:ctrlPr>
+                      </m:dPr>
+                      <m:e>
+                        <m:r>
+                          <a:rPr lang="en-US" altLang="ko-KR" sz="1400" i="1">
+                            <a:latin typeface="Cambria Math" panose="02040503050406030204" pitchFamily="18" charset="0"/>
+                          </a:rPr>
+                          <m:t>𝑝</m:t>
+                        </m:r>
+                      </m:e>
+                    </m:d>
+                    <m:r>
+                      <a:rPr lang="en-US" altLang="ko-KR" sz="1400" b="0" i="1" smtClean="0">
+                        <a:latin typeface="Cambria Math" panose="02040503050406030204" pitchFamily="18" charset="0"/>
+                      </a:rPr>
+                      <m:t>−</m:t>
+                    </m:r>
+                    <m:r>
+                      <a:rPr lang="en-US" altLang="ko-KR" sz="1400" b="0" i="1" smtClean="0">
+                        <a:latin typeface="Cambria Math" panose="02040503050406030204" pitchFamily="18" charset="0"/>
+                      </a:rPr>
+                      <m:t>𝐻</m:t>
+                    </m:r>
+                    <m:d>
+                      <m:dPr>
+                        <m:ctrlPr>
+                          <a:rPr lang="en-US" altLang="ko-KR" sz="1400" b="0" i="1" smtClean="0">
+                            <a:latin typeface="Cambria Math" panose="02040503050406030204" pitchFamily="18" charset="0"/>
+                          </a:rPr>
+                        </m:ctrlPr>
+                      </m:dPr>
+                      <m:e>
+                        <m:r>
+                          <a:rPr lang="en-US" altLang="ko-KR" sz="1400" b="0" i="1" smtClean="0">
+                            <a:latin typeface="Cambria Math" panose="02040503050406030204" pitchFamily="18" charset="0"/>
+                          </a:rPr>
+                          <m:t>𝑝</m:t>
+                        </m:r>
+                      </m:e>
+                    </m:d>
+                  </m:oMath>
+                </a14:m>
+                <a:r>
+                  <a:rPr lang="en-US" altLang="ko-KR" sz="1400" b="0" dirty="0" smtClean="0">
+                    <a:latin typeface="+mn-ea"/>
+                  </a:rPr>
+                  <a:t> = 2.375 – 1.75 = 0.625</a:t>
+                </a:r>
+              </a:p>
+              <a:p>
+                <a:pPr lvl="1">
+                  <a:lnSpc>
+                    <a:spcPct val="120000"/>
+                  </a:lnSpc>
+                </a:pPr>
+                <a:r>
+                  <a:rPr lang="en-US" altLang="ko-KR" sz="1600" dirty="0">
+                    <a:latin typeface="+mn-ea"/>
+                  </a:rPr>
+                  <a:t>p </a:t>
+                </a:r>
+                <a:r>
+                  <a:rPr lang="ko-KR" altLang="en-US" sz="1600" dirty="0" smtClean="0">
+                    <a:latin typeface="+mn-ea"/>
+                  </a:rPr>
+                  <a:t>에 </a:t>
+                </a:r>
+                <a:r>
+                  <a:rPr lang="ko-KR" altLang="en-US" sz="1600" dirty="0">
+                    <a:latin typeface="+mn-ea"/>
+                  </a:rPr>
+                  <a:t>대한 </a:t>
+                </a:r>
+                <a:r>
+                  <a:rPr lang="en-US" altLang="ko-KR" sz="1600" dirty="0">
+                    <a:latin typeface="+mn-ea"/>
+                  </a:rPr>
+                  <a:t>q </a:t>
+                </a:r>
+                <a:r>
+                  <a:rPr lang="ko-KR" altLang="en-US" sz="1600" dirty="0" smtClean="0">
+                    <a:latin typeface="+mn-ea"/>
+                  </a:rPr>
+                  <a:t>의 </a:t>
+                </a:r>
+                <a:r>
+                  <a:rPr lang="en-US" altLang="ko-KR" sz="1600" dirty="0">
+                    <a:latin typeface="+mn-ea"/>
+                  </a:rPr>
+                  <a:t>KL divergence </a:t>
+                </a:r>
+                <a:r>
+                  <a:rPr lang="ko-KR" altLang="en-US" sz="1600" dirty="0">
+                    <a:latin typeface="+mn-ea"/>
+                  </a:rPr>
+                  <a:t>값</a:t>
+                </a:r>
+                <a:endParaRPr lang="en-US" altLang="ko-KR" sz="1600" dirty="0">
+                  <a:latin typeface="+mn-ea"/>
+                </a:endParaRPr>
+              </a:p>
+              <a:p>
+                <a:pPr lvl="2">
+                  <a:lnSpc>
+                    <a:spcPct val="120000"/>
+                  </a:lnSpc>
+                </a:pPr>
+                <a14:m>
+                  <m:oMath xmlns:m="http://schemas.openxmlformats.org/officeDocument/2006/math">
+                    <m:sSub>
+                      <m:sSubPr>
+                        <m:ctrlPr>
+                          <a:rPr lang="en-US" altLang="ko-KR" sz="1400" i="1">
+                            <a:latin typeface="Cambria Math" panose="02040503050406030204" pitchFamily="18" charset="0"/>
+                          </a:rPr>
+                        </m:ctrlPr>
+                      </m:sSubPr>
+                      <m:e>
+                        <m:r>
+                          <a:rPr lang="en-US" altLang="ko-KR" sz="1400" i="1">
+                            <a:latin typeface="Cambria Math" panose="02040503050406030204" pitchFamily="18" charset="0"/>
+                          </a:rPr>
+                          <m:t>𝐷</m:t>
+                        </m:r>
+                      </m:e>
+                      <m:sub>
+                        <m:r>
+                          <a:rPr lang="en-US" altLang="ko-KR" sz="1400" b="0" i="1" smtClean="0">
+                            <a:latin typeface="Cambria Math" panose="02040503050406030204" pitchFamily="18" charset="0"/>
+                          </a:rPr>
+                          <m:t>𝑝</m:t>
+                        </m:r>
+                      </m:sub>
+                    </m:sSub>
+                    <m:d>
+                      <m:dPr>
+                        <m:ctrlPr>
+                          <a:rPr lang="en-US" altLang="ko-KR" sz="1400" i="1">
+                            <a:latin typeface="Cambria Math" panose="02040503050406030204" pitchFamily="18" charset="0"/>
+                          </a:rPr>
+                        </m:ctrlPr>
+                      </m:dPr>
+                      <m:e>
+                        <m:r>
+                          <a:rPr lang="en-US" altLang="ko-KR" sz="1400" b="0" i="1" smtClean="0">
+                            <a:latin typeface="Cambria Math" panose="02040503050406030204" pitchFamily="18" charset="0"/>
+                          </a:rPr>
+                          <m:t>𝑞</m:t>
+                        </m:r>
+                      </m:e>
+                    </m:d>
+                    <m:r>
+                      <a:rPr lang="en-US" altLang="ko-KR" sz="1400" i="1">
+                        <a:latin typeface="Cambria Math" panose="02040503050406030204" pitchFamily="18" charset="0"/>
+                      </a:rPr>
+                      <m:t>=</m:t>
+                    </m:r>
+                    <m:sSub>
+                      <m:sSubPr>
+                        <m:ctrlPr>
+                          <a:rPr lang="en-US" altLang="ko-KR" sz="1400" i="1">
+                            <a:latin typeface="Cambria Math" panose="02040503050406030204" pitchFamily="18" charset="0"/>
+                          </a:rPr>
+                        </m:ctrlPr>
+                      </m:sSubPr>
+                      <m:e>
+                        <m:r>
+                          <a:rPr lang="en-US" altLang="ko-KR" sz="1400" i="1">
+                            <a:latin typeface="Cambria Math" panose="02040503050406030204" pitchFamily="18" charset="0"/>
+                          </a:rPr>
+                          <m:t>𝐻</m:t>
+                        </m:r>
+                      </m:e>
+                      <m:sub>
+                        <m:r>
+                          <a:rPr lang="en-US" altLang="ko-KR" sz="1400" b="0" i="1" smtClean="0">
+                            <a:latin typeface="Cambria Math" panose="02040503050406030204" pitchFamily="18" charset="0"/>
+                          </a:rPr>
+                          <m:t>𝑝</m:t>
+                        </m:r>
+                      </m:sub>
+                    </m:sSub>
+                    <m:r>
+                      <a:rPr lang="en-US" altLang="ko-KR" sz="1400" b="0" i="1" smtClean="0">
+                        <a:latin typeface="Cambria Math" panose="02040503050406030204" pitchFamily="18" charset="0"/>
+                      </a:rPr>
+                      <m:t>𝑞</m:t>
+                    </m:r>
+                    <m:r>
+                      <a:rPr lang="en-US" altLang="ko-KR" sz="1400" i="1">
+                        <a:latin typeface="Cambria Math" panose="02040503050406030204" pitchFamily="18" charset="0"/>
+                      </a:rPr>
+                      <m:t>−</m:t>
+                    </m:r>
+                    <m:r>
+                      <a:rPr lang="en-US" altLang="ko-KR" sz="1400" i="1">
+                        <a:latin typeface="Cambria Math" panose="02040503050406030204" pitchFamily="18" charset="0"/>
+                      </a:rPr>
+                      <m:t>𝐻</m:t>
+                    </m:r>
+                    <m:r>
+                      <a:rPr lang="en-US" altLang="ko-KR" sz="1400" i="1">
+                        <a:latin typeface="Cambria Math" panose="02040503050406030204" pitchFamily="18" charset="0"/>
+                      </a:rPr>
+                      <m:t>(</m:t>
+                    </m:r>
+                    <m:r>
+                      <a:rPr lang="en-US" altLang="ko-KR" sz="1400" b="0" i="1" smtClean="0">
+                        <a:latin typeface="Cambria Math" panose="02040503050406030204" pitchFamily="18" charset="0"/>
+                      </a:rPr>
+                      <m:t>𝑞</m:t>
+                    </m:r>
+                    <m:r>
+                      <a:rPr lang="en-US" altLang="ko-KR" sz="1400" i="1">
+                        <a:latin typeface="Cambria Math" panose="02040503050406030204" pitchFamily="18" charset="0"/>
+                      </a:rPr>
+                      <m:t>)</m:t>
+                    </m:r>
+                  </m:oMath>
+                </a14:m>
+                <a:r>
+                  <a:rPr lang="ko-KR" altLang="en-US" sz="1400" dirty="0" smtClean="0">
+                    <a:latin typeface="+mn-ea"/>
+                  </a:rPr>
+                  <a:t> </a:t>
+                </a:r>
+                <a:r>
+                  <a:rPr lang="en-US" altLang="ko-KR" sz="1400" dirty="0" smtClean="0">
+                    <a:latin typeface="+mn-ea"/>
+                  </a:rPr>
+                  <a:t>= 2.25 – 1.75 = 0.5</a:t>
+                </a:r>
+                <a:endParaRPr lang="ko-KR" altLang="en-US" sz="1400" dirty="0">
+                  <a:latin typeface="+mn-ea"/>
+                </a:endParaRPr>
+              </a:p>
+            </p:txBody>
+          </p:sp>
+        </mc:Choice>
+        <mc:Fallback>
+          <p:sp>
+            <p:nvSpPr>
+              <p:cNvPr id="8" name="내용 개체 틀 7"/>
+              <p:cNvSpPr>
+                <a:spLocks noGrp="1" noRot="1" noChangeAspect="1" noMove="1" noResize="1" noEditPoints="1" noAdjustHandles="1" noChangeArrowheads="1" noChangeShapeType="1" noTextEdit="1"/>
+              </p:cNvSpPr>
+              <p:nvPr>
+                <p:ph sz="half" idx="2"/>
+              </p:nvPr>
+            </p:nvSpPr>
+            <p:spPr>
+              <a:xfrm>
+                <a:off x="6172200" y="1204025"/>
+                <a:ext cx="5181600" cy="5653975"/>
+              </a:xfrm>
+              <a:blipFill>
+                <a:blip r:embed="rId2"/>
+                <a:stretch>
+                  <a:fillRect l="-824" t="-216"/>
+                </a:stretch>
+              </a:blipFill>
+            </p:spPr>
+            <p:txBody>
+              <a:bodyPr/>
+              <a:lstStyle/>
+              <a:p>
+                <a:r>
+                  <a:rPr lang="ko-KR" altLang="en-US">
+                    <a:noFill/>
+                  </a:rPr>
+                  <a:t> </a:t>
+                </a:r>
+              </a:p>
+            </p:txBody>
+          </p:sp>
+        </mc:Fallback>
+      </mc:AlternateContent>
       <p:sp>
         <p:nvSpPr>
           <p:cNvPr id="14" name="내용 개체 틀 2"/>
@@ -15362,14 +17980,218 @@
       </p:sp>
       <p:sp>
         <p:nvSpPr>
+          <p:cNvPr id="3" name="직사각형 2"/>
+          <p:cNvSpPr/>
+          <p:nvPr/>
+        </p:nvSpPr>
+        <p:spPr>
+          <a:xfrm>
+            <a:off x="1549537" y="3347250"/>
+            <a:ext cx="1417400" cy="1583221"/>
+          </a:xfrm>
+          <a:prstGeom prst="rect">
+            <a:avLst/>
+          </a:prstGeom>
+          <a:solidFill>
+            <a:schemeClr val="accent1">
+              <a:lumMod val="40000"/>
+              <a:lumOff val="60000"/>
+            </a:schemeClr>
+          </a:solidFill>
+        </p:spPr>
+        <p:style>
+          <a:lnRef idx="2">
+            <a:schemeClr val="accent1">
+              <a:shade val="50000"/>
+            </a:schemeClr>
+          </a:lnRef>
+          <a:fillRef idx="1">
+            <a:schemeClr val="accent1"/>
+          </a:fillRef>
+          <a:effectRef idx="0">
+            <a:schemeClr val="accent1"/>
+          </a:effectRef>
+          <a:fontRef idx="minor">
+            <a:schemeClr val="lt1"/>
+          </a:fontRef>
+        </p:style>
+        <p:txBody>
+          <a:bodyPr rtlCol="0" anchor="ctr"/>
+          <a:lstStyle/>
+          <a:p>
+            <a:pPr algn="ctr"/>
+            <a:r>
+              <a:rPr lang="en-US" altLang="ko-KR" dirty="0"/>
+              <a:t>“dog</a:t>
+            </a:r>
+            <a:r>
+              <a:rPr lang="en-US" altLang="ko-KR" dirty="0" smtClean="0"/>
+              <a:t>”</a:t>
+            </a:r>
+            <a:endParaRPr lang="en-US" altLang="ko-KR" dirty="0"/>
+          </a:p>
+        </p:txBody>
+      </p:sp>
+      <p:sp>
+        <p:nvSpPr>
+          <p:cNvPr id="11" name="직사각형 10"/>
+          <p:cNvSpPr/>
+          <p:nvPr/>
+        </p:nvSpPr>
+        <p:spPr>
+          <a:xfrm>
+            <a:off x="1549537" y="4887038"/>
+            <a:ext cx="1417400" cy="791179"/>
+          </a:xfrm>
+          <a:prstGeom prst="rect">
+            <a:avLst/>
+          </a:prstGeom>
+          <a:solidFill>
+            <a:schemeClr val="accent2">
+              <a:lumMod val="40000"/>
+              <a:lumOff val="60000"/>
+            </a:schemeClr>
+          </a:solidFill>
+        </p:spPr>
+        <p:style>
+          <a:lnRef idx="2">
+            <a:schemeClr val="accent1">
+              <a:shade val="50000"/>
+            </a:schemeClr>
+          </a:lnRef>
+          <a:fillRef idx="1">
+            <a:schemeClr val="accent1"/>
+          </a:fillRef>
+          <a:effectRef idx="0">
+            <a:schemeClr val="accent1"/>
+          </a:effectRef>
+          <a:fontRef idx="minor">
+            <a:schemeClr val="lt1"/>
+          </a:fontRef>
+        </p:style>
+        <p:txBody>
+          <a:bodyPr rtlCol="0" anchor="ctr"/>
+          <a:lstStyle/>
+          <a:p>
+            <a:pPr algn="ctr"/>
+            <a:r>
+              <a:rPr lang="en-US" altLang="ko-KR" dirty="0" smtClean="0"/>
+              <a:t>“cat”</a:t>
+            </a:r>
+            <a:endParaRPr lang="en-US" altLang="ko-KR" dirty="0"/>
+          </a:p>
+        </p:txBody>
+      </p:sp>
+      <p:sp>
+        <p:nvSpPr>
+          <p:cNvPr id="12" name="직사각형 11"/>
+          <p:cNvSpPr/>
+          <p:nvPr/>
+        </p:nvSpPr>
+        <p:spPr>
+          <a:xfrm>
+            <a:off x="1549536" y="5678217"/>
+            <a:ext cx="1417400" cy="416026"/>
+          </a:xfrm>
+          <a:prstGeom prst="rect">
+            <a:avLst/>
+          </a:prstGeom>
+          <a:solidFill>
+            <a:schemeClr val="accent3">
+              <a:lumMod val="40000"/>
+              <a:lumOff val="60000"/>
+            </a:schemeClr>
+          </a:solidFill>
+        </p:spPr>
+        <p:style>
+          <a:lnRef idx="2">
+            <a:schemeClr val="accent1">
+              <a:shade val="50000"/>
+            </a:schemeClr>
+          </a:lnRef>
+          <a:fillRef idx="1">
+            <a:schemeClr val="accent1"/>
+          </a:fillRef>
+          <a:effectRef idx="0">
+            <a:schemeClr val="accent1"/>
+          </a:effectRef>
+          <a:fontRef idx="minor">
+            <a:schemeClr val="lt1"/>
+          </a:fontRef>
+        </p:style>
+        <p:txBody>
+          <a:bodyPr rtlCol="0" anchor="ctr"/>
+          <a:lstStyle/>
+          <a:p>
+            <a:pPr algn="ctr"/>
+            <a:r>
+              <a:rPr lang="en-US" altLang="ko-KR" dirty="0" smtClean="0"/>
+              <a:t>“fish”</a:t>
+            </a:r>
+            <a:endParaRPr lang="en-US" altLang="ko-KR" dirty="0"/>
+          </a:p>
+        </p:txBody>
+      </p:sp>
+      <p:sp>
+        <p:nvSpPr>
+          <p:cNvPr id="13" name="직사각형 12"/>
+          <p:cNvSpPr/>
+          <p:nvPr/>
+        </p:nvSpPr>
+        <p:spPr>
+          <a:xfrm>
+            <a:off x="1549536" y="6062997"/>
+            <a:ext cx="1417400" cy="416026"/>
+          </a:xfrm>
+          <a:prstGeom prst="rect">
+            <a:avLst/>
+          </a:prstGeom>
+          <a:solidFill>
+            <a:schemeClr val="accent4">
+              <a:lumMod val="40000"/>
+              <a:lumOff val="60000"/>
+            </a:schemeClr>
+          </a:solidFill>
+        </p:spPr>
+        <p:style>
+          <a:lnRef idx="2">
+            <a:schemeClr val="accent1">
+              <a:shade val="50000"/>
+            </a:schemeClr>
+          </a:lnRef>
+          <a:fillRef idx="1">
+            <a:schemeClr val="accent1"/>
+          </a:fillRef>
+          <a:effectRef idx="0">
+            <a:schemeClr val="accent1"/>
+          </a:effectRef>
+          <a:fontRef idx="minor">
+            <a:schemeClr val="lt1"/>
+          </a:fontRef>
+        </p:style>
+        <p:txBody>
+          <a:bodyPr rtlCol="0" anchor="ctr"/>
+          <a:lstStyle/>
+          <a:p>
+            <a:pPr algn="ctr"/>
+            <a:r>
+              <a:rPr lang="en-US" altLang="ko-KR" dirty="0" smtClean="0"/>
+              <a:t>“bird”</a:t>
+            </a:r>
+            <a:endParaRPr lang="en-US" altLang="ko-KR" dirty="0"/>
+          </a:p>
+        </p:txBody>
+      </p:sp>
+      <p:sp>
+        <p:nvSpPr>
           <p:cNvPr id="17" name="직사각형 16"/>
           <p:cNvSpPr/>
           <p:nvPr/>
         </p:nvSpPr>
         <p:spPr>
           <a:xfrm>
-            <a:off x="1276760" y="2910924"/>
-            <a:ext cx="817120" cy="581284"/>
+            <a:off x="732414" y="3347250"/>
+            <a:ext cx="817120" cy="1583221"/>
           </a:xfrm>
           <a:prstGeom prst="rect">
             <a:avLst/>
@@ -15401,28 +18223,12 @@
           <a:p>
             <a:pPr algn="ctr"/>
             <a:r>
-              <a:rPr lang="ko-KR" altLang="en-US" dirty="0" smtClean="0">
-                <a:solidFill>
-                  <a:schemeClr val="tx1"/>
-                </a:solidFill>
-              </a:rPr>
-              <a:t>비</a:t>
-            </a:r>
-            <a:endParaRPr lang="en-US" altLang="ko-KR" dirty="0" smtClean="0">
-              <a:solidFill>
-                <a:schemeClr val="tx1"/>
-              </a:solidFill>
-            </a:endParaRPr>
-          </a:p>
-          <a:p>
-            <a:pPr algn="ctr"/>
-            <a:r>
               <a:rPr lang="en-US" altLang="ko-KR" dirty="0" smtClean="0">
                 <a:solidFill>
                   <a:schemeClr val="tx1"/>
                 </a:solidFill>
               </a:rPr>
-              <a:t>8%</a:t>
+              <a:t>1/2</a:t>
             </a:r>
             <a:endParaRPr lang="en-US" altLang="ko-KR" dirty="0">
               <a:solidFill>
@@ -15440,8 +18246,8 @@
         </p:nvSpPr>
         <p:spPr>
           <a:xfrm>
-            <a:off x="1350893" y="3328541"/>
-            <a:ext cx="817120" cy="2278531"/>
+            <a:off x="732414" y="4887038"/>
+            <a:ext cx="817120" cy="791179"/>
           </a:xfrm>
           <a:prstGeom prst="rect">
             <a:avLst/>
@@ -15473,28 +18279,12 @@
           <a:p>
             <a:pPr algn="ctr"/>
             <a:r>
-              <a:rPr lang="ko-KR" altLang="en-US" dirty="0" smtClean="0">
-                <a:solidFill>
-                  <a:schemeClr val="tx1"/>
-                </a:solidFill>
-              </a:rPr>
-              <a:t>맑음</a:t>
-            </a:r>
-            <a:endParaRPr lang="en-US" altLang="ko-KR" dirty="0" smtClean="0">
-              <a:solidFill>
-                <a:schemeClr val="tx1"/>
-              </a:solidFill>
-            </a:endParaRPr>
-          </a:p>
-          <a:p>
-            <a:pPr algn="ctr"/>
-            <a:r>
               <a:rPr lang="en-US" altLang="ko-KR" dirty="0" smtClean="0">
                 <a:solidFill>
                   <a:schemeClr val="tx1"/>
                 </a:solidFill>
               </a:rPr>
-              <a:t>92%</a:t>
+              <a:t>1/4</a:t>
             </a:r>
             <a:endParaRPr lang="en-US" altLang="ko-KR" dirty="0">
               <a:solidFill>
@@ -15512,8 +18302,8 @@
         </p:nvSpPr>
         <p:spPr>
           <a:xfrm>
-            <a:off x="2224430" y="5626139"/>
-            <a:ext cx="1812546" cy="512570"/>
+            <a:off x="732413" y="5678217"/>
+            <a:ext cx="817120" cy="416026"/>
           </a:xfrm>
           <a:prstGeom prst="rect">
             <a:avLst/>
@@ -15545,28 +18335,12 @@
           <a:p>
             <a:pPr algn="ctr"/>
             <a:r>
-              <a:rPr lang="ko-KR" altLang="en-US" dirty="0" smtClean="0">
-                <a:solidFill>
-                  <a:schemeClr val="tx1"/>
-                </a:solidFill>
-              </a:rPr>
-              <a:t>티셔츠</a:t>
-            </a:r>
-            <a:endParaRPr lang="en-US" altLang="ko-KR" dirty="0" smtClean="0">
-              <a:solidFill>
-                <a:schemeClr val="tx1"/>
-              </a:solidFill>
-            </a:endParaRPr>
-          </a:p>
-          <a:p>
-            <a:pPr algn="ctr"/>
-            <a:r>
               <a:rPr lang="en-US" altLang="ko-KR" dirty="0" smtClean="0">
                 <a:solidFill>
                   <a:schemeClr val="tx1"/>
                 </a:solidFill>
               </a:rPr>
-              <a:t>62%</a:t>
+              <a:t>1/8</a:t>
             </a:r>
             <a:endParaRPr lang="en-US" altLang="ko-KR" dirty="0">
               <a:solidFill>
@@ -15584,8 +18358,8 @@
         </p:nvSpPr>
         <p:spPr>
           <a:xfrm>
-            <a:off x="4036977" y="5626139"/>
-            <a:ext cx="1006154" cy="562288"/>
+            <a:off x="732413" y="6062997"/>
+            <a:ext cx="817120" cy="416026"/>
           </a:xfrm>
           <a:prstGeom prst="rect">
             <a:avLst/>
@@ -15617,28 +18391,12 @@
           <a:p>
             <a:pPr algn="ctr"/>
             <a:r>
-              <a:rPr lang="ko-KR" altLang="en-US" dirty="0" smtClean="0">
-                <a:solidFill>
-                  <a:schemeClr val="tx1"/>
-                </a:solidFill>
-              </a:rPr>
-              <a:t>외투</a:t>
-            </a:r>
-            <a:endParaRPr lang="en-US" altLang="ko-KR" dirty="0" smtClean="0">
-              <a:solidFill>
-                <a:schemeClr val="tx1"/>
-              </a:solidFill>
-            </a:endParaRPr>
-          </a:p>
-          <a:p>
-            <a:pPr algn="ctr"/>
-            <a:r>
               <a:rPr lang="en-US" altLang="ko-KR" dirty="0" smtClean="0">
                 <a:solidFill>
                   <a:schemeClr val="tx1"/>
                 </a:solidFill>
               </a:rPr>
-              <a:t>38%</a:t>
+              <a:t>1/8</a:t>
             </a:r>
             <a:endParaRPr lang="en-US" altLang="ko-KR" dirty="0">
               <a:solidFill>
@@ -15656,8 +18414,8 @@
         </p:nvSpPr>
         <p:spPr>
           <a:xfrm>
-            <a:off x="2941802" y="2445346"/>
-            <a:ext cx="1468877" cy="369332"/>
+            <a:off x="269132" y="4695867"/>
+            <a:ext cx="774165" cy="369332"/>
           </a:xfrm>
           <a:prstGeom prst="rect">
             <a:avLst/>
@@ -15673,7 +18431,7 @@
             <a:pPr algn="ctr"/>
             <a:r>
               <a:rPr lang="en-US" altLang="ko-KR" dirty="0" smtClean="0"/>
-              <a:t>P(X, Y)</a:t>
+              <a:t>p(x)</a:t>
             </a:r>
             <a:endParaRPr lang="ko-KR" altLang="en-US" dirty="0"/>
           </a:p>
@@ -15687,110 +18445,16 @@
         </p:nvSpPr>
         <p:spPr>
           <a:xfrm>
-            <a:off x="2224430" y="3346315"/>
-            <a:ext cx="1812547" cy="2260757"/>
+            <a:off x="4231128" y="3318638"/>
+            <a:ext cx="1417400" cy="407262"/>
           </a:xfrm>
           <a:prstGeom prst="rect">
             <a:avLst/>
           </a:prstGeom>
           <a:solidFill>
-            <a:srgbClr val="F175D1"/>
-          </a:solidFill>
-        </p:spPr>
-        <p:style>
-          <a:lnRef idx="2">
             <a:schemeClr val="accent1">
-              <a:shade val="50000"/>
-            </a:schemeClr>
-          </a:lnRef>
-          <a:fillRef idx="1">
-            <a:schemeClr val="accent1"/>
-          </a:fillRef>
-          <a:effectRef idx="0">
-            <a:schemeClr val="accent1"/>
-          </a:effectRef>
-          <a:fontRef idx="minor">
-            <a:schemeClr val="lt1"/>
-          </a:fontRef>
-        </p:style>
-        <p:txBody>
-          <a:bodyPr rtlCol="0" anchor="ctr"/>
-          <a:lstStyle/>
-          <a:p>
-            <a:pPr algn="ctr"/>
-            <a:r>
-              <a:rPr lang="en-US" altLang="ko-KR" dirty="0" smtClean="0"/>
-              <a:t>56%</a:t>
-            </a:r>
-            <a:endParaRPr lang="ko-KR" altLang="en-US" dirty="0"/>
-          </a:p>
-        </p:txBody>
-      </p:sp>
-      <p:sp>
-        <p:nvSpPr>
-          <p:cNvPr id="16" name="직사각형 15"/>
-          <p:cNvSpPr/>
-          <p:nvPr/>
-        </p:nvSpPr>
-        <p:spPr>
-          <a:xfrm>
-            <a:off x="2224431" y="3056818"/>
-            <a:ext cx="1812546" cy="289497"/>
-          </a:xfrm>
-          <a:prstGeom prst="rect">
-            <a:avLst/>
-          </a:prstGeom>
-          <a:solidFill>
-            <a:srgbClr val="F117A8"/>
-          </a:solidFill>
-        </p:spPr>
-        <p:style>
-          <a:lnRef idx="2">
-            <a:schemeClr val="accent1">
-              <a:shade val="50000"/>
-            </a:schemeClr>
-          </a:lnRef>
-          <a:fillRef idx="1">
-            <a:schemeClr val="accent1"/>
-          </a:fillRef>
-          <a:effectRef idx="0">
-            <a:schemeClr val="accent1"/>
-          </a:effectRef>
-          <a:fontRef idx="minor">
-            <a:schemeClr val="lt1"/>
-          </a:fontRef>
-        </p:style>
-        <p:txBody>
-          <a:bodyPr rtlCol="0" anchor="ctr"/>
-          <a:lstStyle/>
-          <a:p>
-            <a:pPr algn="ctr"/>
-            <a:r>
-              <a:rPr lang="en-US" altLang="ko-KR" dirty="0" smtClean="0"/>
-              <a:t>6%</a:t>
-            </a:r>
-            <a:endParaRPr lang="ko-KR" altLang="en-US" dirty="0"/>
-          </a:p>
-        </p:txBody>
-      </p:sp>
-      <p:sp>
-        <p:nvSpPr>
-          <p:cNvPr id="23" name="직사각형 22"/>
-          <p:cNvSpPr/>
-          <p:nvPr/>
-        </p:nvSpPr>
-        <p:spPr>
-          <a:xfrm>
-            <a:off x="4036979" y="4325215"/>
-            <a:ext cx="1006152" cy="1281857"/>
-          </a:xfrm>
-          <a:prstGeom prst="rect">
-            <a:avLst/>
-          </a:prstGeom>
-          <a:solidFill>
-            <a:schemeClr val="accent5">
-              <a:lumMod val="60000"/>
-              <a:lumOff val="40000"/>
+              <a:lumMod val="40000"/>
+              <a:lumOff val="60000"/>
             </a:schemeClr>
           </a:solidFill>
         </p:spPr>
@@ -15816,30 +18480,35 @@
           <a:p>
             <a:pPr algn="ctr"/>
             <a:r>
+              <a:rPr lang="en-US" altLang="ko-KR" dirty="0"/>
+              <a:t>“dog</a:t>
+            </a:r>
+            <a:r>
               <a:rPr lang="en-US" altLang="ko-KR" dirty="0" smtClean="0"/>
-              <a:t>19%</a:t>
-            </a:r>
-            <a:endParaRPr lang="ko-KR" altLang="en-US" dirty="0"/>
+              <a:t>”</a:t>
+            </a:r>
+            <a:endParaRPr lang="en-US" altLang="ko-KR" dirty="0"/>
           </a:p>
         </p:txBody>
       </p:sp>
       <p:sp>
         <p:nvSpPr>
-          <p:cNvPr id="24" name="직사각형 23"/>
+          <p:cNvPr id="16" name="직사각형 15"/>
           <p:cNvSpPr/>
           <p:nvPr/>
         </p:nvSpPr>
         <p:spPr>
           <a:xfrm>
-            <a:off x="4036979" y="3068282"/>
-            <a:ext cx="1006152" cy="1237866"/>
+            <a:off x="4231127" y="3719035"/>
+            <a:ext cx="1417400" cy="1514543"/>
           </a:xfrm>
           <a:prstGeom prst="rect">
             <a:avLst/>
           </a:prstGeom>
           <a:solidFill>
-            <a:schemeClr val="accent5">
-              <a:lumMod val="75000"/>
+            <a:schemeClr val="accent2">
+              <a:lumMod val="40000"/>
+              <a:lumOff val="60000"/>
             </a:schemeClr>
           </a:solidFill>
         </p:spPr>
@@ -15866,22 +18535,122 @@
             <a:pPr algn="ctr"/>
             <a:r>
               <a:rPr lang="en-US" altLang="ko-KR" dirty="0" smtClean="0"/>
-              <a:t>19%</a:t>
-            </a:r>
-            <a:endParaRPr lang="ko-KR" altLang="en-US" dirty="0"/>
+              <a:t>“cat”</a:t>
+            </a:r>
+            <a:endParaRPr lang="en-US" altLang="ko-KR" dirty="0"/>
           </a:p>
         </p:txBody>
       </p:sp>
       <p:sp>
         <p:nvSpPr>
-          <p:cNvPr id="26" name="직사각형 25"/>
+          <p:cNvPr id="23" name="직사각형 22"/>
           <p:cNvSpPr/>
           <p:nvPr/>
         </p:nvSpPr>
         <p:spPr>
           <a:xfrm>
-            <a:off x="5039928" y="3083936"/>
-            <a:ext cx="817120" cy="1222212"/>
+            <a:off x="4231127" y="5233578"/>
+            <a:ext cx="1417400" cy="832052"/>
+          </a:xfrm>
+          <a:prstGeom prst="rect">
+            <a:avLst/>
+          </a:prstGeom>
+          <a:solidFill>
+            <a:schemeClr val="accent3">
+              <a:lumMod val="40000"/>
+              <a:lumOff val="60000"/>
+            </a:schemeClr>
+          </a:solidFill>
+        </p:spPr>
+        <p:style>
+          <a:lnRef idx="2">
+            <a:schemeClr val="accent1">
+              <a:shade val="50000"/>
+            </a:schemeClr>
+          </a:lnRef>
+          <a:fillRef idx="1">
+            <a:schemeClr val="accent1"/>
+          </a:fillRef>
+          <a:effectRef idx="0">
+            <a:schemeClr val="accent1"/>
+          </a:effectRef>
+          <a:fontRef idx="minor">
+            <a:schemeClr val="lt1"/>
+          </a:fontRef>
+        </p:style>
+        <p:txBody>
+          <a:bodyPr rtlCol="0" anchor="ctr"/>
+          <a:lstStyle/>
+          <a:p>
+            <a:pPr algn="ctr"/>
+            <a:r>
+              <a:rPr lang="en-US" altLang="ko-KR" dirty="0" smtClean="0"/>
+              <a:t>“fish”</a:t>
+            </a:r>
+            <a:endParaRPr lang="en-US" altLang="ko-KR" dirty="0"/>
+          </a:p>
+        </p:txBody>
+      </p:sp>
+      <p:sp>
+        <p:nvSpPr>
+          <p:cNvPr id="24" name="직사각형 23"/>
+          <p:cNvSpPr/>
+          <p:nvPr/>
+        </p:nvSpPr>
+        <p:spPr>
+          <a:xfrm>
+            <a:off x="4231127" y="6034384"/>
+            <a:ext cx="1417400" cy="416026"/>
+          </a:xfrm>
+          <a:prstGeom prst="rect">
+            <a:avLst/>
+          </a:prstGeom>
+          <a:solidFill>
+            <a:schemeClr val="accent4">
+              <a:lumMod val="40000"/>
+              <a:lumOff val="60000"/>
+            </a:schemeClr>
+          </a:solidFill>
+        </p:spPr>
+        <p:style>
+          <a:lnRef idx="2">
+            <a:schemeClr val="accent1">
+              <a:shade val="50000"/>
+            </a:schemeClr>
+          </a:lnRef>
+          <a:fillRef idx="1">
+            <a:schemeClr val="accent1"/>
+          </a:fillRef>
+          <a:effectRef idx="0">
+            <a:schemeClr val="accent1"/>
+          </a:effectRef>
+          <a:fontRef idx="minor">
+            <a:schemeClr val="lt1"/>
+          </a:fontRef>
+        </p:style>
+        <p:txBody>
+          <a:bodyPr rtlCol="0" anchor="ctr"/>
+          <a:lstStyle/>
+          <a:p>
+            <a:pPr algn="ctr"/>
+            <a:r>
+              <a:rPr lang="en-US" altLang="ko-KR" dirty="0" smtClean="0"/>
+              <a:t>“bird”</a:t>
+            </a:r>
+            <a:endParaRPr lang="en-US" altLang="ko-KR" dirty="0"/>
+          </a:p>
+        </p:txBody>
+      </p:sp>
+      <p:sp>
+        <p:nvSpPr>
+          <p:cNvPr id="25" name="직사각형 24"/>
+          <p:cNvSpPr/>
+          <p:nvPr/>
+        </p:nvSpPr>
+        <p:spPr>
+          <a:xfrm>
+            <a:off x="3414005" y="3318637"/>
+            <a:ext cx="817120" cy="407263"/>
           </a:xfrm>
           <a:prstGeom prst="rect">
             <a:avLst/>
@@ -15913,28 +18682,12 @@
           <a:p>
             <a:pPr algn="ctr"/>
             <a:r>
-              <a:rPr lang="ko-KR" altLang="en-US" dirty="0" smtClean="0">
-                <a:solidFill>
-                  <a:schemeClr val="tx1"/>
-                </a:solidFill>
-              </a:rPr>
-              <a:t>비</a:t>
-            </a:r>
-            <a:endParaRPr lang="en-US" altLang="ko-KR" dirty="0" smtClean="0">
-              <a:solidFill>
-                <a:schemeClr val="tx1"/>
-              </a:solidFill>
-            </a:endParaRPr>
-          </a:p>
-          <a:p>
-            <a:pPr algn="ctr"/>
-            <a:r>
               <a:rPr lang="en-US" altLang="ko-KR" dirty="0" smtClean="0">
                 <a:solidFill>
                   <a:schemeClr val="tx1"/>
                 </a:solidFill>
               </a:rPr>
-              <a:t>50%</a:t>
+              <a:t>1/8</a:t>
             </a:r>
             <a:endParaRPr lang="en-US" altLang="ko-KR" dirty="0">
               <a:solidFill>
@@ -15946,14 +18699,14 @@
       </p:sp>
       <p:sp>
         <p:nvSpPr>
-          <p:cNvPr id="27" name="직사각형 26"/>
+          <p:cNvPr id="26" name="직사각형 25"/>
           <p:cNvSpPr/>
           <p:nvPr/>
         </p:nvSpPr>
         <p:spPr>
           <a:xfrm>
-            <a:off x="5039739" y="4346352"/>
-            <a:ext cx="817120" cy="1279787"/>
+            <a:off x="3414002" y="3728969"/>
+            <a:ext cx="817120" cy="1504609"/>
           </a:xfrm>
           <a:prstGeom prst="rect">
             <a:avLst/>
@@ -15985,28 +18738,12 @@
           <a:p>
             <a:pPr algn="ctr"/>
             <a:r>
-              <a:rPr lang="ko-KR" altLang="en-US" dirty="0" smtClean="0">
-                <a:solidFill>
-                  <a:schemeClr val="tx1"/>
-                </a:solidFill>
-              </a:rPr>
-              <a:t>맑음</a:t>
-            </a:r>
-            <a:endParaRPr lang="en-US" altLang="ko-KR" dirty="0" smtClean="0">
-              <a:solidFill>
-                <a:schemeClr val="tx1"/>
-              </a:solidFill>
-            </a:endParaRPr>
-          </a:p>
-          <a:p>
-            <a:pPr algn="ctr"/>
-            <a:r>
               <a:rPr lang="en-US" altLang="ko-KR" dirty="0" smtClean="0">
                 <a:solidFill>
                   <a:schemeClr val="tx1"/>
                 </a:solidFill>
               </a:rPr>
-              <a:t>50%</a:t>
+              <a:t>1/2</a:t>
             </a:r>
             <a:endParaRPr lang="en-US" altLang="ko-KR" dirty="0">
               <a:solidFill>
@@ -16016,224 +18753,16 @@
           </a:p>
         </p:txBody>
       </p:sp>
-      <p:grpSp>
-        <p:nvGrpSpPr>
-          <p:cNvPr id="4" name="그룹 3"/>
-          <p:cNvGrpSpPr/>
-          <p:nvPr/>
-        </p:nvGrpSpPr>
-        <p:grpSpPr>
-          <a:xfrm>
-            <a:off x="7008583" y="3033774"/>
-            <a:ext cx="1812548" cy="2573298"/>
-            <a:chOff x="7332242" y="3973550"/>
-            <a:chExt cx="1812548" cy="2089588"/>
-          </a:xfrm>
-        </p:grpSpPr>
-        <p:sp>
-          <p:nvSpPr>
-            <p:cNvPr id="28" name="직사각형 27"/>
-            <p:cNvSpPr/>
-            <p:nvPr/>
-          </p:nvSpPr>
-          <p:spPr>
-            <a:xfrm>
-              <a:off x="7332243" y="4593271"/>
-              <a:ext cx="1812547" cy="1080271"/>
-            </a:xfrm>
-            <a:prstGeom prst="rect">
-              <a:avLst/>
-            </a:prstGeom>
-            <a:solidFill>
-              <a:srgbClr val="F175D1"/>
-            </a:solidFill>
-          </p:spPr>
-          <p:style>
-            <a:lnRef idx="2">
-              <a:schemeClr val="accent1">
-                <a:shade val="50000"/>
-              </a:schemeClr>
-            </a:lnRef>
-            <a:fillRef idx="1">
-              <a:schemeClr val="accent1"/>
-            </a:fillRef>
-            <a:effectRef idx="0">
-              <a:schemeClr val="accent1"/>
-            </a:effectRef>
-            <a:fontRef idx="minor">
-              <a:schemeClr val="lt1"/>
-            </a:fontRef>
-          </p:style>
-          <p:txBody>
-            <a:bodyPr rtlCol="0" anchor="ctr"/>
-            <a:lstStyle/>
-            <a:p>
-              <a:pPr algn="ctr"/>
-              <a:r>
-                <a:rPr lang="en-US" altLang="ko-KR" dirty="0" smtClean="0"/>
-                <a:t>56%</a:t>
-              </a:r>
-              <a:endParaRPr lang="ko-KR" altLang="en-US" dirty="0"/>
-            </a:p>
-          </p:txBody>
-        </p:sp>
-        <p:sp>
-          <p:nvSpPr>
-            <p:cNvPr id="29" name="직사각형 28"/>
-            <p:cNvSpPr/>
-            <p:nvPr/>
-          </p:nvSpPr>
-          <p:spPr>
-            <a:xfrm>
-              <a:off x="7332242" y="3973550"/>
-              <a:ext cx="1812546" cy="201496"/>
-            </a:xfrm>
-            <a:prstGeom prst="rect">
-              <a:avLst/>
-            </a:prstGeom>
-            <a:solidFill>
-              <a:srgbClr val="F117A8"/>
-            </a:solidFill>
-          </p:spPr>
-          <p:style>
-            <a:lnRef idx="2">
-              <a:schemeClr val="accent1">
-                <a:shade val="50000"/>
-              </a:schemeClr>
-            </a:lnRef>
-            <a:fillRef idx="1">
-              <a:schemeClr val="accent1"/>
-            </a:fillRef>
-            <a:effectRef idx="0">
-              <a:schemeClr val="accent1"/>
-            </a:effectRef>
-            <a:fontRef idx="minor">
-              <a:schemeClr val="lt1"/>
-            </a:fontRef>
-          </p:style>
-          <p:txBody>
-            <a:bodyPr rtlCol="0" anchor="ctr"/>
-            <a:lstStyle/>
-            <a:p>
-              <a:pPr algn="ctr"/>
-              <a:r>
-                <a:rPr lang="en-US" altLang="ko-KR" dirty="0" smtClean="0"/>
-                <a:t>6%</a:t>
-              </a:r>
-              <a:endParaRPr lang="ko-KR" altLang="en-US" dirty="0"/>
-            </a:p>
-          </p:txBody>
-        </p:sp>
-        <p:sp>
-          <p:nvSpPr>
-            <p:cNvPr id="30" name="직사각형 29"/>
-            <p:cNvSpPr/>
-            <p:nvPr/>
-          </p:nvSpPr>
-          <p:spPr>
-            <a:xfrm>
-              <a:off x="7332243" y="5665939"/>
-              <a:ext cx="1812546" cy="397199"/>
-            </a:xfrm>
-            <a:prstGeom prst="rect">
-              <a:avLst/>
-            </a:prstGeom>
-            <a:solidFill>
-              <a:schemeClr val="accent5">
-                <a:lumMod val="60000"/>
-                <a:lumOff val="40000"/>
-              </a:schemeClr>
-            </a:solidFill>
-          </p:spPr>
-          <p:style>
-            <a:lnRef idx="2">
-              <a:schemeClr val="accent1">
-                <a:shade val="50000"/>
-              </a:schemeClr>
-            </a:lnRef>
-            <a:fillRef idx="1">
-              <a:schemeClr val="accent1"/>
-            </a:fillRef>
-            <a:effectRef idx="0">
-              <a:schemeClr val="accent1"/>
-            </a:effectRef>
-            <a:fontRef idx="minor">
-              <a:schemeClr val="lt1"/>
-            </a:fontRef>
-          </p:style>
-          <p:txBody>
-            <a:bodyPr rtlCol="0" anchor="ctr"/>
-            <a:lstStyle/>
-            <a:p>
-              <a:pPr algn="ctr"/>
-              <a:r>
-                <a:rPr lang="en-US" altLang="ko-KR" dirty="0" smtClean="0"/>
-                <a:t>19%</a:t>
-              </a:r>
-              <a:endParaRPr lang="ko-KR" altLang="en-US" dirty="0"/>
-            </a:p>
-          </p:txBody>
-        </p:sp>
-        <p:sp>
-          <p:nvSpPr>
-            <p:cNvPr id="31" name="직사각형 30"/>
-            <p:cNvSpPr/>
-            <p:nvPr/>
-          </p:nvSpPr>
-          <p:spPr>
-            <a:xfrm>
-              <a:off x="7332243" y="4186510"/>
-              <a:ext cx="1812545" cy="408663"/>
-            </a:xfrm>
-            <a:prstGeom prst="rect">
-              <a:avLst/>
-            </a:prstGeom>
-            <a:solidFill>
-              <a:schemeClr val="accent5">
-                <a:lumMod val="75000"/>
-              </a:schemeClr>
-            </a:solidFill>
-          </p:spPr>
-          <p:style>
-            <a:lnRef idx="2">
-              <a:schemeClr val="accent1">
-                <a:shade val="50000"/>
-              </a:schemeClr>
-            </a:lnRef>
-            <a:fillRef idx="1">
-              <a:schemeClr val="accent1"/>
-            </a:fillRef>
-            <a:effectRef idx="0">
-              <a:schemeClr val="accent1"/>
-            </a:effectRef>
-            <a:fontRef idx="minor">
-              <a:schemeClr val="lt1"/>
-            </a:fontRef>
-          </p:style>
-          <p:txBody>
-            <a:bodyPr rtlCol="0" anchor="ctr"/>
-            <a:lstStyle/>
-            <a:p>
-              <a:pPr algn="ctr"/>
-              <a:r>
-                <a:rPr lang="en-US" altLang="ko-KR" dirty="0" smtClean="0"/>
-                <a:t>19%</a:t>
-              </a:r>
-              <a:endParaRPr lang="ko-KR" altLang="en-US" dirty="0"/>
-            </a:p>
-          </p:txBody>
-        </p:sp>
-      </p:grpSp>
       <p:sp>
         <p:nvSpPr>
-          <p:cNvPr id="32" name="직사각형 31"/>
+          <p:cNvPr id="27" name="직사각형 26"/>
           <p:cNvSpPr/>
           <p:nvPr/>
         </p:nvSpPr>
         <p:spPr>
           <a:xfrm>
-            <a:off x="8821129" y="5127290"/>
-            <a:ext cx="1812546" cy="479782"/>
+            <a:off x="3414004" y="5230509"/>
+            <a:ext cx="817120" cy="835121"/>
           </a:xfrm>
           <a:prstGeom prst="rect">
             <a:avLst/>
@@ -16265,28 +18794,12 @@
           <a:p>
             <a:pPr algn="ctr"/>
             <a:r>
-              <a:rPr lang="ko-KR" altLang="en-US" dirty="0" smtClean="0">
-                <a:solidFill>
-                  <a:schemeClr val="tx1"/>
-                </a:solidFill>
-              </a:rPr>
-              <a:t>맑음 </a:t>
-            </a:r>
-            <a:r>
               <a:rPr lang="en-US" altLang="ko-KR" dirty="0" smtClean="0">
                 <a:solidFill>
                   <a:schemeClr val="tx1"/>
                 </a:solidFill>
               </a:rPr>
-              <a:t>&amp; </a:t>
-            </a:r>
-            <a:r>
-              <a:rPr lang="ko-KR" altLang="en-US" dirty="0" smtClean="0">
-                <a:solidFill>
-                  <a:schemeClr val="tx1"/>
-                </a:solidFill>
-              </a:rPr>
-              <a:t>외투</a:t>
+              <a:t>1/4</a:t>
             </a:r>
             <a:endParaRPr lang="en-US" altLang="ko-KR" dirty="0">
               <a:solidFill>
@@ -16298,14 +18811,14 @@
       </p:sp>
       <p:sp>
         <p:nvSpPr>
-          <p:cNvPr id="33" name="직사각형 32"/>
+          <p:cNvPr id="28" name="직사각형 27"/>
           <p:cNvSpPr/>
           <p:nvPr/>
         </p:nvSpPr>
         <p:spPr>
           <a:xfrm>
-            <a:off x="8821129" y="3796952"/>
-            <a:ext cx="1812546" cy="1330338"/>
+            <a:off x="3414004" y="6034384"/>
+            <a:ext cx="817120" cy="416026"/>
           </a:xfrm>
           <a:prstGeom prst="rect">
             <a:avLst/>
@@ -16337,28 +18850,12 @@
           <a:p>
             <a:pPr algn="ctr"/>
             <a:r>
-              <a:rPr lang="ko-KR" altLang="en-US" dirty="0" smtClean="0">
-                <a:solidFill>
-                  <a:schemeClr val="tx1"/>
-                </a:solidFill>
-              </a:rPr>
-              <a:t>맑음 </a:t>
-            </a:r>
-            <a:r>
               <a:rPr lang="en-US" altLang="ko-KR" dirty="0" smtClean="0">
                 <a:solidFill>
                   <a:schemeClr val="tx1"/>
                 </a:solidFill>
               </a:rPr>
-              <a:t>&amp; </a:t>
-            </a:r>
-            <a:r>
-              <a:rPr lang="ko-KR" altLang="en-US" dirty="0" smtClean="0">
-                <a:solidFill>
-                  <a:schemeClr val="tx1"/>
-                </a:solidFill>
-              </a:rPr>
-              <a:t>티셔츠</a:t>
+              <a:t>1/8</a:t>
             </a:r>
             <a:endParaRPr lang="en-US" altLang="ko-KR" dirty="0">
               <a:solidFill>
@@ -16370,152 +18867,39 @@
       </p:sp>
       <p:sp>
         <p:nvSpPr>
-          <p:cNvPr id="34" name="직사각형 33"/>
-          <p:cNvSpPr/>
+          <p:cNvPr id="29" name="TextBox 28"/>
+          <p:cNvSpPr txBox="1"/>
           <p:nvPr/>
         </p:nvSpPr>
         <p:spPr>
           <a:xfrm>
-            <a:off x="8831092" y="3320711"/>
-            <a:ext cx="1812546" cy="479782"/>
+            <a:off x="2950723" y="4667254"/>
+            <a:ext cx="774165" cy="369332"/>
           </a:xfrm>
           <a:prstGeom prst="rect">
             <a:avLst/>
           </a:prstGeom>
           <a:noFill/>
-          <a:ln>
-            <a:noFill/>
-          </a:ln>
         </p:spPr>
-        <p:style>
-          <a:lnRef idx="2">
-            <a:schemeClr val="accent1">
-              <a:shade val="50000"/>
-            </a:schemeClr>
-          </a:lnRef>
-          <a:fillRef idx="1">
-            <a:schemeClr val="accent1"/>
-          </a:fillRef>
-          <a:effectRef idx="0">
-            <a:schemeClr val="accent1"/>
-          </a:effectRef>
-          <a:fontRef idx="minor">
-            <a:schemeClr val="lt1"/>
-          </a:fontRef>
-        </p:style>
         <p:txBody>
-          <a:bodyPr rtlCol="0" anchor="ctr"/>
+          <a:bodyPr wrap="square" rtlCol="0">
+            <a:spAutoFit/>
+          </a:bodyPr>
           <a:lstStyle/>
           <a:p>
             <a:pPr algn="ctr"/>
             <a:r>
-              <a:rPr lang="ko-KR" altLang="en-US" dirty="0" smtClean="0">
-                <a:solidFill>
-                  <a:schemeClr val="tx1"/>
-                </a:solidFill>
-              </a:rPr>
-              <a:t>비 </a:t>
-            </a:r>
-            <a:r>
-              <a:rPr lang="en-US" altLang="ko-KR" dirty="0" smtClean="0">
-                <a:solidFill>
-                  <a:schemeClr val="tx1"/>
-                </a:solidFill>
-              </a:rPr>
-              <a:t>&amp; </a:t>
-            </a:r>
-            <a:r>
-              <a:rPr lang="ko-KR" altLang="en-US" dirty="0" smtClean="0">
-                <a:solidFill>
-                  <a:schemeClr val="tx1"/>
-                </a:solidFill>
-              </a:rPr>
-              <a:t>외투</a:t>
-            </a:r>
-            <a:endParaRPr lang="en-US" altLang="ko-KR" dirty="0">
-              <a:solidFill>
-                <a:schemeClr val="tx1"/>
-              </a:solidFill>
-            </a:endParaRPr>
-          </a:p>
-        </p:txBody>
-      </p:sp>
-      <p:sp>
-        <p:nvSpPr>
-          <p:cNvPr id="35" name="직사각형 34"/>
-          <p:cNvSpPr/>
-          <p:nvPr/>
-        </p:nvSpPr>
-        <p:spPr>
-          <a:xfrm>
-            <a:off x="8831092" y="3033774"/>
-            <a:ext cx="1812546" cy="260686"/>
-          </a:xfrm>
-          <a:prstGeom prst="rect">
-            <a:avLst/>
-          </a:prstGeom>
-          <a:noFill/>
-          <a:ln>
-            <a:noFill/>
-          </a:ln>
-        </p:spPr>
-        <p:style>
-          <a:lnRef idx="2">
-            <a:schemeClr val="accent1">
-              <a:shade val="50000"/>
-            </a:schemeClr>
-          </a:lnRef>
-          <a:fillRef idx="1">
-            <a:schemeClr val="accent1"/>
-          </a:fillRef>
-          <a:effectRef idx="0">
-            <a:schemeClr val="accent1"/>
-          </a:effectRef>
-          <a:fontRef idx="minor">
-            <a:schemeClr val="lt1"/>
-          </a:fontRef>
-        </p:style>
-        <p:txBody>
-          <a:bodyPr rtlCol="0" anchor="ctr"/>
-          <a:lstStyle/>
-          <a:p>
-            <a:pPr algn="ctr"/>
-            <a:r>
-              <a:rPr lang="ko-KR" altLang="en-US" dirty="0" smtClean="0">
-                <a:solidFill>
-                  <a:schemeClr val="tx1"/>
-                </a:solidFill>
-              </a:rPr>
-              <a:t>비 </a:t>
-            </a:r>
-            <a:r>
-              <a:rPr lang="en-US" altLang="ko-KR" dirty="0" smtClean="0">
-                <a:solidFill>
-                  <a:schemeClr val="tx1"/>
-                </a:solidFill>
-              </a:rPr>
-              <a:t>&amp; </a:t>
-            </a:r>
-            <a:r>
-              <a:rPr lang="ko-KR" altLang="en-US" dirty="0" smtClean="0">
-                <a:solidFill>
-                  <a:schemeClr val="tx1"/>
-                </a:solidFill>
-              </a:rPr>
-              <a:t>티셔츠</a:t>
-            </a:r>
-            <a:endParaRPr lang="en-US" altLang="ko-KR" dirty="0">
-              <a:solidFill>
-                <a:schemeClr val="tx1"/>
-              </a:solidFill>
-            </a:endParaRPr>
+              <a:rPr lang="en-US" altLang="ko-KR" dirty="0" smtClean="0"/>
+              <a:t>q(x)</a:t>
+            </a:r>
+            <a:endParaRPr lang="ko-KR" altLang="en-US" dirty="0"/>
           </a:p>
         </p:txBody>
       </p:sp>
     </p:spTree>
     <p:extLst>
       <p:ext uri="{BB962C8B-B14F-4D97-AF65-F5344CB8AC3E}">
-        <p14:creationId xmlns:p14="http://schemas.microsoft.com/office/powerpoint/2010/main" val="893174466"/>
+        <p14:creationId xmlns:p14="http://schemas.microsoft.com/office/powerpoint/2010/main" val="1474258742"/>
       </p:ext>
     </p:extLst>
   </p:cSld>
